--- a/презентации/МНСК_2.pptx
+++ b/презентации/МНСК_2.pptx
@@ -6,24 +6,28 @@
     <p:sldMasterId id="2147483671" r:id="rId2"/>
   </p:sldMasterIdLst>
   <p:notesMasterIdLst>
-    <p:notesMasterId r:id="rId18"/>
+    <p:notesMasterId r:id="rId22"/>
   </p:notesMasterIdLst>
   <p:sldIdLst>
     <p:sldId id="256" r:id="rId3"/>
-    <p:sldId id="278" r:id="rId4"/>
-    <p:sldId id="260" r:id="rId5"/>
-    <p:sldId id="261" r:id="rId6"/>
-    <p:sldId id="279" r:id="rId7"/>
-    <p:sldId id="262" r:id="rId8"/>
-    <p:sldId id="264" r:id="rId9"/>
-    <p:sldId id="265" r:id="rId10"/>
-    <p:sldId id="266" r:id="rId11"/>
-    <p:sldId id="268" r:id="rId12"/>
-    <p:sldId id="269" r:id="rId13"/>
-    <p:sldId id="270" r:id="rId14"/>
-    <p:sldId id="271" r:id="rId15"/>
-    <p:sldId id="272" r:id="rId16"/>
-    <p:sldId id="280" r:id="rId17"/>
+    <p:sldId id="283" r:id="rId4"/>
+    <p:sldId id="282" r:id="rId5"/>
+    <p:sldId id="278" r:id="rId6"/>
+    <p:sldId id="260" r:id="rId7"/>
+    <p:sldId id="261" r:id="rId8"/>
+    <p:sldId id="279" r:id="rId9"/>
+    <p:sldId id="262" r:id="rId10"/>
+    <p:sldId id="264" r:id="rId11"/>
+    <p:sldId id="265" r:id="rId12"/>
+    <p:sldId id="266" r:id="rId13"/>
+    <p:sldId id="268" r:id="rId14"/>
+    <p:sldId id="269" r:id="rId15"/>
+    <p:sldId id="270" r:id="rId16"/>
+    <p:sldId id="271" r:id="rId17"/>
+    <p:sldId id="272" r:id="rId18"/>
+    <p:sldId id="280" r:id="rId19"/>
+    <p:sldId id="281" r:id="rId20"/>
+    <p:sldId id="284" r:id="rId21"/>
   </p:sldIdLst>
   <p:sldSz cx="9144000" cy="5143500" type="screen16x9"/>
   <p:notesSz cx="6858000" cy="9144000"/>
@@ -258,7 +262,7 @@
   </p:defaultTextStyle>
   <p:extLst>
     <p:ext uri="{EFAFB233-063F-42B5-8137-9DF3F51BA10A}">
-      <p15:sldGuideLst xmlns:p15="http://schemas.microsoft.com/office/powerpoint/2012/main" xmlns:p14="http://schemas.microsoft.com/office/powerpoint/2010/main" xmlns:com="http://schemas.openxmlformats.org/drawingml/2006/compatibility" xmlns:pvml="urn:schemas-microsoft-com:office:powerpoint" xmlns:v="urn:schemas-microsoft-com:vml" xmlns:o="urn:schemas-microsoft-com:office:office" xmlns:dgm="http://schemas.openxmlformats.org/drawingml/2006/diagram" xmlns:c="http://schemas.openxmlformats.org/drawingml/2006/chart" xmlns:mv="urn:schemas-microsoft-com:mac:vml" xmlns:mc="http://schemas.openxmlformats.org/markup-compatibility/2006" xmlns="">
+      <p15:sldGuideLst xmlns="" xmlns:mc="http://schemas.openxmlformats.org/markup-compatibility/2006" xmlns:mv="urn:schemas-microsoft-com:mac:vml" xmlns:c="http://schemas.openxmlformats.org/drawingml/2006/chart" xmlns:dgm="http://schemas.openxmlformats.org/drawingml/2006/diagram" xmlns:o="urn:schemas-microsoft-com:office:office" xmlns:v="urn:schemas-microsoft-com:vml" xmlns:pvml="urn:schemas-microsoft-com:office:powerpoint" xmlns:com="http://schemas.openxmlformats.org/drawingml/2006/compatibility" xmlns:p14="http://schemas.microsoft.com/office/powerpoint/2010/main" xmlns:p15="http://schemas.microsoft.com/office/powerpoint/2012/main">
         <p15:guide id="1" orient="horz" pos="1620">
           <p15:clr>
             <a:srgbClr val="A4A3A4"/>
@@ -830,6 +834,110 @@
   <p:cSld>
     <p:spTree>
       <p:nvGrpSpPr>
+        <p:cNvPr id="1" name="Shape 200"/>
+        <p:cNvGrpSpPr/>
+        <p:nvPr/>
+      </p:nvGrpSpPr>
+      <p:grpSpPr>
+        <a:xfrm>
+          <a:off x="0" y="0"/>
+          <a:ext cx="0" cy="0"/>
+          <a:chOff x="0" y="0"/>
+          <a:chExt cx="0" cy="0"/>
+        </a:xfrm>
+      </p:grpSpPr>
+      <p:sp>
+        <p:nvSpPr>
+          <p:cNvPr id="201" name="Google Shape;201;g7e2ccde515_0_156:notes"/>
+          <p:cNvSpPr>
+            <a:spLocks noGrp="1" noRot="1" noChangeAspect="1"/>
+          </p:cNvSpPr>
+          <p:nvPr>
+            <p:ph type="sldImg" idx="2"/>
+          </p:nvPr>
+        </p:nvSpPr>
+        <p:spPr>
+          <a:xfrm>
+            <a:off x="381000" y="685800"/>
+            <a:ext cx="6096000" cy="3429000"/>
+          </a:xfrm>
+          <a:custGeom>
+            <a:avLst/>
+            <a:gdLst/>
+            <a:ahLst/>
+            <a:cxnLst/>
+            <a:rect l="l" t="t" r="r" b="b"/>
+            <a:pathLst>
+              <a:path w="120000" h="120000" extrusionOk="0">
+                <a:moveTo>
+                  <a:pt x="0" y="0"/>
+                </a:moveTo>
+                <a:lnTo>
+                  <a:pt x="120000" y="0"/>
+                </a:lnTo>
+                <a:lnTo>
+                  <a:pt x="120000" y="120000"/>
+                </a:lnTo>
+                <a:lnTo>
+                  <a:pt x="0" y="120000"/>
+                </a:lnTo>
+                <a:close/>
+              </a:path>
+            </a:pathLst>
+          </a:custGeom>
+        </p:spPr>
+      </p:sp>
+      <p:sp>
+        <p:nvSpPr>
+          <p:cNvPr id="202" name="Google Shape;202;g7e2ccde515_0_156:notes"/>
+          <p:cNvSpPr txBox="1">
+            <a:spLocks noGrp="1"/>
+          </p:cNvSpPr>
+          <p:nvPr>
+            <p:ph type="body" idx="1"/>
+          </p:nvPr>
+        </p:nvSpPr>
+        <p:spPr>
+          <a:xfrm>
+            <a:off x="685800" y="4343400"/>
+            <a:ext cx="5486400" cy="4114800"/>
+          </a:xfrm>
+          <a:prstGeom prst="rect">
+            <a:avLst/>
+          </a:prstGeom>
+        </p:spPr>
+        <p:txBody>
+          <a:bodyPr spcFirstLastPara="1" wrap="square" lIns="91425" tIns="91425" rIns="91425" bIns="91425" anchor="t" anchorCtr="0">
+            <a:noAutofit/>
+          </a:bodyPr>
+          <a:lstStyle/>
+          <a:p>
+            <a:pPr marL="0" lvl="0" indent="0" algn="l" rtl="0">
+              <a:spcBef>
+                <a:spcPts val="0"/>
+              </a:spcBef>
+              <a:spcAft>
+                <a:spcPts val="0"/>
+              </a:spcAft>
+              <a:buNone/>
+            </a:pPr>
+            <a:endParaRPr dirty="0"/>
+          </a:p>
+        </p:txBody>
+      </p:sp>
+    </p:spTree>
+  </p:cSld>
+  <p:clrMapOvr>
+    <a:masterClrMapping/>
+  </p:clrMapOvr>
+</p:notes>
+</file>
+
+<file path=ppt/notesSlides/notesSlide11.xml><?xml version="1.0" encoding="utf-8"?>
+<p:notes xmlns:a="http://schemas.openxmlformats.org/drawingml/2006/main" xmlns:r="http://schemas.openxmlformats.org/officeDocument/2006/relationships" xmlns:p="http://schemas.openxmlformats.org/presentationml/2006/main" showMasterSp="0" showMasterPhAnim="0">
+  <p:cSld>
+    <p:spTree>
+      <p:nvGrpSpPr>
         <p:cNvPr id="1" name="Shape 208"/>
         <p:cNvGrpSpPr/>
         <p:nvPr/>
@@ -929,7 +1037,7 @@
 </p:notes>
 </file>
 
-<file path=ppt/notesSlides/notesSlide11.xml><?xml version="1.0" encoding="utf-8"?>
+<file path=ppt/notesSlides/notesSlide12.xml><?xml version="1.0" encoding="utf-8"?>
 <p:notes xmlns:a="http://schemas.openxmlformats.org/drawingml/2006/main" xmlns:r="http://schemas.openxmlformats.org/officeDocument/2006/relationships" xmlns:p="http://schemas.openxmlformats.org/presentationml/2006/main" showMasterSp="0" showMasterPhAnim="0">
   <p:cSld>
     <p:spTree>
@@ -1033,7 +1141,7 @@
 </p:notes>
 </file>
 
-<file path=ppt/notesSlides/notesSlide12.xml><?xml version="1.0" encoding="utf-8"?>
+<file path=ppt/notesSlides/notesSlide13.xml><?xml version="1.0" encoding="utf-8"?>
 <p:notes xmlns:a="http://schemas.openxmlformats.org/drawingml/2006/main" xmlns:r="http://schemas.openxmlformats.org/officeDocument/2006/relationships" xmlns:p="http://schemas.openxmlformats.org/presentationml/2006/main" showMasterSp="0" showMasterPhAnim="0">
   <p:cSld>
     <p:spTree>
@@ -1142,6 +1250,521 @@
   <p:cSld>
     <p:spTree>
       <p:nvGrpSpPr>
+        <p:cNvPr id="1" name="Shape 119"/>
+        <p:cNvGrpSpPr/>
+        <p:nvPr/>
+      </p:nvGrpSpPr>
+      <p:grpSpPr>
+        <a:xfrm>
+          <a:off x="0" y="0"/>
+          <a:ext cx="0" cy="0"/>
+          <a:chOff x="0" y="0"/>
+          <a:chExt cx="0" cy="0"/>
+        </a:xfrm>
+      </p:grpSpPr>
+      <p:sp>
+        <p:nvSpPr>
+          <p:cNvPr id="120" name="Google Shape;120;g7e2ccde515_0_424:notes"/>
+          <p:cNvSpPr>
+            <a:spLocks noGrp="1" noRot="1" noChangeAspect="1"/>
+          </p:cNvSpPr>
+          <p:nvPr>
+            <p:ph type="sldImg" idx="2"/>
+          </p:nvPr>
+        </p:nvSpPr>
+        <p:spPr>
+          <a:xfrm>
+            <a:off x="381000" y="685800"/>
+            <a:ext cx="6096000" cy="3429000"/>
+          </a:xfrm>
+          <a:custGeom>
+            <a:avLst/>
+            <a:gdLst/>
+            <a:ahLst/>
+            <a:cxnLst/>
+            <a:rect l="l" t="t" r="r" b="b"/>
+            <a:pathLst>
+              <a:path w="120000" h="120000" extrusionOk="0">
+                <a:moveTo>
+                  <a:pt x="0" y="0"/>
+                </a:moveTo>
+                <a:lnTo>
+                  <a:pt x="120000" y="0"/>
+                </a:lnTo>
+                <a:lnTo>
+                  <a:pt x="120000" y="120000"/>
+                </a:lnTo>
+                <a:lnTo>
+                  <a:pt x="0" y="120000"/>
+                </a:lnTo>
+                <a:close/>
+              </a:path>
+            </a:pathLst>
+          </a:custGeom>
+        </p:spPr>
+      </p:sp>
+      <p:sp>
+        <p:nvSpPr>
+          <p:cNvPr id="121" name="Google Shape;121;g7e2ccde515_0_424:notes"/>
+          <p:cNvSpPr txBox="1">
+            <a:spLocks noGrp="1"/>
+          </p:cNvSpPr>
+          <p:nvPr>
+            <p:ph type="body" idx="1"/>
+          </p:nvPr>
+        </p:nvSpPr>
+        <p:spPr>
+          <a:xfrm>
+            <a:off x="685800" y="4343400"/>
+            <a:ext cx="5486400" cy="4114800"/>
+          </a:xfrm>
+          <a:prstGeom prst="rect">
+            <a:avLst/>
+          </a:prstGeom>
+        </p:spPr>
+        <p:txBody>
+          <a:bodyPr spcFirstLastPara="1" wrap="square" lIns="91425" tIns="91425" rIns="91425" bIns="91425" anchor="t" anchorCtr="0">
+            <a:noAutofit/>
+          </a:bodyPr>
+          <a:lstStyle/>
+          <a:p>
+            <a:pPr marL="0" lvl="0" indent="0" algn="l" rtl="0">
+              <a:spcBef>
+                <a:spcPts val="0"/>
+              </a:spcBef>
+              <a:spcAft>
+                <a:spcPts val="0"/>
+              </a:spcAft>
+              <a:buNone/>
+            </a:pPr>
+            <a:r>
+              <a:rPr lang="ru" sz="1400">
+                <a:latin typeface="Times New Roman"/>
+                <a:ea typeface="Times New Roman"/>
+                <a:cs typeface="Times New Roman"/>
+                <a:sym typeface="Times New Roman"/>
+              </a:rPr>
+              <a:t>Задачи:</a:t>
+            </a:r>
+            <a:endParaRPr sz="1400" dirty="0">
+              <a:latin typeface="Times New Roman"/>
+              <a:ea typeface="Times New Roman"/>
+              <a:cs typeface="Times New Roman"/>
+              <a:sym typeface="Times New Roman"/>
+            </a:endParaRPr>
+          </a:p>
+          <a:p>
+            <a:pPr marL="457200" lvl="0" indent="-317500" algn="just" rtl="0">
+              <a:lnSpc>
+                <a:spcPct val="115000"/>
+              </a:lnSpc>
+              <a:spcBef>
+                <a:spcPts val="0"/>
+              </a:spcBef>
+              <a:spcAft>
+                <a:spcPts val="0"/>
+              </a:spcAft>
+              <a:buClr>
+                <a:schemeClr val="dk1"/>
+              </a:buClr>
+              <a:buSzPts val="1400"/>
+              <a:buFont typeface="Times New Roman"/>
+              <a:buChar char="●"/>
+            </a:pPr>
+            <a:r>
+              <a:rPr lang="ru" sz="1400">
+                <a:solidFill>
+                  <a:schemeClr val="dk1"/>
+                </a:solidFill>
+                <a:latin typeface="Times New Roman"/>
+                <a:ea typeface="Times New Roman"/>
+                <a:cs typeface="Times New Roman"/>
+                <a:sym typeface="Times New Roman"/>
+              </a:rPr>
+              <a:t>провести анализ специфики ПОП на языке Reflex с точки зрения необходимости визуализации диаграмм;</a:t>
+            </a:r>
+            <a:endParaRPr sz="1400" dirty="0">
+              <a:solidFill>
+                <a:schemeClr val="dk1"/>
+              </a:solidFill>
+              <a:latin typeface="Times New Roman"/>
+              <a:ea typeface="Times New Roman"/>
+              <a:cs typeface="Times New Roman"/>
+              <a:sym typeface="Times New Roman"/>
+            </a:endParaRPr>
+          </a:p>
+          <a:p>
+            <a:pPr marL="457200" lvl="0" indent="-317500" algn="just" rtl="0">
+              <a:lnSpc>
+                <a:spcPct val="115000"/>
+              </a:lnSpc>
+              <a:spcBef>
+                <a:spcPts val="0"/>
+              </a:spcBef>
+              <a:spcAft>
+                <a:spcPts val="0"/>
+              </a:spcAft>
+              <a:buClr>
+                <a:schemeClr val="dk1"/>
+              </a:buClr>
+              <a:buSzPts val="1400"/>
+              <a:buFont typeface="Times New Roman"/>
+              <a:buChar char="●"/>
+            </a:pPr>
+            <a:r>
+              <a:rPr lang="ru" sz="1400">
+                <a:solidFill>
+                  <a:schemeClr val="dk1"/>
+                </a:solidFill>
+                <a:latin typeface="Times New Roman"/>
+                <a:ea typeface="Times New Roman"/>
+                <a:cs typeface="Times New Roman"/>
+                <a:sym typeface="Times New Roman"/>
+              </a:rPr>
+              <a:t>провести анализ существующих видов диаграмм, использующихся для анализа кода, их сравнение, сформулировать требования к создаваемому программному модулю;</a:t>
+            </a:r>
+            <a:endParaRPr sz="1400" dirty="0">
+              <a:solidFill>
+                <a:schemeClr val="dk1"/>
+              </a:solidFill>
+              <a:latin typeface="Times New Roman"/>
+              <a:ea typeface="Times New Roman"/>
+              <a:cs typeface="Times New Roman"/>
+              <a:sym typeface="Times New Roman"/>
+            </a:endParaRPr>
+          </a:p>
+          <a:p>
+            <a:pPr marL="457200" lvl="0" indent="-317500" algn="just" rtl="0">
+              <a:lnSpc>
+                <a:spcPct val="115000"/>
+              </a:lnSpc>
+              <a:spcBef>
+                <a:spcPts val="0"/>
+              </a:spcBef>
+              <a:spcAft>
+                <a:spcPts val="0"/>
+              </a:spcAft>
+              <a:buClr>
+                <a:schemeClr val="dk1"/>
+              </a:buClr>
+              <a:buSzPts val="1400"/>
+              <a:buFont typeface="Times New Roman"/>
+              <a:buChar char="●"/>
+            </a:pPr>
+            <a:r>
+              <a:rPr lang="ru" sz="1400">
+                <a:solidFill>
+                  <a:schemeClr val="dk1"/>
+                </a:solidFill>
+                <a:latin typeface="Times New Roman"/>
+                <a:ea typeface="Times New Roman"/>
+                <a:cs typeface="Times New Roman"/>
+                <a:sym typeface="Times New Roman"/>
+              </a:rPr>
+              <a:t>провести сравнительный анализ средств визуализации диаграмм для языков общего назначения;</a:t>
+            </a:r>
+            <a:endParaRPr sz="1400" dirty="0">
+              <a:solidFill>
+                <a:schemeClr val="dk1"/>
+              </a:solidFill>
+              <a:latin typeface="Times New Roman"/>
+              <a:ea typeface="Times New Roman"/>
+              <a:cs typeface="Times New Roman"/>
+              <a:sym typeface="Times New Roman"/>
+            </a:endParaRPr>
+          </a:p>
+          <a:p>
+            <a:pPr marL="457200" lvl="0" indent="-317500" algn="just" rtl="0">
+              <a:lnSpc>
+                <a:spcPct val="115000"/>
+              </a:lnSpc>
+              <a:spcBef>
+                <a:spcPts val="0"/>
+              </a:spcBef>
+              <a:spcAft>
+                <a:spcPts val="0"/>
+              </a:spcAft>
+              <a:buClr>
+                <a:schemeClr val="dk1"/>
+              </a:buClr>
+              <a:buSzPts val="1400"/>
+              <a:buFont typeface="Times New Roman"/>
+              <a:buChar char="●"/>
+            </a:pPr>
+            <a:r>
+              <a:rPr lang="ru" sz="1400">
+                <a:solidFill>
+                  <a:schemeClr val="dk1"/>
+                </a:solidFill>
+                <a:latin typeface="Times New Roman"/>
+                <a:ea typeface="Times New Roman"/>
+                <a:cs typeface="Times New Roman"/>
+                <a:sym typeface="Times New Roman"/>
+              </a:rPr>
+              <a:t>разработать диаграммы для отображения связей процессов по данным и управлению;</a:t>
+            </a:r>
+            <a:endParaRPr sz="1400" dirty="0">
+              <a:solidFill>
+                <a:schemeClr val="dk1"/>
+              </a:solidFill>
+              <a:latin typeface="Times New Roman"/>
+              <a:ea typeface="Times New Roman"/>
+              <a:cs typeface="Times New Roman"/>
+              <a:sym typeface="Times New Roman"/>
+            </a:endParaRPr>
+          </a:p>
+          <a:p>
+            <a:pPr marL="457200" lvl="0" indent="-317500" algn="just" rtl="0">
+              <a:lnSpc>
+                <a:spcPct val="150000"/>
+              </a:lnSpc>
+              <a:spcBef>
+                <a:spcPts val="0"/>
+              </a:spcBef>
+              <a:spcAft>
+                <a:spcPts val="0"/>
+              </a:spcAft>
+              <a:buClr>
+                <a:schemeClr val="dk1"/>
+              </a:buClr>
+              <a:buSzPts val="1400"/>
+              <a:buFont typeface="Times New Roman"/>
+              <a:buChar char="●"/>
+            </a:pPr>
+            <a:r>
+              <a:rPr lang="ru" sz="1400">
+                <a:solidFill>
+                  <a:schemeClr val="dk1"/>
+                </a:solidFill>
+                <a:latin typeface="Times New Roman"/>
+                <a:ea typeface="Times New Roman"/>
+                <a:cs typeface="Times New Roman"/>
+                <a:sym typeface="Times New Roman"/>
+              </a:rPr>
+              <a:t>провести сравнительный анализ средств визуализации графов, определить формат представления диаграмм;</a:t>
+            </a:r>
+            <a:endParaRPr sz="1400" dirty="0">
+              <a:solidFill>
+                <a:schemeClr val="dk1"/>
+              </a:solidFill>
+              <a:latin typeface="Times New Roman"/>
+              <a:ea typeface="Times New Roman"/>
+              <a:cs typeface="Times New Roman"/>
+              <a:sym typeface="Times New Roman"/>
+            </a:endParaRPr>
+          </a:p>
+          <a:p>
+            <a:pPr marL="457200" lvl="0" indent="-317500" algn="just" rtl="0">
+              <a:lnSpc>
+                <a:spcPct val="150000"/>
+              </a:lnSpc>
+              <a:spcBef>
+                <a:spcPts val="0"/>
+              </a:spcBef>
+              <a:spcAft>
+                <a:spcPts val="0"/>
+              </a:spcAft>
+              <a:buClr>
+                <a:schemeClr val="dk1"/>
+              </a:buClr>
+              <a:buSzPts val="1400"/>
+              <a:buFont typeface="Times New Roman"/>
+              <a:buChar char="●"/>
+            </a:pPr>
+            <a:r>
+              <a:rPr lang="ru" sz="1400">
+                <a:solidFill>
+                  <a:schemeClr val="dk1"/>
+                </a:solidFill>
+                <a:latin typeface="Times New Roman"/>
+                <a:ea typeface="Times New Roman"/>
+                <a:cs typeface="Times New Roman"/>
+                <a:sym typeface="Times New Roman"/>
+              </a:rPr>
+              <a:t>разработать архитектуру модуля, удовлетворяющую обозначенным требованиям;</a:t>
+            </a:r>
+            <a:endParaRPr sz="1400" dirty="0">
+              <a:solidFill>
+                <a:schemeClr val="dk1"/>
+              </a:solidFill>
+              <a:latin typeface="Times New Roman"/>
+              <a:ea typeface="Times New Roman"/>
+              <a:cs typeface="Times New Roman"/>
+              <a:sym typeface="Times New Roman"/>
+            </a:endParaRPr>
+          </a:p>
+          <a:p>
+            <a:pPr marL="457200" lvl="0" indent="-317500" algn="just" rtl="0">
+              <a:lnSpc>
+                <a:spcPct val="150000"/>
+              </a:lnSpc>
+              <a:spcBef>
+                <a:spcPts val="0"/>
+              </a:spcBef>
+              <a:spcAft>
+                <a:spcPts val="0"/>
+              </a:spcAft>
+              <a:buClr>
+                <a:schemeClr val="dk1"/>
+              </a:buClr>
+              <a:buSzPts val="1400"/>
+              <a:buFont typeface="Times New Roman"/>
+              <a:buChar char="●"/>
+            </a:pPr>
+            <a:r>
+              <a:rPr lang="ru" sz="1400">
+                <a:solidFill>
+                  <a:schemeClr val="dk1"/>
+                </a:solidFill>
+                <a:latin typeface="Times New Roman"/>
+                <a:ea typeface="Times New Roman"/>
+                <a:cs typeface="Times New Roman"/>
+                <a:sym typeface="Times New Roman"/>
+              </a:rPr>
+              <a:t>реализовать модуль визуализации;</a:t>
+            </a:r>
+            <a:endParaRPr sz="1400" dirty="0">
+              <a:solidFill>
+                <a:schemeClr val="dk1"/>
+              </a:solidFill>
+              <a:latin typeface="Times New Roman"/>
+              <a:ea typeface="Times New Roman"/>
+              <a:cs typeface="Times New Roman"/>
+              <a:sym typeface="Times New Roman"/>
+            </a:endParaRPr>
+          </a:p>
+          <a:p>
+            <a:pPr marL="457200" lvl="0" indent="-317500" algn="just" rtl="0">
+              <a:lnSpc>
+                <a:spcPct val="150000"/>
+              </a:lnSpc>
+              <a:spcBef>
+                <a:spcPts val="0"/>
+              </a:spcBef>
+              <a:spcAft>
+                <a:spcPts val="0"/>
+              </a:spcAft>
+              <a:buClr>
+                <a:schemeClr val="dk1"/>
+              </a:buClr>
+              <a:buSzPts val="1400"/>
+              <a:buFont typeface="Times New Roman"/>
+              <a:buChar char="●"/>
+            </a:pPr>
+            <a:r>
+              <a:rPr lang="ru" sz="1400">
+                <a:solidFill>
+                  <a:schemeClr val="dk1"/>
+                </a:solidFill>
+                <a:latin typeface="Times New Roman"/>
+                <a:ea typeface="Times New Roman"/>
+                <a:cs typeface="Times New Roman"/>
+                <a:sym typeface="Times New Roman"/>
+              </a:rPr>
+              <a:t>провести тестирование созданной реализации, опробовать ее на практике;</a:t>
+            </a:r>
+            <a:endParaRPr sz="1400" dirty="0">
+              <a:solidFill>
+                <a:schemeClr val="dk1"/>
+              </a:solidFill>
+              <a:latin typeface="Times New Roman"/>
+              <a:ea typeface="Times New Roman"/>
+              <a:cs typeface="Times New Roman"/>
+              <a:sym typeface="Times New Roman"/>
+            </a:endParaRPr>
+          </a:p>
+          <a:p>
+            <a:pPr marL="457200" lvl="0" indent="-317500" algn="just" rtl="0">
+              <a:lnSpc>
+                <a:spcPct val="150000"/>
+              </a:lnSpc>
+              <a:spcBef>
+                <a:spcPts val="0"/>
+              </a:spcBef>
+              <a:spcAft>
+                <a:spcPts val="0"/>
+              </a:spcAft>
+              <a:buClr>
+                <a:schemeClr val="dk1"/>
+              </a:buClr>
+              <a:buSzPts val="1400"/>
+              <a:buFont typeface="Times New Roman"/>
+              <a:buChar char="●"/>
+            </a:pPr>
+            <a:r>
+              <a:rPr lang="ru" sz="1400">
+                <a:solidFill>
+                  <a:schemeClr val="dk1"/>
+                </a:solidFill>
+                <a:latin typeface="Times New Roman"/>
+                <a:ea typeface="Times New Roman"/>
+                <a:cs typeface="Times New Roman"/>
+                <a:sym typeface="Times New Roman"/>
+              </a:rPr>
+              <a:t>подготовить доклад для выступления на конференции;</a:t>
+            </a:r>
+            <a:endParaRPr sz="1400" dirty="0">
+              <a:solidFill>
+                <a:schemeClr val="dk1"/>
+              </a:solidFill>
+              <a:latin typeface="Times New Roman"/>
+              <a:ea typeface="Times New Roman"/>
+              <a:cs typeface="Times New Roman"/>
+              <a:sym typeface="Times New Roman"/>
+            </a:endParaRPr>
+          </a:p>
+          <a:p>
+            <a:pPr marL="457200" lvl="0" indent="-317500" algn="just" rtl="0">
+              <a:lnSpc>
+                <a:spcPct val="150000"/>
+              </a:lnSpc>
+              <a:spcBef>
+                <a:spcPts val="0"/>
+              </a:spcBef>
+              <a:spcAft>
+                <a:spcPts val="0"/>
+              </a:spcAft>
+              <a:buClr>
+                <a:schemeClr val="dk1"/>
+              </a:buClr>
+              <a:buSzPts val="1400"/>
+              <a:buFont typeface="Times New Roman"/>
+              <a:buChar char="●"/>
+            </a:pPr>
+            <a:r>
+              <a:rPr lang="ru" sz="1400">
+                <a:solidFill>
+                  <a:schemeClr val="dk1"/>
+                </a:solidFill>
+                <a:latin typeface="Times New Roman"/>
+                <a:ea typeface="Times New Roman"/>
+                <a:cs typeface="Times New Roman"/>
+                <a:sym typeface="Times New Roman"/>
+              </a:rPr>
+              <a:t>оформить текст диплома.</a:t>
+            </a:r>
+            <a:endParaRPr sz="1400" dirty="0">
+              <a:latin typeface="Times New Roman"/>
+              <a:ea typeface="Times New Roman"/>
+              <a:cs typeface="Times New Roman"/>
+              <a:sym typeface="Times New Roman"/>
+            </a:endParaRPr>
+          </a:p>
+        </p:txBody>
+      </p:sp>
+    </p:spTree>
+  </p:cSld>
+  <p:clrMapOvr>
+    <a:masterClrMapping/>
+  </p:clrMapOvr>
+</p:notes>
+</file>
+
+<file path=ppt/notesSlides/notesSlide3.xml><?xml version="1.0" encoding="utf-8"?>
+<p:notes xmlns:a="http://schemas.openxmlformats.org/drawingml/2006/main" xmlns:r="http://schemas.openxmlformats.org/officeDocument/2006/relationships" xmlns:p="http://schemas.openxmlformats.org/presentationml/2006/main" showMasterSp="0" showMasterPhAnim="0">
+  <p:cSld>
+    <p:spTree>
+      <p:nvGrpSpPr>
         <p:cNvPr id="1" name="Shape 127"/>
         <p:cNvGrpSpPr/>
         <p:nvPr/>
@@ -1541,7 +2164,7 @@
 </p:notes>
 </file>
 
-<file path=ppt/notesSlides/notesSlide3.xml><?xml version="1.0" encoding="utf-8"?>
+<file path=ppt/notesSlides/notesSlide4.xml><?xml version="1.0" encoding="utf-8"?>
 <p:notes xmlns:a="http://schemas.openxmlformats.org/drawingml/2006/main" xmlns:r="http://schemas.openxmlformats.org/officeDocument/2006/relationships" xmlns:p="http://schemas.openxmlformats.org/presentationml/2006/main" showMasterSp="0" showMasterPhAnim="0">
   <p:cSld>
     <p:spTree>
@@ -1700,7 +2323,7 @@
 </p:notes>
 </file>
 
-<file path=ppt/notesSlides/notesSlide4.xml><?xml version="1.0" encoding="utf-8"?>
+<file path=ppt/notesSlides/notesSlide5.xml><?xml version="1.0" encoding="utf-8"?>
 <p:notes xmlns:a="http://schemas.openxmlformats.org/drawingml/2006/main" xmlns:r="http://schemas.openxmlformats.org/officeDocument/2006/relationships" xmlns:p="http://schemas.openxmlformats.org/presentationml/2006/main" showMasterSp="0" showMasterPhAnim="0">
   <p:cSld>
     <p:spTree>
@@ -2343,7 +2966,7 @@
 </p:notes>
 </file>
 
-<file path=ppt/notesSlides/notesSlide5.xml><?xml version="1.0" encoding="utf-8"?>
+<file path=ppt/notesSlides/notesSlide6.xml><?xml version="1.0" encoding="utf-8"?>
 <p:notes xmlns:a="http://schemas.openxmlformats.org/drawingml/2006/main" xmlns:r="http://schemas.openxmlformats.org/officeDocument/2006/relationships" xmlns:p="http://schemas.openxmlformats.org/presentationml/2006/main" showMasterSp="0" showMasterPhAnim="0">
   <p:cSld>
     <p:spTree>
@@ -2475,7 +3098,7 @@
 </p:notes>
 </file>
 
-<file path=ppt/notesSlides/notesSlide6.xml><?xml version="1.0" encoding="utf-8"?>
+<file path=ppt/notesSlides/notesSlide7.xml><?xml version="1.0" encoding="utf-8"?>
 <p:notes xmlns:a="http://schemas.openxmlformats.org/drawingml/2006/main" xmlns:r="http://schemas.openxmlformats.org/officeDocument/2006/relationships" xmlns:p="http://schemas.openxmlformats.org/presentationml/2006/main" showMasterSp="0" showMasterPhAnim="0">
   <p:cSld>
     <p:spTree>
@@ -2579,7 +3202,7 @@
 </p:notes>
 </file>
 
-<file path=ppt/notesSlides/notesSlide7.xml><?xml version="1.0" encoding="utf-8"?>
+<file path=ppt/notesSlides/notesSlide8.xml><?xml version="1.0" encoding="utf-8"?>
 <p:notes xmlns:a="http://schemas.openxmlformats.org/drawingml/2006/main" xmlns:r="http://schemas.openxmlformats.org/officeDocument/2006/relationships" xmlns:p="http://schemas.openxmlformats.org/presentationml/2006/main" showMasterSp="0" showMasterPhAnim="0">
   <p:cSld>
     <p:spTree>
@@ -2683,7 +3306,7 @@
 </p:notes>
 </file>
 
-<file path=ppt/notesSlides/notesSlide8.xml><?xml version="1.0" encoding="utf-8"?>
+<file path=ppt/notesSlides/notesSlide9.xml><?xml version="1.0" encoding="utf-8"?>
 <p:notes xmlns:a="http://schemas.openxmlformats.org/drawingml/2006/main" xmlns:r="http://schemas.openxmlformats.org/officeDocument/2006/relationships" xmlns:p="http://schemas.openxmlformats.org/presentationml/2006/main" showMasterSp="0" showMasterPhAnim="0">
   <p:cSld>
     <p:spTree>
@@ -2787,110 +3410,6 @@
 </p:notes>
 </file>
 
-<file path=ppt/notesSlides/notesSlide9.xml><?xml version="1.0" encoding="utf-8"?>
-<p:notes xmlns:a="http://schemas.openxmlformats.org/drawingml/2006/main" xmlns:r="http://schemas.openxmlformats.org/officeDocument/2006/relationships" xmlns:p="http://schemas.openxmlformats.org/presentationml/2006/main" showMasterSp="0" showMasterPhAnim="0">
-  <p:cSld>
-    <p:spTree>
-      <p:nvGrpSpPr>
-        <p:cNvPr id="1" name="Shape 200"/>
-        <p:cNvGrpSpPr/>
-        <p:nvPr/>
-      </p:nvGrpSpPr>
-      <p:grpSpPr>
-        <a:xfrm>
-          <a:off x="0" y="0"/>
-          <a:ext cx="0" cy="0"/>
-          <a:chOff x="0" y="0"/>
-          <a:chExt cx="0" cy="0"/>
-        </a:xfrm>
-      </p:grpSpPr>
-      <p:sp>
-        <p:nvSpPr>
-          <p:cNvPr id="201" name="Google Shape;201;g7e2ccde515_0_156:notes"/>
-          <p:cNvSpPr>
-            <a:spLocks noGrp="1" noRot="1" noChangeAspect="1"/>
-          </p:cNvSpPr>
-          <p:nvPr>
-            <p:ph type="sldImg" idx="2"/>
-          </p:nvPr>
-        </p:nvSpPr>
-        <p:spPr>
-          <a:xfrm>
-            <a:off x="381000" y="685800"/>
-            <a:ext cx="6096000" cy="3429000"/>
-          </a:xfrm>
-          <a:custGeom>
-            <a:avLst/>
-            <a:gdLst/>
-            <a:ahLst/>
-            <a:cxnLst/>
-            <a:rect l="l" t="t" r="r" b="b"/>
-            <a:pathLst>
-              <a:path w="120000" h="120000" extrusionOk="0">
-                <a:moveTo>
-                  <a:pt x="0" y="0"/>
-                </a:moveTo>
-                <a:lnTo>
-                  <a:pt x="120000" y="0"/>
-                </a:lnTo>
-                <a:lnTo>
-                  <a:pt x="120000" y="120000"/>
-                </a:lnTo>
-                <a:lnTo>
-                  <a:pt x="0" y="120000"/>
-                </a:lnTo>
-                <a:close/>
-              </a:path>
-            </a:pathLst>
-          </a:custGeom>
-        </p:spPr>
-      </p:sp>
-      <p:sp>
-        <p:nvSpPr>
-          <p:cNvPr id="202" name="Google Shape;202;g7e2ccde515_0_156:notes"/>
-          <p:cNvSpPr txBox="1">
-            <a:spLocks noGrp="1"/>
-          </p:cNvSpPr>
-          <p:nvPr>
-            <p:ph type="body" idx="1"/>
-          </p:nvPr>
-        </p:nvSpPr>
-        <p:spPr>
-          <a:xfrm>
-            <a:off x="685800" y="4343400"/>
-            <a:ext cx="5486400" cy="4114800"/>
-          </a:xfrm>
-          <a:prstGeom prst="rect">
-            <a:avLst/>
-          </a:prstGeom>
-        </p:spPr>
-        <p:txBody>
-          <a:bodyPr spcFirstLastPara="1" wrap="square" lIns="91425" tIns="91425" rIns="91425" bIns="91425" anchor="t" anchorCtr="0">
-            <a:noAutofit/>
-          </a:bodyPr>
-          <a:lstStyle/>
-          <a:p>
-            <a:pPr marL="0" lvl="0" indent="0" algn="l" rtl="0">
-              <a:spcBef>
-                <a:spcPts val="0"/>
-              </a:spcBef>
-              <a:spcAft>
-                <a:spcPts val="0"/>
-              </a:spcAft>
-              <a:buNone/>
-            </a:pPr>
-            <a:endParaRPr dirty="0"/>
-          </a:p>
-        </p:txBody>
-      </p:sp>
-    </p:spTree>
-  </p:cSld>
-  <p:clrMapOvr>
-    <a:masterClrMapping/>
-  </p:clrMapOvr>
-</p:notes>
-</file>
-
 <file path=ppt/slideLayouts/slideLayout1.xml><?xml version="1.0" encoding="utf-8"?>
 <p:sldLayout xmlns:a="http://schemas.openxmlformats.org/drawingml/2006/main" xmlns:r="http://schemas.openxmlformats.org/officeDocument/2006/relationships" xmlns:p="http://schemas.openxmlformats.org/presentationml/2006/main" matchingName="Title slide" type="title">
   <p:cSld name="TITLE">
@@ -10191,7 +10710,7 @@
     <p:sldLayoutId id="2147483657" r:id="rId10"/>
     <p:sldLayoutId id="2147483658" r:id="rId11"/>
   </p:sldLayoutIdLst>
-  <p:hf sldNum="0" hdr="0" ftr="0" dt="0"/>
+  <p:hf hdr="0" dt="0"/>
   <p:txStyles>
     <p:titleStyle>
       <a:defPPr marR="0" lvl="0" algn="l" rtl="0">
@@ -11462,7 +11981,7 @@
     <p:sldLayoutId id="2147483668" r:id="rId9"/>
     <p:sldLayoutId id="2147483669" r:id="rId10"/>
   </p:sldLayoutIdLst>
-  <p:hf sldNum="0" hdr="0" ftr="0" dt="0"/>
+  <p:hf hdr="0" dt="0"/>
   <p:txStyles>
     <p:titleStyle>
       <a:defPPr marR="0" lvl="0" algn="l" rtl="0">
@@ -12184,8 +12703,8 @@
         </p:nvSpPr>
         <p:spPr>
           <a:xfrm>
-            <a:off x="311700" y="188125"/>
-            <a:ext cx="8520600" cy="2102700"/>
+            <a:off x="312799" y="191069"/>
+            <a:ext cx="8518401" cy="1596788"/>
           </a:xfrm>
           <a:prstGeom prst="rect">
             <a:avLst/>
@@ -12207,47 +12726,23 @@
               <a:spcAft>
                 <a:spcPts val="0"/>
               </a:spcAft>
-              <a:buClr>
-                <a:schemeClr val="dk1"/>
-              </a:buClr>
-              <a:buSzPts val="1100"/>
-              <a:buFont typeface="Arial"/>
               <a:buNone/>
             </a:pPr>
             <a:r>
-              <a:rPr lang="ru" sz="1400" dirty="0">
-                <a:solidFill>
-                  <a:srgbClr val="000000"/>
-                </a:solidFill>
-              </a:rPr>
-              <a:t>Выпускная квалификационная работа бакалавра по теме</a:t>
-            </a:r>
-            <a:endParaRPr sz="1400" dirty="0">
-              <a:solidFill>
-                <a:srgbClr val="000000"/>
-              </a:solidFill>
-            </a:endParaRPr>
-          </a:p>
-          <a:p>
-            <a:pPr marL="0" lvl="0" indent="457200" algn="ctr" rtl="0">
-              <a:lnSpc>
-                <a:spcPct val="115000"/>
-              </a:lnSpc>
-              <a:spcBef>
-                <a:spcPts val="1200"/>
-              </a:spcBef>
-              <a:spcAft>
-                <a:spcPts val="0"/>
-              </a:spcAft>
-              <a:buNone/>
-            </a:pPr>
+              <a:rPr lang="ru" sz="3000" dirty="0" smtClean="0">
+                <a:solidFill>
+                  <a:srgbClr val="0B5394"/>
+                </a:solidFill>
+              </a:rPr>
+              <a:t>Разработка  </a:t>
+            </a:r>
             <a:r>
               <a:rPr lang="ru" sz="3000" dirty="0">
                 <a:solidFill>
                   <a:srgbClr val="0B5394"/>
                 </a:solidFill>
               </a:rPr>
-              <a:t>Разработка  программного модуля визуализации диаграмм процессов по спецификации на языке Reflex</a:t>
+              <a:t>программного модуля визуализации диаграмм процессов по спецификации на языке Reflex</a:t>
             </a:r>
             <a:endParaRPr sz="3000" dirty="0">
               <a:solidFill>
@@ -12269,8 +12764,8 @@
         </p:nvSpPr>
         <p:spPr>
           <a:xfrm>
-            <a:off x="311700" y="3225975"/>
-            <a:ext cx="8520600" cy="1707000"/>
+            <a:off x="311700" y="2988859"/>
+            <a:ext cx="8520600" cy="1944115"/>
           </a:xfrm>
           <a:prstGeom prst="rect">
             <a:avLst/>
@@ -12295,22 +12790,46 @@
               <a:buNone/>
             </a:pPr>
             <a:r>
-              <a:rPr lang="ru" sz="1400">
+              <a:rPr lang="ru" sz="1400" dirty="0" smtClean="0">
                 <a:solidFill>
                   <a:srgbClr val="000000"/>
                 </a:solidFill>
               </a:rPr>
-              <a:t> 		      Выполнила </a:t>
-            </a:r>
-            <a:r>
-              <a:rPr lang="ru" sz="1400" b="1">
+              <a:t>Выполнила </a:t>
+            </a:r>
+            <a:r>
+              <a:rPr lang="ru" sz="1400" b="1" dirty="0">
                 <a:solidFill>
                   <a:srgbClr val="000000"/>
                 </a:solidFill>
               </a:rPr>
-              <a:t>Беленькая София Евгеньевна</a:t>
-            </a:r>
-            <a:endParaRPr sz="1400" b="1" dirty="0">
+              <a:t>Беленькая София </a:t>
+            </a:r>
+            <a:r>
+              <a:rPr lang="ru" sz="1400" b="1" dirty="0" smtClean="0">
+                <a:solidFill>
+                  <a:srgbClr val="000000"/>
+                </a:solidFill>
+              </a:rPr>
+              <a:t>Евгеньевна, </a:t>
+            </a:r>
+            <a:r>
+              <a:rPr lang="ru" sz="1400" dirty="0" smtClean="0">
+                <a:solidFill>
+                  <a:srgbClr val="000000"/>
+                </a:solidFill>
+              </a:rPr>
+              <a:t>студентка </a:t>
+            </a:r>
+            <a:r>
+              <a:rPr lang="ru-RU" sz="1400" dirty="0" smtClean="0">
+                <a:solidFill>
+                  <a:srgbClr val="000000"/>
+                </a:solidFill>
+              </a:rPr>
+              <a:t>4 курса факультета информационных технологий Новосибирского государственного университета.</a:t>
+            </a:r>
+            <a:endParaRPr lang="ru-RU" sz="1400" b="1" dirty="0">
               <a:solidFill>
                 <a:srgbClr val="000000"/>
               </a:solidFill>
@@ -12330,34 +12849,45 @@
               <a:buNone/>
             </a:pPr>
             <a:r>
-              <a:rPr lang="ru" sz="1400">
+              <a:rPr lang="ru" sz="1400" dirty="0" smtClean="0">
                 <a:solidFill>
                   <a:srgbClr val="000000"/>
                 </a:solidFill>
               </a:rPr>
-              <a:t>     Научный руководитель: </a:t>
-            </a:r>
-            <a:r>
-              <a:rPr lang="ru" sz="1400" b="1">
+              <a:t>Научный </a:t>
+            </a:r>
+            <a:r>
+              <a:rPr lang="ru" sz="1400" dirty="0">
                 <a:solidFill>
                   <a:srgbClr val="000000"/>
                 </a:solidFill>
               </a:rPr>
+              <a:t>руководитель: </a:t>
+            </a:r>
+            <a:r>
+              <a:rPr lang="ru" sz="1400" b="1" dirty="0">
+                <a:solidFill>
+                  <a:srgbClr val="000000"/>
+                </a:solidFill>
+              </a:rPr>
               <a:t>Зюбин В.Е., </a:t>
             </a:r>
             <a:r>
-              <a:rPr lang="ru" sz="1400">
+              <a:rPr lang="ru" sz="1400" dirty="0">
                 <a:solidFill>
                   <a:srgbClr val="000000"/>
                 </a:solidFill>
               </a:rPr>
-              <a:t>зав. кафедрой КТ, д. т. н., доцент, зав. лаб. ИАиЭ СО РАН. </a:t>
-            </a:r>
-            <a:endParaRPr sz="1400" b="1" dirty="0">
-              <a:solidFill>
-                <a:srgbClr val="000000"/>
-              </a:solidFill>
-            </a:endParaRPr>
+              <a:t>зав. кафедрой КТ, д. т. н., доцент, зав. лаб. ИАиЭ СО </a:t>
+            </a:r>
+            <a:r>
+              <a:rPr lang="ru" sz="1400" dirty="0" smtClean="0">
+                <a:solidFill>
+                  <a:srgbClr val="000000"/>
+                </a:solidFill>
+              </a:rPr>
+              <a:t>РАН.</a:t>
+            </a:r>
           </a:p>
           <a:p>
             <a:pPr marL="0" lvl="0" indent="0" algn="l" rtl="0">
@@ -12373,23 +12903,31 @@
               <a:buNone/>
             </a:pPr>
             <a:r>
-              <a:rPr lang="ru" sz="1400">
+              <a:rPr lang="ru" sz="1400" dirty="0" smtClean="0">
                 <a:solidFill>
                   <a:srgbClr val="000000"/>
                 </a:solidFill>
               </a:rPr>
-              <a:t>                Соруководитель: </a:t>
-            </a:r>
-            <a:r>
-              <a:rPr lang="ru" sz="1400" b="1">
+              <a:t>Соруководитель</a:t>
+            </a:r>
+            <a:r>
+              <a:rPr lang="ru" sz="1400" dirty="0">
                 <a:solidFill>
                   <a:srgbClr val="000000"/>
                 </a:solidFill>
               </a:rPr>
+              <a:t>: </a:t>
+            </a:r>
+            <a:r>
+              <a:rPr lang="ru" sz="1400" b="1" dirty="0">
+                <a:solidFill>
+                  <a:srgbClr val="000000"/>
+                </a:solidFill>
+              </a:rPr>
               <a:t>Розов А. С.</a:t>
             </a:r>
             <a:r>
-              <a:rPr lang="ru" sz="1400">
+              <a:rPr lang="ru" sz="1400" dirty="0">
                 <a:solidFill>
                   <a:srgbClr val="000000"/>
                 </a:solidFill>
@@ -12436,7 +12974,7 @@
   <p:cSld>
     <p:spTree>
       <p:nvGrpSpPr>
-        <p:cNvPr id="1" name="Shape 193"/>
+        <p:cNvPr id="1" name="Shape 169"/>
         <p:cNvGrpSpPr/>
         <p:nvPr/>
       </p:nvGrpSpPr>
@@ -12450,8 +12988,236 @@
       </p:grpSpPr>
       <p:sp>
         <p:nvSpPr>
-          <p:cNvPr id="194" name="Google Shape;194;p37"/>
+          <p:cNvPr id="170" name="Google Shape;170;p34"/>
           <p:cNvSpPr txBox="1">
+            <a:spLocks noGrp="1"/>
+          </p:cNvSpPr>
+          <p:nvPr>
+            <p:ph type="title"/>
+          </p:nvPr>
+        </p:nvSpPr>
+        <p:spPr>
+          <a:xfrm>
+            <a:off x="201148" y="113837"/>
+            <a:ext cx="8758607" cy="520513"/>
+          </a:xfrm>
+          <a:prstGeom prst="rect">
+            <a:avLst/>
+          </a:prstGeom>
+        </p:spPr>
+        <p:txBody>
+          <a:bodyPr spcFirstLastPara="1" wrap="square" lIns="91425" tIns="91425" rIns="91425" bIns="91425" anchor="b" anchorCtr="0">
+            <a:noAutofit/>
+          </a:bodyPr>
+          <a:lstStyle/>
+          <a:p>
+            <a:pPr marL="0" lvl="0" indent="0" algn="ctr" rtl="0">
+              <a:spcBef>
+                <a:spcPts val="0"/>
+              </a:spcBef>
+              <a:spcAft>
+                <a:spcPts val="0"/>
+              </a:spcAft>
+              <a:buNone/>
+            </a:pPr>
+            <a:r>
+              <a:rPr lang="ru" sz="2800" dirty="0">
+                <a:solidFill>
+                  <a:srgbClr val="0B5394"/>
+                </a:solidFill>
+              </a:rPr>
+              <a:t>Диаграмма связи процессов по данным</a:t>
+            </a:r>
+            <a:endParaRPr sz="2800" dirty="0">
+              <a:solidFill>
+                <a:srgbClr val="0B5394"/>
+              </a:solidFill>
+            </a:endParaRPr>
+          </a:p>
+        </p:txBody>
+      </p:sp>
+      <p:sp>
+        <p:nvSpPr>
+          <p:cNvPr id="171" name="Google Shape;171;p34"/>
+          <p:cNvSpPr txBox="1">
+            <a:spLocks noGrp="1"/>
+          </p:cNvSpPr>
+          <p:nvPr>
+            <p:ph type="body" idx="2"/>
+          </p:nvPr>
+        </p:nvSpPr>
+        <p:spPr>
+          <a:xfrm>
+            <a:off x="6673755" y="627798"/>
+            <a:ext cx="2169994" cy="2879677"/>
+          </a:xfrm>
+          <a:prstGeom prst="rect">
+            <a:avLst/>
+          </a:prstGeom>
+        </p:spPr>
+        <p:txBody>
+          <a:bodyPr spcFirstLastPara="1" wrap="square" lIns="91425" tIns="91425" rIns="91425" bIns="91425" anchor="ctr" anchorCtr="0">
+            <a:noAutofit/>
+          </a:bodyPr>
+          <a:lstStyle/>
+          <a:p>
+            <a:pPr marL="0" lvl="0" indent="0" algn="l" rtl="0">
+              <a:spcBef>
+                <a:spcPts val="0"/>
+              </a:spcBef>
+              <a:spcAft>
+                <a:spcPts val="0"/>
+              </a:spcAft>
+              <a:buNone/>
+            </a:pPr>
+            <a:r>
+              <a:rPr lang="ru" sz="1400" dirty="0">
+                <a:solidFill>
+                  <a:srgbClr val="000000"/>
+                </a:solidFill>
+              </a:rPr>
+              <a:t>Для построения диаграмм связи процессов по данным была проанализирована диаграмма </a:t>
+            </a:r>
+            <a:r>
+              <a:rPr lang="ru" sz="1400" dirty="0" smtClean="0">
+                <a:solidFill>
+                  <a:srgbClr val="000000"/>
+                </a:solidFill>
+              </a:rPr>
+              <a:t>классов</a:t>
+            </a:r>
+            <a:r>
+              <a:rPr lang="en-US" sz="1400" dirty="0" smtClean="0">
+                <a:solidFill>
+                  <a:srgbClr val="000000"/>
+                </a:solidFill>
+              </a:rPr>
+              <a:t> </a:t>
+            </a:r>
+            <a:r>
+              <a:rPr lang="ru-RU" sz="1400" dirty="0" smtClean="0">
+                <a:solidFill>
+                  <a:srgbClr val="000000"/>
+                </a:solidFill>
+              </a:rPr>
+              <a:t>и состояний</a:t>
+            </a:r>
+            <a:r>
+              <a:rPr lang="ru" sz="1400" dirty="0" smtClean="0">
+                <a:solidFill>
+                  <a:srgbClr val="000000"/>
+                </a:solidFill>
+              </a:rPr>
+              <a:t> </a:t>
+            </a:r>
+            <a:r>
+              <a:rPr lang="ru" sz="1400" dirty="0">
+                <a:solidFill>
+                  <a:srgbClr val="000000"/>
+                </a:solidFill>
+              </a:rPr>
+              <a:t>UML. Заимствовано: </a:t>
+            </a:r>
+            <a:endParaRPr sz="1400" dirty="0">
+              <a:solidFill>
+                <a:srgbClr val="000000"/>
+              </a:solidFill>
+            </a:endParaRPr>
+          </a:p>
+        </p:txBody>
+      </p:sp>
+      <p:pic>
+        <p:nvPicPr>
+          <p:cNvPr id="6" name="Рисунок 5"/>
+          <p:cNvPicPr>
+            <a:picLocks noChangeAspect="1"/>
+          </p:cNvPicPr>
+          <p:nvPr/>
+        </p:nvPicPr>
+        <p:blipFill rotWithShape="1">
+          <a:blip r:embed="rId3">
+            <a:extLst>
+              <a:ext uri="{28A0092B-C50C-407E-A947-70E740481C1C}">
+                <a14:useLocalDpi xmlns:a14="http://schemas.microsoft.com/office/drawing/2010/main" val="0"/>
+              </a:ext>
+            </a:extLst>
+          </a:blip>
+          <a:srcRect l="7781" r="5154" b="56617"/>
+          <a:stretch/>
+        </p:blipFill>
+        <p:spPr>
+          <a:xfrm>
+            <a:off x="201148" y="709413"/>
+            <a:ext cx="6315658" cy="4261525"/>
+          </a:xfrm>
+          <a:prstGeom prst="rect">
+            <a:avLst/>
+          </a:prstGeom>
+        </p:spPr>
+      </p:pic>
+      <p:sp>
+        <p:nvSpPr>
+          <p:cNvPr id="7" name="TextBox 6"/>
+          <p:cNvSpPr txBox="1"/>
+          <p:nvPr/>
+        </p:nvSpPr>
+        <p:spPr>
+          <a:xfrm>
+            <a:off x="5568287" y="3432412"/>
+            <a:ext cx="3234520" cy="954107"/>
+          </a:xfrm>
+          <a:prstGeom prst="rect">
+            <a:avLst/>
+          </a:prstGeom>
+          <a:noFill/>
+        </p:spPr>
+        <p:txBody>
+          <a:bodyPr wrap="square" rtlCol="0">
+            <a:spAutoFit/>
+          </a:bodyPr>
+          <a:lstStyle/>
+          <a:p>
+            <a:pPr marL="457200" lvl="0" indent="-317500">
+              <a:spcBef>
+                <a:spcPts val="1600"/>
+              </a:spcBef>
+              <a:buClr>
+                <a:schemeClr val="dk1"/>
+              </a:buClr>
+              <a:buSzPts val="1400"/>
+              <a:buChar char="●"/>
+            </a:pPr>
+            <a:r>
+              <a:rPr lang="ru-RU" dirty="0">
+                <a:solidFill>
+                  <a:schemeClr val="dk1"/>
+                </a:solidFill>
+              </a:rPr>
+              <a:t>Идея отражения зависимости с помощью стрелок.</a:t>
+            </a:r>
+            <a:endParaRPr lang="ru-RU" dirty="0"/>
+          </a:p>
+          <a:p>
+            <a:pPr marL="457200" lvl="0" indent="-317500">
+              <a:buSzPts val="1400"/>
+              <a:buChar char="●"/>
+            </a:pPr>
+            <a:r>
+              <a:rPr lang="ru-RU" dirty="0"/>
+              <a:t>Общая структура вершин </a:t>
+            </a:r>
+            <a:r>
+              <a:rPr lang="ru-RU" dirty="0" smtClean="0"/>
+              <a:t>диаграммы.</a:t>
+            </a:r>
+            <a:endParaRPr lang="ru-RU" dirty="0"/>
+          </a:p>
+        </p:txBody>
+      </p:sp>
+      <p:sp>
+        <p:nvSpPr>
+          <p:cNvPr id="8" name="Номер слайда 7"/>
+          <p:cNvSpPr>
             <a:spLocks noGrp="1"/>
           </p:cNvSpPr>
           <p:nvPr>
@@ -12463,140 +13229,25 @@
             <a:off x="8595300" y="4749900"/>
             <a:ext cx="548700" cy="393600"/>
           </a:xfrm>
-          <a:prstGeom prst="rect">
-            <a:avLst/>
-          </a:prstGeom>
         </p:spPr>
         <p:txBody>
-          <a:bodyPr spcFirstLastPara="1" wrap="square" lIns="91425" tIns="91425" rIns="91425" bIns="91425" anchor="ctr" anchorCtr="0">
-            <a:noAutofit/>
-          </a:bodyPr>
+          <a:bodyPr/>
           <a:lstStyle/>
           <a:p>
-            <a:pPr marL="0" lvl="0" indent="0" algn="r" rtl="0">
-              <a:spcBef>
-                <a:spcPts val="0"/>
-              </a:spcBef>
-              <a:spcAft>
-                <a:spcPts val="0"/>
-              </a:spcAft>
-              <a:buNone/>
-            </a:pPr>
+            <a:pPr lvl="0"/>
             <a:fld id="{00000000-1234-1234-1234-123412341234}" type="slidenum">
               <a:rPr lang="ru" smtClean="0"/>
+              <a:pPr lvl="0"/>
               <a:t>10</a:t>
             </a:fld>
             <a:r>
-              <a:rPr lang="ru" dirty="0" smtClean="0"/>
-              <a:t>/2</a:t>
-            </a:r>
-            <a:r>
-              <a:rPr lang="en-US" dirty="0" smtClean="0"/>
-              <a:t>0</a:t>
-            </a:r>
-            <a:endParaRPr dirty="0"/>
+              <a:rPr lang="en-US" dirty="0"/>
+              <a:t> /19</a:t>
+            </a:r>
+            <a:endParaRPr lang="ru" dirty="0"/>
           </a:p>
         </p:txBody>
       </p:sp>
-      <p:sp>
-        <p:nvSpPr>
-          <p:cNvPr id="199" name="Google Shape;199;p37"/>
-          <p:cNvSpPr txBox="1"/>
-          <p:nvPr/>
-        </p:nvSpPr>
-        <p:spPr>
-          <a:xfrm>
-            <a:off x="0" y="0"/>
-            <a:ext cx="9144000" cy="771600"/>
-          </a:xfrm>
-          <a:prstGeom prst="rect">
-            <a:avLst/>
-          </a:prstGeom>
-          <a:noFill/>
-          <a:ln>
-            <a:noFill/>
-          </a:ln>
-        </p:spPr>
-        <p:txBody>
-          <a:bodyPr spcFirstLastPara="1" wrap="square" lIns="91425" tIns="91425" rIns="91425" bIns="91425" anchor="t" anchorCtr="0">
-            <a:noAutofit/>
-          </a:bodyPr>
-          <a:lstStyle/>
-          <a:p>
-            <a:pPr lvl="0" algn="ctr"/>
-            <a:r>
-              <a:rPr lang="ru" sz="3000" dirty="0">
-                <a:solidFill>
-                  <a:srgbClr val="0B5394"/>
-                </a:solidFill>
-              </a:rPr>
-              <a:t>Обзор средств визуализации графов</a:t>
-            </a:r>
-            <a:endParaRPr sz="3000" dirty="0">
-              <a:solidFill>
-                <a:schemeClr val="dk1"/>
-              </a:solidFill>
-            </a:endParaRPr>
-          </a:p>
-        </p:txBody>
-      </p:sp>
-      <p:graphicFrame>
-        <p:nvGraphicFramePr>
-          <p:cNvPr id="5" name="Объект 4"/>
-          <p:cNvGraphicFramePr>
-            <a:graphicFrameLocks noChangeAspect="1"/>
-          </p:cNvGraphicFramePr>
-          <p:nvPr>
-            <p:extLst>
-              <p:ext uri="{D42A27DB-BD31-4B8C-83A1-F6EECF244321}">
-                <p14:modId xmlns:p14="http://schemas.microsoft.com/office/powerpoint/2010/main" val="4058048707"/>
-              </p:ext>
-            </p:extLst>
-          </p:nvPr>
-        </p:nvGraphicFramePr>
-        <p:xfrm>
-          <a:off x="115187" y="648269"/>
-          <a:ext cx="8605732" cy="4386286"/>
-        </p:xfrm>
-        <a:graphic>
-          <a:graphicData uri="http://schemas.openxmlformats.org/presentationml/2006/ole">
-            <mc:AlternateContent xmlns:mc="http://schemas.openxmlformats.org/markup-compatibility/2006">
-              <mc:Choice xmlns:v="urn:schemas-microsoft-com:vml" Requires="v">
-                <p:oleObj spid="_x0000_s4170" name="Лист" r:id="rId4" imgW="12410988" imgH="6524550" progId="Excel.Sheet.12">
-                  <p:embed/>
-                </p:oleObj>
-              </mc:Choice>
-              <mc:Fallback>
-                <p:oleObj name="Лист" r:id="rId4" imgW="12410988" imgH="6524550" progId="Excel.Sheet.12">
-                  <p:embed/>
-                  <p:pic>
-                    <p:nvPicPr>
-                      <p:cNvPr id="0" name=""/>
-                      <p:cNvPicPr/>
-                      <p:nvPr/>
-                    </p:nvPicPr>
-                    <p:blipFill>
-                      <a:blip r:embed="rId5"/>
-                      <a:stretch>
-                        <a:fillRect/>
-                      </a:stretch>
-                    </p:blipFill>
-                    <p:spPr>
-                      <a:xfrm>
-                        <a:off x="115187" y="648269"/>
-                        <a:ext cx="8605732" cy="4386286"/>
-                      </a:xfrm>
-                      <a:prstGeom prst="rect">
-                        <a:avLst/>
-                      </a:prstGeom>
-                    </p:spPr>
-                  </p:pic>
-                </p:oleObj>
-              </mc:Fallback>
-            </mc:AlternateContent>
-          </a:graphicData>
-        </a:graphic>
-      </p:graphicFrame>
     </p:spTree>
   </p:cSld>
   <p:clrMapOvr>
@@ -12613,6 +13264,576 @@
 </file>
 
 <file path=ppt/slides/slide11.xml><?xml version="1.0" encoding="utf-8"?>
+<p:sld xmlns:a="http://schemas.openxmlformats.org/drawingml/2006/main" xmlns:r="http://schemas.openxmlformats.org/officeDocument/2006/relationships" xmlns:p="http://schemas.openxmlformats.org/presentationml/2006/main">
+  <p:cSld>
+    <p:spTree>
+      <p:nvGrpSpPr>
+        <p:cNvPr id="1" name="Shape 177"/>
+        <p:cNvGrpSpPr/>
+        <p:nvPr/>
+      </p:nvGrpSpPr>
+      <p:grpSpPr>
+        <a:xfrm>
+          <a:off x="0" y="0"/>
+          <a:ext cx="0" cy="0"/>
+          <a:chOff x="0" y="0"/>
+          <a:chExt cx="0" cy="0"/>
+        </a:xfrm>
+      </p:grpSpPr>
+      <p:sp>
+        <p:nvSpPr>
+          <p:cNvPr id="178" name="Google Shape;178;p35"/>
+          <p:cNvSpPr txBox="1">
+            <a:spLocks noGrp="1"/>
+          </p:cNvSpPr>
+          <p:nvPr>
+            <p:ph type="title"/>
+          </p:nvPr>
+        </p:nvSpPr>
+        <p:spPr>
+          <a:xfrm>
+            <a:off x="363170" y="114409"/>
+            <a:ext cx="8417660" cy="540684"/>
+          </a:xfrm>
+          <a:prstGeom prst="rect">
+            <a:avLst/>
+          </a:prstGeom>
+        </p:spPr>
+        <p:txBody>
+          <a:bodyPr spcFirstLastPara="1" wrap="square" lIns="91425" tIns="91425" rIns="91425" bIns="91425" anchor="b" anchorCtr="0">
+            <a:noAutofit/>
+          </a:bodyPr>
+          <a:lstStyle/>
+          <a:p>
+            <a:pPr marL="0" lvl="0" indent="0" algn="ctr" rtl="0">
+              <a:spcBef>
+                <a:spcPts val="0"/>
+              </a:spcBef>
+              <a:spcAft>
+                <a:spcPts val="0"/>
+              </a:spcAft>
+              <a:buNone/>
+            </a:pPr>
+            <a:r>
+              <a:rPr lang="ru" sz="2800" dirty="0">
+                <a:solidFill>
+                  <a:srgbClr val="0B5394"/>
+                </a:solidFill>
+              </a:rPr>
+              <a:t>Диаграмма связи процессов по управлению</a:t>
+            </a:r>
+            <a:endParaRPr sz="2800" dirty="0"/>
+          </a:p>
+        </p:txBody>
+      </p:sp>
+      <p:sp>
+        <p:nvSpPr>
+          <p:cNvPr id="180" name="Google Shape;180;p35"/>
+          <p:cNvSpPr txBox="1">
+            <a:spLocks noGrp="1"/>
+          </p:cNvSpPr>
+          <p:nvPr>
+            <p:ph type="body" idx="2"/>
+          </p:nvPr>
+        </p:nvSpPr>
+        <p:spPr>
+          <a:xfrm>
+            <a:off x="300251" y="784745"/>
+            <a:ext cx="8594880" cy="1712795"/>
+          </a:xfrm>
+          <a:prstGeom prst="rect">
+            <a:avLst/>
+          </a:prstGeom>
+        </p:spPr>
+        <p:txBody>
+          <a:bodyPr spcFirstLastPara="1" wrap="square" lIns="91425" tIns="91425" rIns="91425" bIns="91425" anchor="ctr" anchorCtr="0">
+            <a:noAutofit/>
+          </a:bodyPr>
+          <a:lstStyle/>
+          <a:p>
+            <a:pPr marL="0" lvl="0" indent="0" algn="l" rtl="0">
+              <a:lnSpc>
+                <a:spcPct val="100000"/>
+              </a:lnSpc>
+              <a:spcBef>
+                <a:spcPts val="0"/>
+              </a:spcBef>
+              <a:spcAft>
+                <a:spcPts val="0"/>
+              </a:spcAft>
+              <a:buNone/>
+            </a:pPr>
+            <a:r>
+              <a:rPr lang="ru" sz="1400" dirty="0">
+                <a:solidFill>
+                  <a:srgbClr val="000000"/>
+                </a:solidFill>
+              </a:rPr>
+              <a:t>Для построения диаграмм связи процессов по управлению были проанализированы:</a:t>
+            </a:r>
+            <a:endParaRPr sz="1400" dirty="0">
+              <a:solidFill>
+                <a:srgbClr val="000000"/>
+              </a:solidFill>
+            </a:endParaRPr>
+          </a:p>
+          <a:p>
+            <a:pPr marL="457200" lvl="0" indent="-317500" algn="l" rtl="0">
+              <a:lnSpc>
+                <a:spcPct val="100000"/>
+              </a:lnSpc>
+              <a:spcBef>
+                <a:spcPts val="1600"/>
+              </a:spcBef>
+              <a:spcAft>
+                <a:spcPts val="0"/>
+              </a:spcAft>
+              <a:buClr>
+                <a:srgbClr val="000000"/>
+              </a:buClr>
+              <a:buSzPts val="1400"/>
+              <a:buChar char="●"/>
+            </a:pPr>
+            <a:r>
+              <a:rPr lang="ru" sz="1400" dirty="0">
+                <a:solidFill>
+                  <a:srgbClr val="000000"/>
+                </a:solidFill>
+              </a:rPr>
+              <a:t>диаграмма деятельности UML: </a:t>
+            </a:r>
+            <a:endParaRPr sz="1400" dirty="0">
+              <a:solidFill>
+                <a:srgbClr val="000000"/>
+              </a:solidFill>
+            </a:endParaRPr>
+          </a:p>
+          <a:p>
+            <a:pPr marL="914400" lvl="1" indent="-317500" algn="l" rtl="0">
+              <a:lnSpc>
+                <a:spcPct val="100000"/>
+              </a:lnSpc>
+              <a:spcBef>
+                <a:spcPts val="0"/>
+              </a:spcBef>
+              <a:spcAft>
+                <a:spcPts val="0"/>
+              </a:spcAft>
+              <a:buClr>
+                <a:srgbClr val="000000"/>
+              </a:buClr>
+              <a:buSzPts val="1400"/>
+              <a:buChar char="○"/>
+            </a:pPr>
+            <a:r>
+              <a:rPr lang="ru" sz="1400" dirty="0">
+                <a:solidFill>
+                  <a:srgbClr val="000000"/>
+                </a:solidFill>
+              </a:rPr>
+              <a:t>общий вид вершин диаграммы </a:t>
+            </a:r>
+            <a:r>
+              <a:rPr lang="ru" dirty="0">
+                <a:solidFill>
+                  <a:srgbClr val="000000"/>
+                </a:solidFill>
+              </a:rPr>
+              <a:t>(</a:t>
+            </a:r>
+            <a:r>
+              <a:rPr lang="ru" sz="1400" dirty="0">
+                <a:solidFill>
+                  <a:srgbClr val="000000"/>
+                </a:solidFill>
+              </a:rPr>
+              <a:t>вместо названий активностей имена </a:t>
+            </a:r>
+            <a:r>
+              <a:rPr lang="ru" sz="1400" dirty="0" smtClean="0">
+                <a:solidFill>
+                  <a:srgbClr val="000000"/>
+                </a:solidFill>
+              </a:rPr>
+              <a:t>процессов</a:t>
+            </a:r>
+            <a:r>
+              <a:rPr lang="en-US" sz="1400" dirty="0" smtClean="0">
+                <a:solidFill>
+                  <a:srgbClr val="000000"/>
+                </a:solidFill>
+              </a:rPr>
+              <a:t>)</a:t>
+            </a:r>
+            <a:r>
+              <a:rPr lang="ru" sz="1400" dirty="0" smtClean="0">
+                <a:solidFill>
+                  <a:srgbClr val="000000"/>
+                </a:solidFill>
+              </a:rPr>
+              <a:t>;</a:t>
+            </a:r>
+            <a:endParaRPr sz="1400" dirty="0">
+              <a:solidFill>
+                <a:srgbClr val="000000"/>
+              </a:solidFill>
+            </a:endParaRPr>
+          </a:p>
+          <a:p>
+            <a:pPr marL="457200" lvl="0" indent="-317500" algn="l" rtl="0">
+              <a:lnSpc>
+                <a:spcPct val="100000"/>
+              </a:lnSpc>
+              <a:spcBef>
+                <a:spcPts val="0"/>
+              </a:spcBef>
+              <a:spcAft>
+                <a:spcPts val="0"/>
+              </a:spcAft>
+              <a:buClr>
+                <a:srgbClr val="000000"/>
+              </a:buClr>
+              <a:buSzPts val="1400"/>
+              <a:buChar char="●"/>
+            </a:pPr>
+            <a:r>
+              <a:rPr lang="ru" sz="1400" dirty="0">
+                <a:solidFill>
+                  <a:srgbClr val="000000"/>
+                </a:solidFill>
+              </a:rPr>
+              <a:t>диаграмма состояний UML:</a:t>
+            </a:r>
+            <a:endParaRPr sz="1400" dirty="0">
+              <a:solidFill>
+                <a:srgbClr val="000000"/>
+              </a:solidFill>
+            </a:endParaRPr>
+          </a:p>
+          <a:p>
+            <a:pPr marL="914400" lvl="1" indent="-317500" algn="l" rtl="0">
+              <a:lnSpc>
+                <a:spcPct val="100000"/>
+              </a:lnSpc>
+              <a:spcBef>
+                <a:spcPts val="0"/>
+              </a:spcBef>
+              <a:spcAft>
+                <a:spcPts val="0"/>
+              </a:spcAft>
+              <a:buClr>
+                <a:srgbClr val="000000"/>
+              </a:buClr>
+              <a:buSzPts val="1400"/>
+              <a:buChar char="○"/>
+            </a:pPr>
+            <a:r>
+              <a:rPr lang="ru" sz="1400" dirty="0">
+                <a:solidFill>
+                  <a:srgbClr val="000000"/>
+                </a:solidFill>
+              </a:rPr>
+              <a:t>идея подписей над стрелками</a:t>
+            </a:r>
+            <a:r>
+              <a:rPr lang="ru" dirty="0">
+                <a:solidFill>
+                  <a:srgbClr val="000000"/>
+                </a:solidFill>
+              </a:rPr>
+              <a:t>;</a:t>
+            </a:r>
+            <a:endParaRPr dirty="0">
+              <a:solidFill>
+                <a:srgbClr val="000000"/>
+              </a:solidFill>
+            </a:endParaRPr>
+          </a:p>
+          <a:p>
+            <a:pPr marL="914400" lvl="1" indent="-317500" algn="l" rtl="0">
+              <a:lnSpc>
+                <a:spcPct val="100000"/>
+              </a:lnSpc>
+              <a:spcBef>
+                <a:spcPts val="0"/>
+              </a:spcBef>
+              <a:spcAft>
+                <a:spcPts val="0"/>
+              </a:spcAft>
+              <a:buClr>
+                <a:srgbClr val="000000"/>
+              </a:buClr>
+              <a:buSzPts val="1400"/>
+              <a:buChar char="○"/>
+            </a:pPr>
+            <a:r>
+              <a:rPr lang="ru" sz="1400" dirty="0">
+                <a:solidFill>
+                  <a:srgbClr val="000000"/>
+                </a:solidFill>
+              </a:rPr>
+              <a:t>обозначение точки входа</a:t>
+            </a:r>
+            <a:r>
+              <a:rPr lang="ru" sz="1400" dirty="0" smtClean="0">
+                <a:solidFill>
+                  <a:srgbClr val="000000"/>
+                </a:solidFill>
+              </a:rPr>
+              <a:t>.</a:t>
+            </a:r>
+            <a:endParaRPr dirty="0">
+              <a:solidFill>
+                <a:srgbClr val="000000"/>
+              </a:solidFill>
+            </a:endParaRPr>
+          </a:p>
+        </p:txBody>
+      </p:sp>
+      <p:pic>
+        <p:nvPicPr>
+          <p:cNvPr id="8" name="Рисунок 7"/>
+          <p:cNvPicPr>
+            <a:picLocks noChangeAspect="1"/>
+          </p:cNvPicPr>
+          <p:nvPr/>
+        </p:nvPicPr>
+        <p:blipFill rotWithShape="1">
+          <a:blip r:embed="rId3">
+            <a:extLst>
+              <a:ext uri="{28A0092B-C50C-407E-A947-70E740481C1C}">
+                <a14:useLocalDpi xmlns:a14="http://schemas.microsoft.com/office/drawing/2010/main" val="0"/>
+              </a:ext>
+            </a:extLst>
+          </a:blip>
+          <a:srcRect l="2765" t="2786" r="2342" b="67629"/>
+          <a:stretch/>
+        </p:blipFill>
+        <p:spPr>
+          <a:xfrm>
+            <a:off x="1528552" y="2217758"/>
+            <a:ext cx="6066427" cy="2674961"/>
+          </a:xfrm>
+          <a:prstGeom prst="rect">
+            <a:avLst/>
+          </a:prstGeom>
+        </p:spPr>
+      </p:pic>
+      <p:sp>
+        <p:nvSpPr>
+          <p:cNvPr id="2" name="Номер слайда 1"/>
+          <p:cNvSpPr>
+            <a:spLocks noGrp="1"/>
+          </p:cNvSpPr>
+          <p:nvPr>
+            <p:ph type="sldNum" idx="12"/>
+          </p:nvPr>
+        </p:nvSpPr>
+        <p:spPr>
+          <a:xfrm>
+            <a:off x="8595300" y="4749900"/>
+            <a:ext cx="548700" cy="393600"/>
+          </a:xfrm>
+        </p:spPr>
+        <p:txBody>
+          <a:bodyPr/>
+          <a:lstStyle/>
+          <a:p>
+            <a:pPr lvl="0"/>
+            <a:fld id="{00000000-1234-1234-1234-123412341234}" type="slidenum">
+              <a:rPr lang="ru" smtClean="0"/>
+              <a:pPr lvl="0"/>
+              <a:t>11</a:t>
+            </a:fld>
+            <a:r>
+              <a:rPr lang="en-US" dirty="0"/>
+              <a:t> /19</a:t>
+            </a:r>
+            <a:endParaRPr lang="ru" dirty="0"/>
+          </a:p>
+        </p:txBody>
+      </p:sp>
+    </p:spTree>
+  </p:cSld>
+  <p:clrMapOvr>
+    <a:masterClrMapping/>
+  </p:clrMapOvr>
+  <p:timing>
+    <p:tnLst>
+      <p:par>
+        <p:cTn id="1" dur="indefinite" restart="never" nodeType="tmRoot"/>
+      </p:par>
+    </p:tnLst>
+  </p:timing>
+</p:sld>
+</file>
+
+<file path=ppt/slides/slide12.xml><?xml version="1.0" encoding="utf-8"?>
+<p:sld xmlns:a="http://schemas.openxmlformats.org/drawingml/2006/main" xmlns:r="http://schemas.openxmlformats.org/officeDocument/2006/relationships" xmlns:p="http://schemas.openxmlformats.org/presentationml/2006/main">
+  <p:cSld>
+    <p:spTree>
+      <p:nvGrpSpPr>
+        <p:cNvPr id="1" name="Shape 193"/>
+        <p:cNvGrpSpPr/>
+        <p:nvPr/>
+      </p:nvGrpSpPr>
+      <p:grpSpPr>
+        <a:xfrm>
+          <a:off x="0" y="0"/>
+          <a:ext cx="0" cy="0"/>
+          <a:chOff x="0" y="0"/>
+          <a:chExt cx="0" cy="0"/>
+        </a:xfrm>
+      </p:grpSpPr>
+      <p:sp>
+        <p:nvSpPr>
+          <p:cNvPr id="199" name="Google Shape;199;p37"/>
+          <p:cNvSpPr txBox="1"/>
+          <p:nvPr/>
+        </p:nvSpPr>
+        <p:spPr>
+          <a:xfrm>
+            <a:off x="64827" y="116005"/>
+            <a:ext cx="9014346" cy="477672"/>
+          </a:xfrm>
+          <a:prstGeom prst="rect">
+            <a:avLst/>
+          </a:prstGeom>
+          <a:noFill/>
+          <a:ln>
+            <a:noFill/>
+          </a:ln>
+        </p:spPr>
+        <p:txBody>
+          <a:bodyPr spcFirstLastPara="1" wrap="square" lIns="91425" tIns="91425" rIns="91425" bIns="91425" anchor="t" anchorCtr="0">
+            <a:noAutofit/>
+          </a:bodyPr>
+          <a:lstStyle/>
+          <a:p>
+            <a:pPr lvl="0" algn="ctr"/>
+            <a:r>
+              <a:rPr lang="ru" sz="2800" dirty="0">
+                <a:solidFill>
+                  <a:srgbClr val="0B5394"/>
+                </a:solidFill>
+              </a:rPr>
+              <a:t>Обзор средств визуализации графов</a:t>
+            </a:r>
+            <a:endParaRPr sz="2800" dirty="0">
+              <a:solidFill>
+                <a:schemeClr val="dk1"/>
+              </a:solidFill>
+            </a:endParaRPr>
+          </a:p>
+        </p:txBody>
+      </p:sp>
+      <p:graphicFrame>
+        <p:nvGraphicFramePr>
+          <p:cNvPr id="5" name="Объект 4"/>
+          <p:cNvGraphicFramePr>
+            <a:graphicFrameLocks noChangeAspect="1"/>
+          </p:cNvGraphicFramePr>
+          <p:nvPr>
+            <p:extLst>
+              <p:ext uri="{D42A27DB-BD31-4B8C-83A1-F6EECF244321}">
+                <p14:modId xmlns:p14="http://schemas.microsoft.com/office/powerpoint/2010/main" val="2930324772"/>
+              </p:ext>
+            </p:extLst>
+          </p:nvPr>
+        </p:nvGraphicFramePr>
+        <p:xfrm>
+          <a:off x="115187" y="648269"/>
+          <a:ext cx="8528285" cy="4346812"/>
+        </p:xfrm>
+        <a:graphic>
+          <a:graphicData uri="http://schemas.openxmlformats.org/presentationml/2006/ole">
+            <mc:AlternateContent xmlns:mc="http://schemas.openxmlformats.org/markup-compatibility/2006">
+              <mc:Choice xmlns:v="urn:schemas-microsoft-com:vml" Requires="v">
+                <p:oleObj spid="_x0000_s4199" name="Лист" r:id="rId5" imgW="12410988" imgH="6524550" progId="Excel.Sheet.12">
+                  <p:embed/>
+                </p:oleObj>
+              </mc:Choice>
+              <mc:Fallback>
+                <p:oleObj name="Лист" r:id="rId5" imgW="12410988" imgH="6524550" progId="Excel.Sheet.12">
+                  <p:embed/>
+                  <p:pic>
+                    <p:nvPicPr>
+                      <p:cNvPr id="0" name=""/>
+                      <p:cNvPicPr/>
+                      <p:nvPr/>
+                    </p:nvPicPr>
+                    <p:blipFill>
+                      <a:blip r:embed="rId6"/>
+                      <a:stretch>
+                        <a:fillRect/>
+                      </a:stretch>
+                    </p:blipFill>
+                    <p:spPr>
+                      <a:xfrm>
+                        <a:off x="115187" y="648269"/>
+                        <a:ext cx="8528285" cy="4346812"/>
+                      </a:xfrm>
+                      <a:prstGeom prst="rect">
+                        <a:avLst/>
+                      </a:prstGeom>
+                    </p:spPr>
+                  </p:pic>
+                </p:oleObj>
+              </mc:Fallback>
+            </mc:AlternateContent>
+          </a:graphicData>
+        </a:graphic>
+      </p:graphicFrame>
+      <p:sp>
+        <p:nvSpPr>
+          <p:cNvPr id="2" name="Номер слайда 1"/>
+          <p:cNvSpPr>
+            <a:spLocks noGrp="1"/>
+          </p:cNvSpPr>
+          <p:nvPr>
+            <p:ph type="sldNum" idx="12"/>
+          </p:nvPr>
+        </p:nvSpPr>
+        <p:spPr>
+          <a:xfrm>
+            <a:off x="8595300" y="4749900"/>
+            <a:ext cx="548700" cy="393600"/>
+          </a:xfrm>
+        </p:spPr>
+        <p:txBody>
+          <a:bodyPr/>
+          <a:lstStyle/>
+          <a:p>
+            <a:pPr lvl="0"/>
+            <a:fld id="{00000000-1234-1234-1234-123412341234}" type="slidenum">
+              <a:rPr lang="ru" smtClean="0"/>
+              <a:pPr lvl="0"/>
+              <a:t>12</a:t>
+            </a:fld>
+            <a:r>
+              <a:rPr lang="en-US" dirty="0"/>
+              <a:t> /19</a:t>
+            </a:r>
+            <a:endParaRPr lang="ru" dirty="0"/>
+          </a:p>
+        </p:txBody>
+      </p:sp>
+    </p:spTree>
+  </p:cSld>
+  <p:clrMapOvr>
+    <a:masterClrMapping/>
+  </p:clrMapOvr>
+  <p:timing>
+    <p:tnLst>
+      <p:par>
+        <p:cTn id="1" dur="indefinite" restart="never" nodeType="tmRoot"/>
+      </p:par>
+    </p:tnLst>
+  </p:timing>
+</p:sld>
+</file>
+
+<file path=ppt/slides/slide13.xml><?xml version="1.0" encoding="utf-8"?>
 <p:sld xmlns:a="http://schemas.openxmlformats.org/drawingml/2006/main" xmlns:r="http://schemas.openxmlformats.org/officeDocument/2006/relationships" xmlns:p="http://schemas.openxmlformats.org/presentationml/2006/main">
   <p:cSld>
     <p:spTree>
@@ -12641,8 +13862,8 @@
         </p:nvSpPr>
         <p:spPr>
           <a:xfrm>
-            <a:off x="242700" y="111575"/>
-            <a:ext cx="8520600" cy="572700"/>
+            <a:off x="314923" y="122830"/>
+            <a:ext cx="8520600" cy="502574"/>
           </a:xfrm>
           <a:prstGeom prst="rect">
             <a:avLst/>
@@ -12669,14 +13890,14 @@
               <a:buNone/>
             </a:pPr>
             <a:r>
-              <a:rPr lang="ru" sz="3000" dirty="0">
+              <a:rPr lang="ru" dirty="0">
                 <a:solidFill>
                   <a:srgbClr val="0B5394"/>
                 </a:solidFill>
               </a:rPr>
               <a:t>Обзор форматов представления графов</a:t>
             </a:r>
-            <a:endParaRPr sz="3000" dirty="0"/>
+            <a:endParaRPr dirty="0"/>
           </a:p>
           <a:p>
             <a:pPr marL="0" lvl="0" indent="0" algn="l" rtl="0">
@@ -12688,56 +13909,6 @@
               </a:spcAft>
               <a:buNone/>
             </a:pPr>
-            <a:endParaRPr dirty="0"/>
-          </a:p>
-        </p:txBody>
-      </p:sp>
-      <p:sp>
-        <p:nvSpPr>
-          <p:cNvPr id="206" name="Google Shape;206;p38"/>
-          <p:cNvSpPr txBox="1">
-            <a:spLocks noGrp="1"/>
-          </p:cNvSpPr>
-          <p:nvPr>
-            <p:ph type="sldNum" idx="12"/>
-          </p:nvPr>
-        </p:nvSpPr>
-        <p:spPr>
-          <a:xfrm>
-            <a:off x="8472458" y="4663217"/>
-            <a:ext cx="548700" cy="393600"/>
-          </a:xfrm>
-          <a:prstGeom prst="rect">
-            <a:avLst/>
-          </a:prstGeom>
-        </p:spPr>
-        <p:txBody>
-          <a:bodyPr spcFirstLastPara="1" wrap="square" lIns="91425" tIns="91425" rIns="91425" bIns="91425" anchor="ctr" anchorCtr="0">
-            <a:noAutofit/>
-          </a:bodyPr>
-          <a:lstStyle/>
-          <a:p>
-            <a:pPr marL="0" lvl="0" indent="0" algn="r" rtl="0">
-              <a:spcBef>
-                <a:spcPts val="0"/>
-              </a:spcBef>
-              <a:spcAft>
-                <a:spcPts val="0"/>
-              </a:spcAft>
-              <a:buNone/>
-            </a:pPr>
-            <a:fld id="{00000000-1234-1234-1234-123412341234}" type="slidenum">
-              <a:rPr lang="ru" smtClean="0"/>
-              <a:t>11</a:t>
-            </a:fld>
-            <a:r>
-              <a:rPr lang="ru" dirty="0" smtClean="0"/>
-              <a:t>/2</a:t>
-            </a:r>
-            <a:r>
-              <a:rPr lang="en-US" dirty="0" smtClean="0"/>
-              <a:t>0</a:t>
-            </a:r>
             <a:endParaRPr dirty="0"/>
           </a:p>
         </p:txBody>
@@ -12764,12 +13935,12 @@
           <a:graphicData uri="http://schemas.openxmlformats.org/presentationml/2006/ole">
             <mc:AlternateContent xmlns:mc="http://schemas.openxmlformats.org/markup-compatibility/2006">
               <mc:Choice xmlns:v="urn:schemas-microsoft-com:vml" Requires="v">
-                <p:oleObj spid="_x0000_s5151" name="Лист" r:id="rId4" imgW="7601001" imgH="2514510" progId="Excel.Sheet.12">
+                <p:oleObj spid="_x0000_s5180" name="Лист" r:id="rId5" imgW="7601001" imgH="2514510" progId="Excel.Sheet.12">
                   <p:embed/>
                 </p:oleObj>
               </mc:Choice>
               <mc:Fallback>
-                <p:oleObj name="Лист" r:id="rId4" imgW="7601001" imgH="2514510" progId="Excel.Sheet.12">
+                <p:oleObj name="Лист" r:id="rId5" imgW="7601001" imgH="2514510" progId="Excel.Sheet.12">
                   <p:embed/>
                   <p:pic>
                     <p:nvPicPr>
@@ -12778,7 +13949,7 @@
                       <p:nvPr/>
                     </p:nvPicPr>
                     <p:blipFill>
-                      <a:blip r:embed="rId5"/>
+                      <a:blip r:embed="rId6"/>
                       <a:stretch>
                         <a:fillRect/>
                       </a:stretch>
@@ -12955,6 +14126,40 @@
           </a:p>
         </p:txBody>
       </p:sp>
+      <p:sp>
+        <p:nvSpPr>
+          <p:cNvPr id="2" name="Номер слайда 1"/>
+          <p:cNvSpPr>
+            <a:spLocks noGrp="1"/>
+          </p:cNvSpPr>
+          <p:nvPr>
+            <p:ph type="sldNum" idx="12"/>
+          </p:nvPr>
+        </p:nvSpPr>
+        <p:spPr>
+          <a:xfrm>
+            <a:off x="8595300" y="4749900"/>
+            <a:ext cx="548700" cy="393600"/>
+          </a:xfrm>
+        </p:spPr>
+        <p:txBody>
+          <a:bodyPr/>
+          <a:lstStyle/>
+          <a:p>
+            <a:pPr lvl="0"/>
+            <a:fld id="{00000000-1234-1234-1234-123412341234}" type="slidenum">
+              <a:rPr lang="ru" smtClean="0"/>
+              <a:pPr lvl="0"/>
+              <a:t>13</a:t>
+            </a:fld>
+            <a:r>
+              <a:rPr lang="en-US" dirty="0"/>
+              <a:t> /19</a:t>
+            </a:r>
+            <a:endParaRPr lang="ru" dirty="0"/>
+          </a:p>
+        </p:txBody>
+      </p:sp>
     </p:spTree>
   </p:cSld>
   <p:clrMapOvr>
@@ -12970,7 +14175,7 @@
 </p:sld>
 </file>
 
-<file path=ppt/slides/slide12.xml><?xml version="1.0" encoding="utf-8"?>
+<file path=ppt/slides/slide14.xml><?xml version="1.0" encoding="utf-8"?>
 <p:sld xmlns:a="http://schemas.openxmlformats.org/drawingml/2006/main" xmlns:r="http://schemas.openxmlformats.org/officeDocument/2006/relationships" xmlns:p="http://schemas.openxmlformats.org/presentationml/2006/main">
   <p:cSld>
     <p:spTree>
@@ -12999,8 +14204,8 @@
         </p:nvSpPr>
         <p:spPr>
           <a:xfrm>
-            <a:off x="311700" y="172942"/>
-            <a:ext cx="8520600" cy="572700"/>
+            <a:off x="311700" y="118351"/>
+            <a:ext cx="8520600" cy="454855"/>
           </a:xfrm>
           <a:prstGeom prst="rect">
             <a:avLst/>
@@ -13027,62 +14232,12 @@
               <a:buNone/>
             </a:pPr>
             <a:r>
-              <a:rPr lang="ru" sz="3000" dirty="0">
+              <a:rPr lang="ru" dirty="0">
                 <a:solidFill>
                   <a:srgbClr val="0B5394"/>
                 </a:solidFill>
               </a:rPr>
               <a:t>Схема возможных преобразований форматов</a:t>
-            </a:r>
-            <a:endParaRPr sz="3000" dirty="0"/>
-          </a:p>
-        </p:txBody>
-      </p:sp>
-      <p:sp>
-        <p:nvSpPr>
-          <p:cNvPr id="214" name="Google Shape;214;p39"/>
-          <p:cNvSpPr txBox="1">
-            <a:spLocks noGrp="1"/>
-          </p:cNvSpPr>
-          <p:nvPr>
-            <p:ph type="sldNum" idx="12"/>
-          </p:nvPr>
-        </p:nvSpPr>
-        <p:spPr>
-          <a:xfrm>
-            <a:off x="8472458" y="4663217"/>
-            <a:ext cx="548700" cy="393600"/>
-          </a:xfrm>
-          <a:prstGeom prst="rect">
-            <a:avLst/>
-          </a:prstGeom>
-        </p:spPr>
-        <p:txBody>
-          <a:bodyPr spcFirstLastPara="1" wrap="square" lIns="91425" tIns="91425" rIns="91425" bIns="91425" anchor="ctr" anchorCtr="0">
-            <a:noAutofit/>
-          </a:bodyPr>
-          <a:lstStyle/>
-          <a:p>
-            <a:pPr marL="0" lvl="0" indent="0" algn="r" rtl="0">
-              <a:spcBef>
-                <a:spcPts val="0"/>
-              </a:spcBef>
-              <a:spcAft>
-                <a:spcPts val="0"/>
-              </a:spcAft>
-              <a:buNone/>
-            </a:pPr>
-            <a:fld id="{00000000-1234-1234-1234-123412341234}" type="slidenum">
-              <a:rPr lang="ru" smtClean="0"/>
-              <a:t>12</a:t>
-            </a:fld>
-            <a:r>
-              <a:rPr lang="ru" dirty="0" smtClean="0"/>
-              <a:t>/2</a:t>
-            </a:r>
-            <a:r>
-              <a:rPr lang="en-US" dirty="0" smtClean="0"/>
-              <a:t>0</a:t>
             </a:r>
             <a:endParaRPr dirty="0"/>
           </a:p>
@@ -13223,6 +14378,40 @@
           </a:prstGeom>
         </p:spPr>
       </p:pic>
+      <p:sp>
+        <p:nvSpPr>
+          <p:cNvPr id="3" name="Номер слайда 2"/>
+          <p:cNvSpPr>
+            <a:spLocks noGrp="1"/>
+          </p:cNvSpPr>
+          <p:nvPr>
+            <p:ph type="sldNum" idx="12"/>
+          </p:nvPr>
+        </p:nvSpPr>
+        <p:spPr>
+          <a:xfrm>
+            <a:off x="8595300" y="4749900"/>
+            <a:ext cx="548700" cy="393600"/>
+          </a:xfrm>
+        </p:spPr>
+        <p:txBody>
+          <a:bodyPr/>
+          <a:lstStyle/>
+          <a:p>
+            <a:pPr lvl="0"/>
+            <a:fld id="{00000000-1234-1234-1234-123412341234}" type="slidenum">
+              <a:rPr lang="ru" smtClean="0"/>
+              <a:pPr lvl="0"/>
+              <a:t>14</a:t>
+            </a:fld>
+            <a:r>
+              <a:rPr lang="en-US" dirty="0"/>
+              <a:t> /19</a:t>
+            </a:r>
+            <a:endParaRPr lang="ru" dirty="0"/>
+          </a:p>
+        </p:txBody>
+      </p:sp>
     </p:spTree>
   </p:cSld>
   <p:clrMapOvr>
@@ -13238,7 +14427,7 @@
 </p:sld>
 </file>
 
-<file path=ppt/slides/slide13.xml><?xml version="1.0" encoding="utf-8"?>
+<file path=ppt/slides/slide15.xml><?xml version="1.0" encoding="utf-8"?>
 <p:sld xmlns:a="http://schemas.openxmlformats.org/drawingml/2006/main" xmlns:r="http://schemas.openxmlformats.org/officeDocument/2006/relationships" xmlns:p="http://schemas.openxmlformats.org/presentationml/2006/main">
   <p:cSld>
     <p:spTree>
@@ -13267,8 +14456,8 @@
         </p:nvSpPr>
         <p:spPr>
           <a:xfrm>
-            <a:off x="318524" y="192542"/>
-            <a:ext cx="8520600" cy="572700"/>
+            <a:off x="311700" y="131127"/>
+            <a:ext cx="8520600" cy="503494"/>
           </a:xfrm>
           <a:prstGeom prst="rect">
             <a:avLst/>
@@ -13295,14 +14484,14 @@
               <a:buNone/>
             </a:pPr>
             <a:r>
-              <a:rPr lang="ru" sz="3000" dirty="0">
+              <a:rPr lang="ru" dirty="0">
                 <a:solidFill>
                   <a:srgbClr val="0B5394"/>
                 </a:solidFill>
               </a:rPr>
               <a:t>Сравнение GML и GraphML</a:t>
             </a:r>
-            <a:endParaRPr sz="3000" dirty="0"/>
+            <a:endParaRPr dirty="0"/>
           </a:p>
         </p:txBody>
       </p:sp>
@@ -13452,56 +14641,6 @@
           </a:p>
         </p:txBody>
       </p:sp>
-      <p:sp>
-        <p:nvSpPr>
-          <p:cNvPr id="224" name="Google Shape;224;p40"/>
-          <p:cNvSpPr txBox="1">
-            <a:spLocks noGrp="1"/>
-          </p:cNvSpPr>
-          <p:nvPr>
-            <p:ph type="sldNum" idx="12"/>
-          </p:nvPr>
-        </p:nvSpPr>
-        <p:spPr>
-          <a:xfrm>
-            <a:off x="8472458" y="4663217"/>
-            <a:ext cx="548700" cy="393600"/>
-          </a:xfrm>
-          <a:prstGeom prst="rect">
-            <a:avLst/>
-          </a:prstGeom>
-        </p:spPr>
-        <p:txBody>
-          <a:bodyPr spcFirstLastPara="1" wrap="square" lIns="91425" tIns="91425" rIns="91425" bIns="91425" anchor="ctr" anchorCtr="0">
-            <a:noAutofit/>
-          </a:bodyPr>
-          <a:lstStyle/>
-          <a:p>
-            <a:pPr marL="0" lvl="0" indent="0" algn="r" rtl="0">
-              <a:spcBef>
-                <a:spcPts val="0"/>
-              </a:spcBef>
-              <a:spcAft>
-                <a:spcPts val="0"/>
-              </a:spcAft>
-              <a:buNone/>
-            </a:pPr>
-            <a:fld id="{00000000-1234-1234-1234-123412341234}" type="slidenum">
-              <a:rPr lang="ru" smtClean="0"/>
-              <a:t>13</a:t>
-            </a:fld>
-            <a:r>
-              <a:rPr lang="ru" dirty="0" smtClean="0"/>
-              <a:t>/2</a:t>
-            </a:r>
-            <a:r>
-              <a:rPr lang="en-US" dirty="0" smtClean="0"/>
-              <a:t>0</a:t>
-            </a:r>
-            <a:endParaRPr dirty="0"/>
-          </a:p>
-        </p:txBody>
-      </p:sp>
       <p:graphicFrame>
         <p:nvGraphicFramePr>
           <p:cNvPr id="2" name="Объект 1"/>
@@ -13524,12 +14663,12 @@
           <a:graphicData uri="http://schemas.openxmlformats.org/presentationml/2006/ole">
             <mc:AlternateContent xmlns:mc="http://schemas.openxmlformats.org/markup-compatibility/2006">
               <mc:Choice xmlns:v="urn:schemas-microsoft-com:vml" Requires="v">
-                <p:oleObj spid="_x0000_s6168" name="Лист" r:id="rId4" imgW="3266988" imgH="1876500" progId="Excel.Sheet.12">
+                <p:oleObj spid="_x0000_s6197" name="Лист" r:id="rId5" imgW="3266988" imgH="1876500" progId="Excel.Sheet.12">
                   <p:embed/>
                 </p:oleObj>
               </mc:Choice>
               <mc:Fallback>
-                <p:oleObj name="Лист" r:id="rId4" imgW="3266988" imgH="1876500" progId="Excel.Sheet.12">
+                <p:oleObj name="Лист" r:id="rId5" imgW="3266988" imgH="1876500" progId="Excel.Sheet.12">
                   <p:embed/>
                   <p:pic>
                     <p:nvPicPr>
@@ -13538,7 +14677,7 @@
                       <p:nvPr/>
                     </p:nvPicPr>
                     <p:blipFill>
-                      <a:blip r:embed="rId5"/>
+                      <a:blip r:embed="rId6"/>
                       <a:stretch>
                         <a:fillRect/>
                       </a:stretch>
@@ -13559,6 +14698,40 @@
           </a:graphicData>
         </a:graphic>
       </p:graphicFrame>
+      <p:sp>
+        <p:nvSpPr>
+          <p:cNvPr id="3" name="Номер слайда 2"/>
+          <p:cNvSpPr>
+            <a:spLocks noGrp="1"/>
+          </p:cNvSpPr>
+          <p:nvPr>
+            <p:ph type="sldNum" idx="12"/>
+          </p:nvPr>
+        </p:nvSpPr>
+        <p:spPr>
+          <a:xfrm>
+            <a:off x="8595300" y="4749900"/>
+            <a:ext cx="548700" cy="393600"/>
+          </a:xfrm>
+        </p:spPr>
+        <p:txBody>
+          <a:bodyPr/>
+          <a:lstStyle/>
+          <a:p>
+            <a:pPr lvl="0"/>
+            <a:fld id="{00000000-1234-1234-1234-123412341234}" type="slidenum">
+              <a:rPr lang="ru" smtClean="0"/>
+              <a:pPr lvl="0"/>
+              <a:t>15</a:t>
+            </a:fld>
+            <a:r>
+              <a:rPr lang="en-US" dirty="0"/>
+              <a:t> /19</a:t>
+            </a:r>
+            <a:endParaRPr lang="ru" dirty="0"/>
+          </a:p>
+        </p:txBody>
+      </p:sp>
     </p:spTree>
   </p:cSld>
   <p:clrMapOvr>
@@ -13574,7 +14747,7 @@
 </p:sld>
 </file>
 
-<file path=ppt/slides/slide14.xml><?xml version="1.0" encoding="utf-8"?>
+<file path=ppt/slides/slide16.xml><?xml version="1.0" encoding="utf-8"?>
 <p:sld xmlns:a="http://schemas.openxmlformats.org/drawingml/2006/main" xmlns:r="http://schemas.openxmlformats.org/officeDocument/2006/relationships" xmlns:p="http://schemas.openxmlformats.org/presentationml/2006/main">
   <p:cSld>
     <p:spTree>
@@ -13603,8 +14776,8 @@
         </p:nvSpPr>
         <p:spPr>
           <a:xfrm>
-            <a:off x="338995" y="172070"/>
-            <a:ext cx="8520600" cy="572700"/>
+            <a:off x="311700" y="131127"/>
+            <a:ext cx="8520600" cy="483023"/>
           </a:xfrm>
           <a:prstGeom prst="rect">
             <a:avLst/>
@@ -13631,14 +14804,14 @@
               <a:buNone/>
             </a:pPr>
             <a:r>
-              <a:rPr lang="ru" sz="3000" dirty="0">
+              <a:rPr lang="ru" dirty="0">
                 <a:solidFill>
                   <a:srgbClr val="0B5394"/>
                 </a:solidFill>
               </a:rPr>
               <a:t>Реализация: принципы</a:t>
             </a:r>
-            <a:endParaRPr sz="3000" dirty="0"/>
+            <a:endParaRPr dirty="0"/>
           </a:p>
         </p:txBody>
       </p:sp>
@@ -13883,56 +15056,6 @@
                 <a:srgbClr val="000000"/>
               </a:solidFill>
             </a:endParaRPr>
-          </a:p>
-        </p:txBody>
-      </p:sp>
-      <p:sp>
-        <p:nvSpPr>
-          <p:cNvPr id="231" name="Google Shape;231;p41"/>
-          <p:cNvSpPr txBox="1">
-            <a:spLocks noGrp="1"/>
-          </p:cNvSpPr>
-          <p:nvPr>
-            <p:ph type="sldNum" idx="12"/>
-          </p:nvPr>
-        </p:nvSpPr>
-        <p:spPr>
-          <a:xfrm>
-            <a:off x="8472458" y="4663217"/>
-            <a:ext cx="548700" cy="393600"/>
-          </a:xfrm>
-          <a:prstGeom prst="rect">
-            <a:avLst/>
-          </a:prstGeom>
-        </p:spPr>
-        <p:txBody>
-          <a:bodyPr spcFirstLastPara="1" wrap="square" lIns="91425" tIns="91425" rIns="91425" bIns="91425" anchor="ctr" anchorCtr="0">
-            <a:noAutofit/>
-          </a:bodyPr>
-          <a:lstStyle/>
-          <a:p>
-            <a:pPr marL="0" lvl="0" indent="0" algn="r" rtl="0">
-              <a:spcBef>
-                <a:spcPts val="0"/>
-              </a:spcBef>
-              <a:spcAft>
-                <a:spcPts val="0"/>
-              </a:spcAft>
-              <a:buNone/>
-            </a:pPr>
-            <a:fld id="{00000000-1234-1234-1234-123412341234}" type="slidenum">
-              <a:rPr lang="ru" smtClean="0"/>
-              <a:t>14</a:t>
-            </a:fld>
-            <a:r>
-              <a:rPr lang="ru" dirty="0" smtClean="0"/>
-              <a:t>/2</a:t>
-            </a:r>
-            <a:r>
-              <a:rPr lang="en-US" dirty="0" smtClean="0"/>
-              <a:t>0</a:t>
-            </a:r>
-            <a:endParaRPr dirty="0"/>
           </a:p>
         </p:txBody>
       </p:sp>
@@ -14685,6 +15808,40 @@
           </a:p>
         </p:txBody>
       </p:sp>
+      <p:sp>
+        <p:nvSpPr>
+          <p:cNvPr id="4" name="Номер слайда 3"/>
+          <p:cNvSpPr>
+            <a:spLocks noGrp="1"/>
+          </p:cNvSpPr>
+          <p:nvPr>
+            <p:ph type="sldNum" idx="12"/>
+          </p:nvPr>
+        </p:nvSpPr>
+        <p:spPr>
+          <a:xfrm>
+            <a:off x="8595300" y="4749900"/>
+            <a:ext cx="548700" cy="393600"/>
+          </a:xfrm>
+        </p:spPr>
+        <p:txBody>
+          <a:bodyPr/>
+          <a:lstStyle/>
+          <a:p>
+            <a:pPr lvl="0"/>
+            <a:fld id="{00000000-1234-1234-1234-123412341234}" type="slidenum">
+              <a:rPr lang="ru" smtClean="0"/>
+              <a:pPr lvl="0"/>
+              <a:t>16</a:t>
+            </a:fld>
+            <a:r>
+              <a:rPr lang="en-US" dirty="0"/>
+              <a:t> /19</a:t>
+            </a:r>
+            <a:endParaRPr lang="ru" dirty="0"/>
+          </a:p>
+        </p:txBody>
+      </p:sp>
     </p:spTree>
   </p:cSld>
   <p:clrMapOvr>
@@ -14700,7 +15857,7 @@
 </p:sld>
 </file>
 
-<file path=ppt/slides/slide15.xml><?xml version="1.0" encoding="utf-8"?>
+<file path=ppt/slides/slide17.xml><?xml version="1.0" encoding="utf-8"?>
 <p:sld xmlns:a="http://schemas.openxmlformats.org/drawingml/2006/main" xmlns:r="http://schemas.openxmlformats.org/officeDocument/2006/relationships" xmlns:p="http://schemas.openxmlformats.org/presentationml/2006/main">
   <p:cSld>
     <p:spTree>
@@ -14729,8 +15886,8 @@
         </p:nvSpPr>
         <p:spPr>
           <a:xfrm>
-            <a:off x="325348" y="206190"/>
-            <a:ext cx="8520600" cy="572700"/>
+            <a:off x="311700" y="131127"/>
+            <a:ext cx="8520600" cy="496670"/>
           </a:xfrm>
           <a:prstGeom prst="rect">
             <a:avLst/>
@@ -14917,15 +16074,7 @@
                   <a:schemeClr val="tx1"/>
                 </a:solidFill>
               </a:rPr>
-              <a:t>Генератор диаграмм вызывается каждый раз пр</a:t>
-            </a:r>
-            <a:r>
-              <a:rPr lang="ru-RU" sz="1400" dirty="0" smtClean="0">
-                <a:solidFill>
-                  <a:schemeClr val="tx1"/>
-                </a:solidFill>
-              </a:rPr>
-              <a:t>и сохранении исходного кода в </a:t>
+              <a:t>Генератор диаграмм вызывается каждый раз при сохранении исходного кода в </a:t>
             </a:r>
             <a:r>
               <a:rPr lang="en-US" sz="1400" dirty="0" smtClean="0">
@@ -14965,18 +16114,604 @@
         </p:blipFill>
         <p:spPr>
           <a:xfrm>
-            <a:off x="3249563" y="1009934"/>
-            <a:ext cx="5653716" cy="3753135"/>
+            <a:off x="3249563" y="1009935"/>
+            <a:ext cx="5485004" cy="3641138"/>
           </a:xfrm>
           <a:prstGeom prst="rect">
             <a:avLst/>
           </a:prstGeom>
         </p:spPr>
       </p:pic>
+      <p:sp>
+        <p:nvSpPr>
+          <p:cNvPr id="3" name="Номер слайда 2"/>
+          <p:cNvSpPr>
+            <a:spLocks noGrp="1"/>
+          </p:cNvSpPr>
+          <p:nvPr>
+            <p:ph type="sldNum" idx="12"/>
+          </p:nvPr>
+        </p:nvSpPr>
+        <p:spPr>
+          <a:xfrm>
+            <a:off x="8595300" y="4760734"/>
+            <a:ext cx="548700" cy="393600"/>
+          </a:xfrm>
+        </p:spPr>
+        <p:txBody>
+          <a:bodyPr/>
+          <a:lstStyle/>
+          <a:p>
+            <a:pPr lvl="0"/>
+            <a:fld id="{00000000-1234-1234-1234-123412341234}" type="slidenum">
+              <a:rPr lang="ru" smtClean="0"/>
+              <a:pPr lvl="0"/>
+              <a:t>17</a:t>
+            </a:fld>
+            <a:r>
+              <a:rPr lang="en-US" dirty="0"/>
+              <a:t> /19</a:t>
+            </a:r>
+            <a:endParaRPr lang="ru" dirty="0"/>
+          </a:p>
+        </p:txBody>
+      </p:sp>
     </p:spTree>
     <p:extLst>
       <p:ext uri="{BB962C8B-B14F-4D97-AF65-F5344CB8AC3E}">
         <p14:creationId xmlns:p14="http://schemas.microsoft.com/office/powerpoint/2010/main" val="2035285654"/>
+      </p:ext>
+    </p:extLst>
+  </p:cSld>
+  <p:clrMapOvr>
+    <a:masterClrMapping/>
+  </p:clrMapOvr>
+  <p:timing>
+    <p:tnLst>
+      <p:par>
+        <p:cTn id="1" dur="indefinite" restart="never" nodeType="tmRoot"/>
+      </p:par>
+    </p:tnLst>
+  </p:timing>
+</p:sld>
+</file>
+
+<file path=ppt/slides/slide18.xml><?xml version="1.0" encoding="utf-8"?>
+<p:sld xmlns:a="http://schemas.openxmlformats.org/drawingml/2006/main" xmlns:r="http://schemas.openxmlformats.org/officeDocument/2006/relationships" xmlns:p="http://schemas.openxmlformats.org/presentationml/2006/main">
+  <p:cSld>
+    <p:spTree>
+      <p:nvGrpSpPr>
+        <p:cNvPr id="1" name=""/>
+        <p:cNvGrpSpPr/>
+        <p:nvPr/>
+      </p:nvGrpSpPr>
+      <p:grpSpPr>
+        <a:xfrm>
+          <a:off x="0" y="0"/>
+          <a:ext cx="0" cy="0"/>
+          <a:chOff x="0" y="0"/>
+          <a:chExt cx="0" cy="0"/>
+        </a:xfrm>
+      </p:grpSpPr>
+      <p:sp>
+        <p:nvSpPr>
+          <p:cNvPr id="4" name="Google Shape;229;p41"/>
+          <p:cNvSpPr txBox="1">
+            <a:spLocks noGrp="1"/>
+          </p:cNvSpPr>
+          <p:nvPr>
+            <p:ph type="title"/>
+          </p:nvPr>
+        </p:nvSpPr>
+        <p:spPr>
+          <a:xfrm>
+            <a:off x="311700" y="124304"/>
+            <a:ext cx="8520600" cy="476198"/>
+          </a:xfrm>
+          <a:prstGeom prst="rect">
+            <a:avLst/>
+          </a:prstGeom>
+        </p:spPr>
+        <p:txBody>
+          <a:bodyPr spcFirstLastPara="1" wrap="square" lIns="91425" tIns="91425" rIns="91425" bIns="91425" anchor="t" anchorCtr="0">
+            <a:noAutofit/>
+          </a:bodyPr>
+          <a:lstStyle/>
+          <a:p>
+            <a:pPr marL="0" lvl="0" indent="0" algn="ctr" rtl="0">
+              <a:spcBef>
+                <a:spcPts val="0"/>
+              </a:spcBef>
+              <a:spcAft>
+                <a:spcPts val="0"/>
+              </a:spcAft>
+              <a:buClr>
+                <a:schemeClr val="dk1"/>
+              </a:buClr>
+              <a:buSzPts val="1100"/>
+              <a:buFont typeface="Arial"/>
+              <a:buNone/>
+            </a:pPr>
+            <a:r>
+              <a:rPr lang="ru" sz="3000" dirty="0" smtClean="0">
+                <a:solidFill>
+                  <a:srgbClr val="0B5394"/>
+                </a:solidFill>
+              </a:rPr>
+              <a:t>Результаты</a:t>
+            </a:r>
+            <a:endParaRPr sz="3000" dirty="0"/>
+          </a:p>
+        </p:txBody>
+      </p:sp>
+      <p:graphicFrame>
+        <p:nvGraphicFramePr>
+          <p:cNvPr id="6" name="Объект 5"/>
+          <p:cNvGraphicFramePr>
+            <a:graphicFrameLocks noChangeAspect="1"/>
+          </p:cNvGraphicFramePr>
+          <p:nvPr>
+            <p:extLst>
+              <p:ext uri="{D42A27DB-BD31-4B8C-83A1-F6EECF244321}">
+                <p14:modId xmlns:p14="http://schemas.microsoft.com/office/powerpoint/2010/main" val="3089337627"/>
+              </p:ext>
+            </p:extLst>
+          </p:nvPr>
+        </p:nvGraphicFramePr>
+        <p:xfrm>
+          <a:off x="1790913" y="990165"/>
+          <a:ext cx="5248275" cy="914400"/>
+        </p:xfrm>
+        <a:graphic>
+          <a:graphicData uri="http://schemas.openxmlformats.org/presentationml/2006/ole">
+            <mc:AlternateContent xmlns:mc="http://schemas.openxmlformats.org/markup-compatibility/2006">
+              <mc:Choice xmlns:v="urn:schemas-microsoft-com:vml" Requires="v">
+                <p:oleObj spid="_x0000_s7193" name="Лист" r:id="rId4" imgW="5248143" imgH="914490" progId="Excel.Sheet.12">
+                  <p:embed/>
+                </p:oleObj>
+              </mc:Choice>
+              <mc:Fallback>
+                <p:oleObj name="Лист" r:id="rId4" imgW="5248143" imgH="914490" progId="Excel.Sheet.12">
+                  <p:embed/>
+                  <p:pic>
+                    <p:nvPicPr>
+                      <p:cNvPr id="0" name=""/>
+                      <p:cNvPicPr/>
+                      <p:nvPr/>
+                    </p:nvPicPr>
+                    <p:blipFill>
+                      <a:blip r:embed="rId5"/>
+                      <a:stretch>
+                        <a:fillRect/>
+                      </a:stretch>
+                    </p:blipFill>
+                    <p:spPr>
+                      <a:xfrm>
+                        <a:off x="1790913" y="990165"/>
+                        <a:ext cx="5248275" cy="914400"/>
+                      </a:xfrm>
+                      <a:prstGeom prst="rect">
+                        <a:avLst/>
+                      </a:prstGeom>
+                    </p:spPr>
+                  </p:pic>
+                </p:oleObj>
+              </mc:Fallback>
+            </mc:AlternateContent>
+          </a:graphicData>
+        </a:graphic>
+      </p:graphicFrame>
+      <p:sp>
+        <p:nvSpPr>
+          <p:cNvPr id="7" name="TextBox 6"/>
+          <p:cNvSpPr txBox="1"/>
+          <p:nvPr/>
+        </p:nvSpPr>
+        <p:spPr>
+          <a:xfrm>
+            <a:off x="982639" y="2183642"/>
+            <a:ext cx="7178722" cy="2106387"/>
+          </a:xfrm>
+          <a:prstGeom prst="rect">
+            <a:avLst/>
+          </a:prstGeom>
+          <a:noFill/>
+        </p:spPr>
+        <p:txBody>
+          <a:bodyPr wrap="square" rtlCol="0">
+            <a:spAutoFit/>
+          </a:bodyPr>
+          <a:lstStyle/>
+          <a:p>
+            <a:r>
+              <a:rPr lang="ru-RU" dirty="0" smtClean="0"/>
+              <a:t>Полученный модуль генерирует три вида диаграмм за несколько секунд.</a:t>
+            </a:r>
+          </a:p>
+          <a:p>
+            <a:r>
+              <a:rPr lang="ru-RU" dirty="0" smtClean="0"/>
+              <a:t>В результате:</a:t>
+            </a:r>
+          </a:p>
+          <a:p>
+            <a:pPr marL="285750" indent="-285750">
+              <a:buFont typeface="Arial" panose="020B0604020202020204" pitchFamily="34" charset="0"/>
+              <a:buChar char="•"/>
+            </a:pPr>
+            <a:r>
+              <a:rPr lang="ru-RU" dirty="0" smtClean="0"/>
+              <a:t>исключает </a:t>
+            </a:r>
+            <a:r>
+              <a:rPr lang="ru-RU" dirty="0"/>
+              <a:t>возможность ошибок при </a:t>
+            </a:r>
+            <a:r>
+              <a:rPr lang="ru-RU" dirty="0" smtClean="0"/>
+              <a:t>построении</a:t>
+            </a:r>
+            <a:r>
+              <a:rPr lang="en-US" dirty="0" smtClean="0"/>
+              <a:t> </a:t>
+            </a:r>
+            <a:r>
+              <a:rPr lang="ru-RU" dirty="0" smtClean="0"/>
+              <a:t>диаграммы</a:t>
+            </a:r>
+            <a:r>
+              <a:rPr lang="en-US" dirty="0" smtClean="0"/>
+              <a:t>;</a:t>
+            </a:r>
+            <a:endParaRPr lang="ru-RU" dirty="0"/>
+          </a:p>
+          <a:p>
+            <a:pPr marL="285750" indent="-285750">
+              <a:buFont typeface="Arial" panose="020B0604020202020204" pitchFamily="34" charset="0"/>
+              <a:buChar char="•"/>
+            </a:pPr>
+            <a:r>
+              <a:rPr lang="ru-RU" dirty="0" smtClean="0"/>
+              <a:t>значительно ускоряет процесс построения диаграмм</a:t>
+            </a:r>
+          </a:p>
+          <a:p>
+            <a:pPr lvl="3"/>
+            <a:endParaRPr lang="ru-RU" dirty="0" smtClean="0"/>
+          </a:p>
+          <a:p>
+            <a:pPr lvl="3"/>
+            <a:r>
+              <a:rPr lang="ru-RU" dirty="0" smtClean="0"/>
+              <a:t>При построении диаграмм по коду управления микроволновкой вручную:</a:t>
+            </a:r>
+          </a:p>
+          <a:p>
+            <a:pPr marL="285750" lvl="3" indent="-285750">
+              <a:buFont typeface="Arial" panose="020B0604020202020204" pitchFamily="34" charset="0"/>
+              <a:buChar char="•"/>
+            </a:pPr>
+            <a:r>
+              <a:rPr lang="ru-RU" dirty="0" smtClean="0"/>
+              <a:t>Потребовалось более 4 часов, причем диаграмма состояний строилась только для 1 процесса из 8. </a:t>
+            </a:r>
+          </a:p>
+          <a:p>
+            <a:pPr marL="285750" lvl="3" indent="-285750">
+              <a:buFont typeface="Arial" panose="020B0604020202020204" pitchFamily="34" charset="0"/>
+              <a:buChar char="•"/>
+            </a:pPr>
+            <a:r>
+              <a:rPr lang="ru-RU" dirty="0" smtClean="0"/>
+              <a:t>Было допущено более 3 ошибок, выявленных позднее.</a:t>
+            </a:r>
+            <a:endParaRPr lang="ru-RU" dirty="0"/>
+          </a:p>
+        </p:txBody>
+      </p:sp>
+      <p:sp>
+        <p:nvSpPr>
+          <p:cNvPr id="9" name="Номер слайда 8"/>
+          <p:cNvSpPr>
+            <a:spLocks noGrp="1"/>
+          </p:cNvSpPr>
+          <p:nvPr>
+            <p:ph type="sldNum" idx="12"/>
+          </p:nvPr>
+        </p:nvSpPr>
+        <p:spPr>
+          <a:xfrm>
+            <a:off x="8595300" y="4749900"/>
+            <a:ext cx="548700" cy="393600"/>
+          </a:xfrm>
+        </p:spPr>
+        <p:txBody>
+          <a:bodyPr/>
+          <a:lstStyle/>
+          <a:p>
+            <a:pPr lvl="0"/>
+            <a:fld id="{00000000-1234-1234-1234-123412341234}" type="slidenum">
+              <a:rPr lang="ru" smtClean="0"/>
+              <a:pPr lvl="0"/>
+              <a:t>18</a:t>
+            </a:fld>
+            <a:r>
+              <a:rPr lang="en-US" dirty="0"/>
+              <a:t> /19</a:t>
+            </a:r>
+            <a:endParaRPr lang="ru" dirty="0"/>
+          </a:p>
+        </p:txBody>
+      </p:sp>
+    </p:spTree>
+    <p:extLst>
+      <p:ext uri="{BB962C8B-B14F-4D97-AF65-F5344CB8AC3E}">
+        <p14:creationId xmlns:p14="http://schemas.microsoft.com/office/powerpoint/2010/main" val="2355549919"/>
+      </p:ext>
+    </p:extLst>
+  </p:cSld>
+  <p:clrMapOvr>
+    <a:masterClrMapping/>
+  </p:clrMapOvr>
+  <p:timing>
+    <p:tnLst>
+      <p:par>
+        <p:cTn id="1" dur="indefinite" restart="never" nodeType="tmRoot"/>
+      </p:par>
+    </p:tnLst>
+  </p:timing>
+</p:sld>
+</file>
+
+<file path=ppt/slides/slide19.xml><?xml version="1.0" encoding="utf-8"?>
+<p:sld xmlns:a="http://schemas.openxmlformats.org/drawingml/2006/main" xmlns:r="http://schemas.openxmlformats.org/officeDocument/2006/relationships" xmlns:p="http://schemas.openxmlformats.org/presentationml/2006/main">
+  <p:cSld>
+    <p:spTree>
+      <p:nvGrpSpPr>
+        <p:cNvPr id="1" name=""/>
+        <p:cNvGrpSpPr/>
+        <p:nvPr/>
+      </p:nvGrpSpPr>
+      <p:grpSpPr>
+        <a:xfrm>
+          <a:off x="0" y="0"/>
+          <a:ext cx="0" cy="0"/>
+          <a:chOff x="0" y="0"/>
+          <a:chExt cx="0" cy="0"/>
+        </a:xfrm>
+      </p:grpSpPr>
+      <p:sp>
+        <p:nvSpPr>
+          <p:cNvPr id="5" name="Google Shape;229;p41"/>
+          <p:cNvSpPr txBox="1">
+            <a:spLocks noGrp="1"/>
+          </p:cNvSpPr>
+          <p:nvPr>
+            <p:ph type="title"/>
+          </p:nvPr>
+        </p:nvSpPr>
+        <p:spPr>
+          <a:xfrm>
+            <a:off x="311700" y="124304"/>
+            <a:ext cx="8520600" cy="476198"/>
+          </a:xfrm>
+          <a:prstGeom prst="rect">
+            <a:avLst/>
+          </a:prstGeom>
+        </p:spPr>
+        <p:txBody>
+          <a:bodyPr spcFirstLastPara="1" wrap="square" lIns="91425" tIns="91425" rIns="91425" bIns="91425" anchor="t" anchorCtr="0">
+            <a:noAutofit/>
+          </a:bodyPr>
+          <a:lstStyle/>
+          <a:p>
+            <a:pPr marL="0" lvl="0" indent="0" algn="ctr" rtl="0">
+              <a:spcBef>
+                <a:spcPts val="0"/>
+              </a:spcBef>
+              <a:spcAft>
+                <a:spcPts val="0"/>
+              </a:spcAft>
+              <a:buClr>
+                <a:schemeClr val="dk1"/>
+              </a:buClr>
+              <a:buSzPts val="1100"/>
+              <a:buFont typeface="Arial"/>
+              <a:buNone/>
+            </a:pPr>
+            <a:r>
+              <a:rPr lang="ru" sz="3000" dirty="0" smtClean="0">
+                <a:solidFill>
+                  <a:srgbClr val="0B5394"/>
+                </a:solidFill>
+              </a:rPr>
+              <a:t>Спасибо за внимание</a:t>
+            </a:r>
+            <a:endParaRPr sz="3000" dirty="0"/>
+          </a:p>
+        </p:txBody>
+      </p:sp>
+      <p:sp>
+        <p:nvSpPr>
+          <p:cNvPr id="6" name="TextBox 5"/>
+          <p:cNvSpPr txBox="1"/>
+          <p:nvPr/>
+        </p:nvSpPr>
+        <p:spPr>
+          <a:xfrm>
+            <a:off x="539086" y="1050880"/>
+            <a:ext cx="8065827" cy="1600438"/>
+          </a:xfrm>
+          <a:prstGeom prst="rect">
+            <a:avLst/>
+          </a:prstGeom>
+          <a:noFill/>
+        </p:spPr>
+        <p:txBody>
+          <a:bodyPr wrap="square" rtlCol="0">
+            <a:spAutoFit/>
+          </a:bodyPr>
+          <a:lstStyle/>
+          <a:p>
+            <a:pPr>
+              <a:lnSpc>
+                <a:spcPct val="150000"/>
+              </a:lnSpc>
+            </a:pPr>
+            <a:r>
+              <a:rPr lang="ru-RU" dirty="0" smtClean="0"/>
+              <a:t>Контакты:</a:t>
+            </a:r>
+            <a:endParaRPr lang="en-US" dirty="0" smtClean="0"/>
+          </a:p>
+          <a:p>
+            <a:pPr>
+              <a:lnSpc>
+                <a:spcPct val="150000"/>
+              </a:lnSpc>
+            </a:pPr>
+            <a:r>
+              <a:rPr lang="en-US" dirty="0" smtClean="0"/>
+              <a:t>Email: </a:t>
+            </a:r>
+            <a:r>
+              <a:rPr lang="en-US" dirty="0" smtClean="0">
+                <a:hlinkClick r:id="rId2"/>
+              </a:rPr>
+              <a:t>s.belenkaia8@g.nsu.ru</a:t>
+            </a:r>
+            <a:endParaRPr lang="en-US" dirty="0" smtClean="0">
+              <a:hlinkClick r:id="rId3"/>
+            </a:endParaRPr>
+          </a:p>
+          <a:p>
+            <a:pPr>
+              <a:lnSpc>
+                <a:spcPct val="150000"/>
+              </a:lnSpc>
+            </a:pPr>
+            <a:r>
+              <a:rPr lang="en-US" dirty="0" err="1" smtClean="0"/>
+              <a:t>Github</a:t>
+            </a:r>
+            <a:r>
+              <a:rPr lang="en-US" dirty="0" smtClean="0"/>
+              <a:t> </a:t>
+            </a:r>
+            <a:r>
+              <a:rPr lang="ru-RU" dirty="0" smtClean="0"/>
+              <a:t>для реализации</a:t>
+            </a:r>
+            <a:r>
+              <a:rPr lang="en-US" dirty="0" smtClean="0"/>
+              <a:t>: </a:t>
+            </a:r>
+            <a:r>
+              <a:rPr lang="en-US" dirty="0" smtClean="0">
+                <a:hlinkClick r:id="rId3"/>
+              </a:rPr>
+              <a:t>https</a:t>
+            </a:r>
+            <a:r>
+              <a:rPr lang="en-US" dirty="0">
+                <a:hlinkClick r:id="rId3"/>
+              </a:rPr>
+              <a:t>://</a:t>
+            </a:r>
+            <a:r>
+              <a:rPr lang="en-US" dirty="0" smtClean="0">
+                <a:hlinkClick r:id="rId3"/>
+              </a:rPr>
+              <a:t>github.com/Belenkaia/Diagram_generator.git</a:t>
+            </a:r>
+            <a:endParaRPr lang="ru-RU" dirty="0" smtClean="0"/>
+          </a:p>
+          <a:p>
+            <a:pPr>
+              <a:lnSpc>
+                <a:spcPct val="150000"/>
+              </a:lnSpc>
+            </a:pPr>
+            <a:r>
+              <a:rPr lang="en-US" dirty="0" err="1"/>
+              <a:t>Github</a:t>
+            </a:r>
+            <a:r>
+              <a:rPr lang="en-US" dirty="0"/>
+              <a:t> </a:t>
+            </a:r>
+            <a:r>
+              <a:rPr lang="ru-RU" dirty="0"/>
+              <a:t>для </a:t>
+            </a:r>
+            <a:r>
+              <a:rPr lang="ru-RU" dirty="0" smtClean="0"/>
+              <a:t>анализа: </a:t>
+            </a:r>
+            <a:r>
+              <a:rPr lang="en-US" dirty="0">
+                <a:hlinkClick r:id="rId4"/>
+              </a:rPr>
+              <a:t>https://</a:t>
+            </a:r>
+            <a:r>
+              <a:rPr lang="en-US" dirty="0" smtClean="0">
+                <a:hlinkClick r:id="rId4"/>
+              </a:rPr>
+              <a:t>github.com/Belenkaia/Diagram-visualisation.git</a:t>
+            </a:r>
+            <a:endParaRPr lang="ru-RU" dirty="0" smtClean="0"/>
+          </a:p>
+          <a:p>
+            <a:endParaRPr lang="en-US" dirty="0" smtClean="0"/>
+          </a:p>
+        </p:txBody>
+      </p:sp>
+      <p:sp>
+        <p:nvSpPr>
+          <p:cNvPr id="7" name="Номер слайда 6"/>
+          <p:cNvSpPr>
+            <a:spLocks noGrp="1"/>
+          </p:cNvSpPr>
+          <p:nvPr>
+            <p:ph type="sldNum" idx="12"/>
+          </p:nvPr>
+        </p:nvSpPr>
+        <p:spPr>
+          <a:xfrm>
+            <a:off x="8604913" y="4749900"/>
+            <a:ext cx="548700" cy="393600"/>
+          </a:xfrm>
+        </p:spPr>
+        <p:txBody>
+          <a:bodyPr/>
+          <a:lstStyle/>
+          <a:p>
+            <a:pPr marL="0" lvl="0" indent="0" algn="r" rtl="0">
+              <a:spcBef>
+                <a:spcPts val="0"/>
+              </a:spcBef>
+              <a:spcAft>
+                <a:spcPts val="0"/>
+              </a:spcAft>
+              <a:buNone/>
+            </a:pPr>
+            <a:fld id="{00000000-1234-1234-1234-123412341234}" type="slidenum">
+              <a:rPr lang="ru" smtClean="0"/>
+              <a:t>19</a:t>
+            </a:fld>
+            <a:r>
+              <a:rPr lang="en-US" dirty="0" smtClean="0"/>
+              <a:t>/19</a:t>
+            </a:r>
+            <a:endParaRPr lang="ru" dirty="0"/>
+          </a:p>
+        </p:txBody>
+      </p:sp>
+    </p:spTree>
+    <p:extLst>
+      <p:ext uri="{BB962C8B-B14F-4D97-AF65-F5344CB8AC3E}">
+        <p14:creationId xmlns:p14="http://schemas.microsoft.com/office/powerpoint/2010/main" val="2951619397"/>
       </p:ext>
     </p:extLst>
   </p:cSld>
@@ -15012,7 +16747,7 @@
       </p:grpSpPr>
       <p:sp>
         <p:nvSpPr>
-          <p:cNvPr id="4" name="Google Shape;105;p26"/>
+          <p:cNvPr id="5" name="Google Shape;123;p28"/>
           <p:cNvSpPr txBox="1">
             <a:spLocks noGrp="1"/>
           </p:cNvSpPr>
@@ -15022,29 +16757,37 @@
         </p:nvSpPr>
         <p:spPr>
           <a:xfrm>
-            <a:off x="374650" y="132225"/>
-            <a:ext cx="8369300" cy="752100"/>
+            <a:off x="311700" y="127319"/>
+            <a:ext cx="8520600" cy="534597"/>
           </a:xfrm>
           <a:prstGeom prst="rect">
             <a:avLst/>
           </a:prstGeom>
         </p:spPr>
         <p:txBody>
-          <a:bodyPr spcFirstLastPara="1" wrap="square" lIns="91425" tIns="91425" rIns="91425" bIns="91425" anchor="b" anchorCtr="0">
+          <a:bodyPr spcFirstLastPara="1" wrap="square" lIns="91425" tIns="91425" rIns="91425" bIns="91425" anchor="t" anchorCtr="0">
             <a:noAutofit/>
           </a:bodyPr>
           <a:lstStyle/>
           <a:p>
-            <a:pPr lvl="0" algn="ctr"/>
-            <a:r>
-              <a:rPr lang="ru-RU" sz="3000" dirty="0">
+            <a:pPr marL="0" lvl="0" indent="0" algn="ctr" rtl="0">
+              <a:spcBef>
+                <a:spcPts val="0"/>
+              </a:spcBef>
+              <a:spcAft>
+                <a:spcPts val="0"/>
+              </a:spcAft>
+              <a:buNone/>
+            </a:pPr>
+            <a:r>
+              <a:rPr lang="ru" dirty="0" smtClean="0">
                 <a:solidFill>
                   <a:srgbClr val="0B5394"/>
                 </a:solidFill>
               </a:rPr>
-              <a:t>Решаемая проблема</a:t>
-            </a:r>
-            <a:endParaRPr sz="3000" dirty="0">
+              <a:t>План презентации</a:t>
+            </a:r>
+            <a:endParaRPr dirty="0">
               <a:solidFill>
                 <a:srgbClr val="0B5394"/>
               </a:solidFill>
@@ -15052,6 +16795,861 @@
           </a:p>
         </p:txBody>
       </p:sp>
+      <p:sp>
+        <p:nvSpPr>
+          <p:cNvPr id="7" name="TextBox 6"/>
+          <p:cNvSpPr txBox="1"/>
+          <p:nvPr/>
+        </p:nvSpPr>
+        <p:spPr>
+          <a:xfrm>
+            <a:off x="361665" y="1119116"/>
+            <a:ext cx="8372901" cy="2246769"/>
+          </a:xfrm>
+          <a:prstGeom prst="rect">
+            <a:avLst/>
+          </a:prstGeom>
+          <a:noFill/>
+        </p:spPr>
+        <p:txBody>
+          <a:bodyPr wrap="square" rtlCol="0">
+            <a:spAutoFit/>
+          </a:bodyPr>
+          <a:lstStyle/>
+          <a:p>
+            <a:pPr marL="400050" indent="-285750">
+              <a:lnSpc>
+                <a:spcPct val="150000"/>
+              </a:lnSpc>
+              <a:buFont typeface="Arial" panose="020B0604020202020204" pitchFamily="34" charset="0"/>
+              <a:buChar char="•"/>
+            </a:pPr>
+            <a:r>
+              <a:rPr lang="ru-RU" dirty="0">
+                <a:solidFill>
+                  <a:schemeClr val="tx1"/>
+                </a:solidFill>
+              </a:rPr>
+              <a:t>Цель работы и </a:t>
+            </a:r>
+            <a:r>
+              <a:rPr lang="ru-RU" dirty="0" smtClean="0">
+                <a:solidFill>
+                  <a:schemeClr val="tx1"/>
+                </a:solidFill>
+              </a:rPr>
+              <a:t>анализ решаемой проблемы.</a:t>
+            </a:r>
+            <a:endParaRPr lang="ru-RU" dirty="0">
+              <a:solidFill>
+                <a:schemeClr val="tx1"/>
+              </a:solidFill>
+            </a:endParaRPr>
+          </a:p>
+          <a:p>
+            <a:pPr marL="400050" indent="-285750">
+              <a:lnSpc>
+                <a:spcPct val="150000"/>
+              </a:lnSpc>
+              <a:buFont typeface="Arial" panose="020B0604020202020204" pitchFamily="34" charset="0"/>
+              <a:buChar char="•"/>
+            </a:pPr>
+            <a:r>
+              <a:rPr lang="ru-RU" dirty="0">
+                <a:solidFill>
+                  <a:schemeClr val="tx1"/>
+                </a:solidFill>
+              </a:rPr>
+              <a:t>Анализ средств визуализации диаграмм и средств разработки ПО для встраиваемых </a:t>
+            </a:r>
+            <a:r>
+              <a:rPr lang="ru-RU" dirty="0" smtClean="0">
+                <a:solidFill>
+                  <a:schemeClr val="tx1"/>
+                </a:solidFill>
+              </a:rPr>
+              <a:t>систем.</a:t>
+            </a:r>
+          </a:p>
+          <a:p>
+            <a:pPr marL="400050" indent="-285750">
+              <a:lnSpc>
+                <a:spcPct val="150000"/>
+              </a:lnSpc>
+              <a:buFont typeface="Arial" panose="020B0604020202020204" pitchFamily="34" charset="0"/>
+              <a:buChar char="•"/>
+            </a:pPr>
+            <a:r>
+              <a:rPr lang="ru-RU" dirty="0" smtClean="0">
+                <a:solidFill>
+                  <a:schemeClr val="tx1"/>
+                </a:solidFill>
+              </a:rPr>
+              <a:t>Требования.</a:t>
+            </a:r>
+            <a:endParaRPr lang="ru-RU" dirty="0">
+              <a:solidFill>
+                <a:schemeClr val="tx1"/>
+              </a:solidFill>
+            </a:endParaRPr>
+          </a:p>
+          <a:p>
+            <a:pPr marL="400050" indent="-285750">
+              <a:lnSpc>
+                <a:spcPct val="150000"/>
+              </a:lnSpc>
+              <a:buFont typeface="Arial" panose="020B0604020202020204" pitchFamily="34" charset="0"/>
+              <a:buChar char="•"/>
+            </a:pPr>
+            <a:r>
+              <a:rPr lang="ru-RU" dirty="0">
+                <a:solidFill>
+                  <a:schemeClr val="tx1"/>
+                </a:solidFill>
+              </a:rPr>
+              <a:t>Обзор разработанных графических нотаций </a:t>
+            </a:r>
+            <a:r>
+              <a:rPr lang="ru-RU" dirty="0" smtClean="0">
+                <a:solidFill>
+                  <a:schemeClr val="tx1"/>
+                </a:solidFill>
+              </a:rPr>
+              <a:t>диаграмм.</a:t>
+            </a:r>
+            <a:endParaRPr lang="ru-RU" dirty="0">
+              <a:solidFill>
+                <a:schemeClr val="tx1"/>
+              </a:solidFill>
+            </a:endParaRPr>
+          </a:p>
+          <a:p>
+            <a:pPr marL="400050" indent="-285750">
+              <a:lnSpc>
+                <a:spcPct val="150000"/>
+              </a:lnSpc>
+              <a:buFont typeface="Arial" panose="020B0604020202020204" pitchFamily="34" charset="0"/>
+              <a:buChar char="•"/>
+            </a:pPr>
+            <a:r>
+              <a:rPr lang="ru-RU" dirty="0">
+                <a:solidFill>
+                  <a:schemeClr val="tx1"/>
+                </a:solidFill>
+              </a:rPr>
+              <a:t>Обзор средств визуализации графов и форматов их </a:t>
+            </a:r>
+            <a:r>
+              <a:rPr lang="ru-RU" dirty="0" smtClean="0">
+                <a:solidFill>
+                  <a:schemeClr val="tx1"/>
+                </a:solidFill>
+              </a:rPr>
+              <a:t>хранения.</a:t>
+            </a:r>
+            <a:endParaRPr lang="ru-RU" dirty="0">
+              <a:solidFill>
+                <a:schemeClr val="tx1"/>
+              </a:solidFill>
+            </a:endParaRPr>
+          </a:p>
+          <a:p>
+            <a:pPr marL="400050" indent="-285750">
+              <a:lnSpc>
+                <a:spcPct val="150000"/>
+              </a:lnSpc>
+              <a:buFont typeface="Arial" panose="020B0604020202020204" pitchFamily="34" charset="0"/>
+              <a:buChar char="•"/>
+            </a:pPr>
+            <a:r>
+              <a:rPr lang="ru-RU" dirty="0">
+                <a:solidFill>
+                  <a:schemeClr val="tx1"/>
+                </a:solidFill>
+              </a:rPr>
+              <a:t>Реализация, результаты.</a:t>
+            </a:r>
+          </a:p>
+          <a:p>
+            <a:endParaRPr lang="ru-RU" dirty="0"/>
+          </a:p>
+        </p:txBody>
+      </p:sp>
+      <p:sp>
+        <p:nvSpPr>
+          <p:cNvPr id="8" name="Номер слайда 7"/>
+          <p:cNvSpPr>
+            <a:spLocks noGrp="1"/>
+          </p:cNvSpPr>
+          <p:nvPr>
+            <p:ph type="sldNum" idx="12"/>
+          </p:nvPr>
+        </p:nvSpPr>
+        <p:spPr>
+          <a:xfrm>
+            <a:off x="8595300" y="4749900"/>
+            <a:ext cx="548700" cy="393600"/>
+          </a:xfrm>
+        </p:spPr>
+        <p:txBody>
+          <a:bodyPr/>
+          <a:lstStyle/>
+          <a:p>
+            <a:pPr lvl="0"/>
+            <a:fld id="{00000000-1234-1234-1234-123412341234}" type="slidenum">
+              <a:rPr lang="ru" smtClean="0"/>
+              <a:pPr lvl="0"/>
+              <a:t>2</a:t>
+            </a:fld>
+            <a:r>
+              <a:rPr lang="en-US" dirty="0"/>
+              <a:t> /19</a:t>
+            </a:r>
+            <a:endParaRPr lang="ru" dirty="0"/>
+          </a:p>
+        </p:txBody>
+      </p:sp>
+    </p:spTree>
+    <p:extLst>
+      <p:ext uri="{BB962C8B-B14F-4D97-AF65-F5344CB8AC3E}">
+        <p14:creationId xmlns:p14="http://schemas.microsoft.com/office/powerpoint/2010/main" val="306644134"/>
+      </p:ext>
+    </p:extLst>
+  </p:cSld>
+  <p:clrMapOvr>
+    <a:masterClrMapping/>
+  </p:clrMapOvr>
+  <p:timing>
+    <p:tnLst>
+      <p:par>
+        <p:cTn id="1" dur="indefinite" restart="never" nodeType="tmRoot"/>
+      </p:par>
+    </p:tnLst>
+  </p:timing>
+</p:sld>
+</file>
+
+<file path=ppt/slides/slide3.xml><?xml version="1.0" encoding="utf-8"?>
+<p:sld xmlns:a="http://schemas.openxmlformats.org/drawingml/2006/main" xmlns:r="http://schemas.openxmlformats.org/officeDocument/2006/relationships" xmlns:p="http://schemas.openxmlformats.org/presentationml/2006/main">
+  <p:cSld>
+    <p:spTree>
+      <p:nvGrpSpPr>
+        <p:cNvPr id="1" name="Shape 122"/>
+        <p:cNvGrpSpPr/>
+        <p:nvPr/>
+      </p:nvGrpSpPr>
+      <p:grpSpPr>
+        <a:xfrm>
+          <a:off x="0" y="0"/>
+          <a:ext cx="0" cy="0"/>
+          <a:chOff x="0" y="0"/>
+          <a:chExt cx="0" cy="0"/>
+        </a:xfrm>
+      </p:grpSpPr>
+      <p:sp>
+        <p:nvSpPr>
+          <p:cNvPr id="123" name="Google Shape;123;p28"/>
+          <p:cNvSpPr txBox="1">
+            <a:spLocks noGrp="1"/>
+          </p:cNvSpPr>
+          <p:nvPr>
+            <p:ph type="title"/>
+          </p:nvPr>
+        </p:nvSpPr>
+        <p:spPr>
+          <a:xfrm>
+            <a:off x="311700" y="127319"/>
+            <a:ext cx="8520600" cy="534597"/>
+          </a:xfrm>
+          <a:prstGeom prst="rect">
+            <a:avLst/>
+          </a:prstGeom>
+        </p:spPr>
+        <p:txBody>
+          <a:bodyPr spcFirstLastPara="1" wrap="square" lIns="91425" tIns="91425" rIns="91425" bIns="91425" anchor="t" anchorCtr="0">
+            <a:noAutofit/>
+          </a:bodyPr>
+          <a:lstStyle/>
+          <a:p>
+            <a:pPr marL="0" lvl="0" indent="0" algn="ctr" rtl="0">
+              <a:spcBef>
+                <a:spcPts val="0"/>
+              </a:spcBef>
+              <a:spcAft>
+                <a:spcPts val="0"/>
+              </a:spcAft>
+              <a:buNone/>
+            </a:pPr>
+            <a:r>
+              <a:rPr lang="ru" dirty="0">
+                <a:solidFill>
+                  <a:srgbClr val="0B5394"/>
+                </a:solidFill>
+              </a:rPr>
+              <a:t>Цель работы и задачи</a:t>
+            </a:r>
+            <a:endParaRPr dirty="0">
+              <a:solidFill>
+                <a:srgbClr val="0B5394"/>
+              </a:solidFill>
+            </a:endParaRPr>
+          </a:p>
+        </p:txBody>
+      </p:sp>
+      <p:sp>
+        <p:nvSpPr>
+          <p:cNvPr id="124" name="Google Shape;124;p28"/>
+          <p:cNvSpPr txBox="1">
+            <a:spLocks noGrp="1"/>
+          </p:cNvSpPr>
+          <p:nvPr>
+            <p:ph type="body" idx="1"/>
+          </p:nvPr>
+        </p:nvSpPr>
+        <p:spPr>
+          <a:xfrm>
+            <a:off x="484497" y="832425"/>
+            <a:ext cx="8134954" cy="1009525"/>
+          </a:xfrm>
+          <a:prstGeom prst="rect">
+            <a:avLst/>
+          </a:prstGeom>
+        </p:spPr>
+        <p:txBody>
+          <a:bodyPr spcFirstLastPara="1" wrap="square" lIns="91425" tIns="91425" rIns="91425" bIns="91425" anchor="t" anchorCtr="0">
+            <a:noAutofit/>
+          </a:bodyPr>
+          <a:lstStyle/>
+          <a:p>
+            <a:pPr marL="0" lvl="0" indent="0" algn="l" rtl="0">
+              <a:lnSpc>
+                <a:spcPct val="115000"/>
+              </a:lnSpc>
+              <a:spcBef>
+                <a:spcPts val="0"/>
+              </a:spcBef>
+              <a:spcAft>
+                <a:spcPts val="0"/>
+              </a:spcAft>
+              <a:buNone/>
+            </a:pPr>
+            <a:r>
+              <a:rPr lang="ru" sz="1400" dirty="0">
+                <a:solidFill>
+                  <a:srgbClr val="0B5394"/>
+                </a:solidFill>
+              </a:rPr>
+              <a:t>Цель работы:</a:t>
+            </a:r>
+            <a:r>
+              <a:rPr lang="ru" sz="1400" dirty="0">
+                <a:solidFill>
+                  <a:srgbClr val="FFF2CC"/>
+                </a:solidFill>
+              </a:rPr>
+              <a:t> </a:t>
+            </a:r>
+            <a:r>
+              <a:rPr lang="ru" sz="1400" dirty="0">
+                <a:solidFill>
+                  <a:srgbClr val="000000"/>
+                </a:solidFill>
+              </a:rPr>
+              <a:t>разработка программного модуля визуализации диаграмм процессов по спецификации на языке Reflex. </a:t>
+            </a:r>
+            <a:endParaRPr sz="1400" dirty="0">
+              <a:solidFill>
+                <a:srgbClr val="000000"/>
+              </a:solidFill>
+            </a:endParaRPr>
+          </a:p>
+          <a:p>
+            <a:pPr marL="0" lvl="0" indent="0" algn="l" rtl="0">
+              <a:lnSpc>
+                <a:spcPct val="115000"/>
+              </a:lnSpc>
+              <a:spcBef>
+                <a:spcPts val="1600"/>
+              </a:spcBef>
+              <a:spcAft>
+                <a:spcPts val="0"/>
+              </a:spcAft>
+              <a:buNone/>
+            </a:pPr>
+            <a:r>
+              <a:rPr lang="ru" sz="1400" dirty="0">
+                <a:solidFill>
+                  <a:srgbClr val="0B5394"/>
+                </a:solidFill>
+              </a:rPr>
+              <a:t>Задачи:</a:t>
+            </a:r>
+            <a:endParaRPr sz="1400" dirty="0">
+              <a:solidFill>
+                <a:srgbClr val="0B5394"/>
+              </a:solidFill>
+            </a:endParaRPr>
+          </a:p>
+          <a:p>
+            <a:pPr marL="0" lvl="0" indent="0" algn="l" rtl="0">
+              <a:spcBef>
+                <a:spcPts val="1600"/>
+              </a:spcBef>
+              <a:spcAft>
+                <a:spcPts val="1600"/>
+              </a:spcAft>
+              <a:buNone/>
+            </a:pPr>
+            <a:endParaRPr sz="1400" dirty="0">
+              <a:solidFill>
+                <a:srgbClr val="FFF2CC"/>
+              </a:solidFill>
+              <a:latin typeface="Times New Roman"/>
+              <a:ea typeface="Times New Roman"/>
+              <a:cs typeface="Times New Roman"/>
+              <a:sym typeface="Times New Roman"/>
+            </a:endParaRPr>
+          </a:p>
+        </p:txBody>
+      </p:sp>
+      <p:sp>
+        <p:nvSpPr>
+          <p:cNvPr id="126" name="Google Shape;126;p28"/>
+          <p:cNvSpPr txBox="1"/>
+          <p:nvPr/>
+        </p:nvSpPr>
+        <p:spPr>
+          <a:xfrm>
+            <a:off x="560400" y="1841950"/>
+            <a:ext cx="8023200" cy="3132600"/>
+          </a:xfrm>
+          <a:prstGeom prst="rect">
+            <a:avLst/>
+          </a:prstGeom>
+          <a:noFill/>
+          <a:ln>
+            <a:noFill/>
+          </a:ln>
+        </p:spPr>
+        <p:txBody>
+          <a:bodyPr spcFirstLastPara="1" wrap="square" lIns="91425" tIns="91425" rIns="91425" bIns="91425" anchor="t" anchorCtr="0">
+            <a:noAutofit/>
+          </a:bodyPr>
+          <a:lstStyle/>
+          <a:p>
+            <a:pPr marL="457200" lvl="0" indent="-317500" algn="l" rtl="0">
+              <a:lnSpc>
+                <a:spcPct val="115000"/>
+              </a:lnSpc>
+              <a:spcBef>
+                <a:spcPts val="0"/>
+              </a:spcBef>
+              <a:spcAft>
+                <a:spcPts val="0"/>
+              </a:spcAft>
+              <a:buClr>
+                <a:schemeClr val="dk1"/>
+              </a:buClr>
+              <a:buSzPts val="1400"/>
+              <a:buChar char="●"/>
+            </a:pPr>
+            <a:r>
+              <a:rPr lang="ru" dirty="0">
+                <a:solidFill>
+                  <a:schemeClr val="dk1"/>
+                </a:solidFill>
+              </a:rPr>
+              <a:t>провести анализ:</a:t>
+            </a:r>
+            <a:endParaRPr dirty="0">
+              <a:solidFill>
+                <a:schemeClr val="dk1"/>
+              </a:solidFill>
+            </a:endParaRPr>
+          </a:p>
+          <a:p>
+            <a:pPr marL="914400" lvl="1" indent="-317500" algn="l" rtl="0">
+              <a:lnSpc>
+                <a:spcPct val="115000"/>
+              </a:lnSpc>
+              <a:spcBef>
+                <a:spcPts val="0"/>
+              </a:spcBef>
+              <a:spcAft>
+                <a:spcPts val="0"/>
+              </a:spcAft>
+              <a:buClr>
+                <a:schemeClr val="dk1"/>
+              </a:buClr>
+              <a:buSzPts val="1400"/>
+              <a:buChar char="○"/>
+            </a:pPr>
+            <a:r>
+              <a:rPr lang="ru" dirty="0">
+                <a:solidFill>
+                  <a:schemeClr val="dk1"/>
+                </a:solidFill>
+              </a:rPr>
+              <a:t>специфики ПОП на языке Reflex;</a:t>
+            </a:r>
+            <a:endParaRPr dirty="0">
+              <a:solidFill>
+                <a:schemeClr val="dk1"/>
+              </a:solidFill>
+            </a:endParaRPr>
+          </a:p>
+          <a:p>
+            <a:pPr marL="914400" lvl="1" indent="-317500" algn="l" rtl="0">
+              <a:lnSpc>
+                <a:spcPct val="115000"/>
+              </a:lnSpc>
+              <a:spcBef>
+                <a:spcPts val="0"/>
+              </a:spcBef>
+              <a:spcAft>
+                <a:spcPts val="0"/>
+              </a:spcAft>
+              <a:buClr>
+                <a:schemeClr val="dk1"/>
+              </a:buClr>
+              <a:buSzPts val="1400"/>
+              <a:buChar char="○"/>
+            </a:pPr>
+            <a:r>
+              <a:rPr lang="ru" dirty="0">
+                <a:solidFill>
+                  <a:schemeClr val="dk1"/>
+                </a:solidFill>
+              </a:rPr>
+              <a:t>диаграмм, использующихся для анализа кода;</a:t>
+            </a:r>
+            <a:endParaRPr dirty="0">
+              <a:solidFill>
+                <a:schemeClr val="dk1"/>
+              </a:solidFill>
+            </a:endParaRPr>
+          </a:p>
+          <a:p>
+            <a:pPr marL="914400" lvl="1" indent="-317500" algn="l" rtl="0">
+              <a:lnSpc>
+                <a:spcPct val="115000"/>
+              </a:lnSpc>
+              <a:spcBef>
+                <a:spcPts val="0"/>
+              </a:spcBef>
+              <a:spcAft>
+                <a:spcPts val="0"/>
+              </a:spcAft>
+              <a:buClr>
+                <a:schemeClr val="dk1"/>
+              </a:buClr>
+              <a:buSzPts val="1400"/>
+              <a:buChar char="○"/>
+            </a:pPr>
+            <a:r>
+              <a:rPr lang="ru" dirty="0">
+                <a:solidFill>
+                  <a:schemeClr val="dk1"/>
+                </a:solidFill>
+              </a:rPr>
+              <a:t>средств визуализации диаграмм для языков общего назначения;</a:t>
+            </a:r>
+            <a:endParaRPr dirty="0">
+              <a:solidFill>
+                <a:schemeClr val="dk1"/>
+              </a:solidFill>
+            </a:endParaRPr>
+          </a:p>
+          <a:p>
+            <a:pPr marL="914400" lvl="1" indent="-317500" algn="l" rtl="0">
+              <a:lnSpc>
+                <a:spcPct val="150000"/>
+              </a:lnSpc>
+              <a:spcBef>
+                <a:spcPts val="0"/>
+              </a:spcBef>
+              <a:spcAft>
+                <a:spcPts val="0"/>
+              </a:spcAft>
+              <a:buClr>
+                <a:schemeClr val="dk1"/>
+              </a:buClr>
+              <a:buSzPts val="1400"/>
+              <a:buChar char="○"/>
+            </a:pPr>
+            <a:r>
+              <a:rPr lang="ru" dirty="0">
+                <a:solidFill>
+                  <a:schemeClr val="dk1"/>
+                </a:solidFill>
+              </a:rPr>
+              <a:t>средств визуализации графов.</a:t>
+            </a:r>
+            <a:endParaRPr dirty="0">
+              <a:solidFill>
+                <a:schemeClr val="dk1"/>
+              </a:solidFill>
+            </a:endParaRPr>
+          </a:p>
+          <a:p>
+            <a:pPr marL="457200" lvl="0" indent="-317500" algn="l" rtl="0">
+              <a:lnSpc>
+                <a:spcPct val="115000"/>
+              </a:lnSpc>
+              <a:spcBef>
+                <a:spcPts val="0"/>
+              </a:spcBef>
+              <a:spcAft>
+                <a:spcPts val="0"/>
+              </a:spcAft>
+              <a:buClr>
+                <a:schemeClr val="dk1"/>
+              </a:buClr>
+              <a:buSzPts val="1400"/>
+              <a:buChar char="●"/>
+            </a:pPr>
+            <a:r>
+              <a:rPr lang="ru" dirty="0">
+                <a:solidFill>
+                  <a:schemeClr val="dk1"/>
+                </a:solidFill>
+              </a:rPr>
+              <a:t>спроектировать систему:</a:t>
+            </a:r>
+            <a:endParaRPr dirty="0">
+              <a:solidFill>
+                <a:schemeClr val="dk1"/>
+              </a:solidFill>
+            </a:endParaRPr>
+          </a:p>
+          <a:p>
+            <a:pPr marL="914400" lvl="1" indent="-317500" algn="l" rtl="0">
+              <a:lnSpc>
+                <a:spcPct val="115000"/>
+              </a:lnSpc>
+              <a:spcBef>
+                <a:spcPts val="0"/>
+              </a:spcBef>
+              <a:spcAft>
+                <a:spcPts val="0"/>
+              </a:spcAft>
+              <a:buClr>
+                <a:schemeClr val="dk1"/>
+              </a:buClr>
+              <a:buSzPts val="1400"/>
+              <a:buChar char="○"/>
+            </a:pPr>
+            <a:r>
+              <a:rPr lang="ru" dirty="0">
+                <a:solidFill>
+                  <a:schemeClr val="dk1"/>
+                </a:solidFill>
+              </a:rPr>
+              <a:t>сформулировать требования к создаваемому программному модулю;</a:t>
+            </a:r>
+            <a:endParaRPr dirty="0">
+              <a:solidFill>
+                <a:schemeClr val="dk1"/>
+              </a:solidFill>
+            </a:endParaRPr>
+          </a:p>
+          <a:p>
+            <a:pPr marL="914400" lvl="1" indent="-317500" algn="l" rtl="0">
+              <a:lnSpc>
+                <a:spcPct val="115000"/>
+              </a:lnSpc>
+              <a:spcBef>
+                <a:spcPts val="0"/>
+              </a:spcBef>
+              <a:spcAft>
+                <a:spcPts val="0"/>
+              </a:spcAft>
+              <a:buClr>
+                <a:schemeClr val="dk1"/>
+              </a:buClr>
+              <a:buSzPts val="1400"/>
+              <a:buChar char="○"/>
+            </a:pPr>
+            <a:r>
+              <a:rPr lang="ru" dirty="0">
+                <a:solidFill>
+                  <a:schemeClr val="dk1"/>
+                </a:solidFill>
+              </a:rPr>
+              <a:t>разработать диаграммы для отображения связей процессов;</a:t>
+            </a:r>
+            <a:endParaRPr dirty="0">
+              <a:solidFill>
+                <a:schemeClr val="dk1"/>
+              </a:solidFill>
+            </a:endParaRPr>
+          </a:p>
+          <a:p>
+            <a:pPr marL="914400" lvl="1" indent="-317500" algn="l" rtl="0">
+              <a:lnSpc>
+                <a:spcPct val="150000"/>
+              </a:lnSpc>
+              <a:spcBef>
+                <a:spcPts val="0"/>
+              </a:spcBef>
+              <a:spcAft>
+                <a:spcPts val="0"/>
+              </a:spcAft>
+              <a:buClr>
+                <a:schemeClr val="dk1"/>
+              </a:buClr>
+              <a:buSzPts val="1400"/>
+              <a:buChar char="○"/>
+            </a:pPr>
+            <a:r>
+              <a:rPr lang="ru" dirty="0">
+                <a:solidFill>
+                  <a:schemeClr val="dk1"/>
+                </a:solidFill>
+              </a:rPr>
+              <a:t>определить формат представления диаграмм;</a:t>
+            </a:r>
+            <a:endParaRPr dirty="0">
+              <a:solidFill>
+                <a:schemeClr val="dk1"/>
+              </a:solidFill>
+            </a:endParaRPr>
+          </a:p>
+          <a:p>
+            <a:pPr marL="457200" lvl="0" indent="-317500" algn="l" rtl="0">
+              <a:lnSpc>
+                <a:spcPct val="150000"/>
+              </a:lnSpc>
+              <a:spcBef>
+                <a:spcPts val="0"/>
+              </a:spcBef>
+              <a:spcAft>
+                <a:spcPts val="0"/>
+              </a:spcAft>
+              <a:buClr>
+                <a:schemeClr val="dk1"/>
+              </a:buClr>
+              <a:buSzPts val="1400"/>
+              <a:buChar char="●"/>
+            </a:pPr>
+            <a:r>
+              <a:rPr lang="ru" dirty="0">
+                <a:solidFill>
+                  <a:schemeClr val="dk1"/>
+                </a:solidFill>
+              </a:rPr>
+              <a:t>разработать архитектуру модуля, реализовать модуль визуализации;</a:t>
+            </a:r>
+            <a:endParaRPr dirty="0">
+              <a:solidFill>
+                <a:schemeClr val="dk1"/>
+              </a:solidFill>
+            </a:endParaRPr>
+          </a:p>
+          <a:p>
+            <a:pPr marL="457200" lvl="0" indent="-317500" algn="l" rtl="0">
+              <a:lnSpc>
+                <a:spcPct val="150000"/>
+              </a:lnSpc>
+              <a:spcBef>
+                <a:spcPts val="0"/>
+              </a:spcBef>
+              <a:spcAft>
+                <a:spcPts val="0"/>
+              </a:spcAft>
+              <a:buClr>
+                <a:schemeClr val="dk1"/>
+              </a:buClr>
+              <a:buSzPts val="1400"/>
+              <a:buChar char="●"/>
+            </a:pPr>
+            <a:r>
+              <a:rPr lang="ru" dirty="0">
+                <a:solidFill>
+                  <a:schemeClr val="dk1"/>
+                </a:solidFill>
+              </a:rPr>
+              <a:t>провести тестирование созданной реализации, опробовать ее на практике;</a:t>
+            </a:r>
+            <a:endParaRPr dirty="0">
+              <a:solidFill>
+                <a:schemeClr val="dk1"/>
+              </a:solidFill>
+            </a:endParaRPr>
+          </a:p>
+        </p:txBody>
+      </p:sp>
+      <p:sp>
+        <p:nvSpPr>
+          <p:cNvPr id="2" name="Номер слайда 1"/>
+          <p:cNvSpPr>
+            <a:spLocks noGrp="1"/>
+          </p:cNvSpPr>
+          <p:nvPr>
+            <p:ph type="sldNum" idx="12"/>
+          </p:nvPr>
+        </p:nvSpPr>
+        <p:spPr>
+          <a:xfrm>
+            <a:off x="8595300" y="4749900"/>
+            <a:ext cx="548700" cy="393600"/>
+          </a:xfrm>
+        </p:spPr>
+        <p:txBody>
+          <a:bodyPr/>
+          <a:lstStyle/>
+          <a:p>
+            <a:pPr lvl="0"/>
+            <a:fld id="{00000000-1234-1234-1234-123412341234}" type="slidenum">
+              <a:rPr lang="ru" smtClean="0"/>
+              <a:pPr lvl="0"/>
+              <a:t>3</a:t>
+            </a:fld>
+            <a:r>
+              <a:rPr lang="en-US" dirty="0"/>
+              <a:t> /19</a:t>
+            </a:r>
+            <a:endParaRPr lang="ru" dirty="0"/>
+          </a:p>
+        </p:txBody>
+      </p:sp>
+    </p:spTree>
+    <p:extLst>
+      <p:ext uri="{BB962C8B-B14F-4D97-AF65-F5344CB8AC3E}">
+        <p14:creationId xmlns:p14="http://schemas.microsoft.com/office/powerpoint/2010/main" val="3814258861"/>
+      </p:ext>
+    </p:extLst>
+  </p:cSld>
+  <p:clrMapOvr>
+    <a:masterClrMapping/>
+  </p:clrMapOvr>
+  <p:timing>
+    <p:tnLst>
+      <p:par>
+        <p:cTn id="1" dur="indefinite" restart="never" nodeType="tmRoot"/>
+      </p:par>
+    </p:tnLst>
+  </p:timing>
+</p:sld>
+</file>
+
+<file path=ppt/slides/slide4.xml><?xml version="1.0" encoding="utf-8"?>
+<p:sld xmlns:a="http://schemas.openxmlformats.org/drawingml/2006/main" xmlns:r="http://schemas.openxmlformats.org/officeDocument/2006/relationships" xmlns:p="http://schemas.openxmlformats.org/presentationml/2006/main">
+  <p:cSld>
+    <p:spTree>
+      <p:nvGrpSpPr>
+        <p:cNvPr id="1" name=""/>
+        <p:cNvGrpSpPr/>
+        <p:nvPr/>
+      </p:nvGrpSpPr>
+      <p:grpSpPr>
+        <a:xfrm>
+          <a:off x="0" y="0"/>
+          <a:ext cx="0" cy="0"/>
+          <a:chOff x="0" y="0"/>
+          <a:chExt cx="0" cy="0"/>
+        </a:xfrm>
+      </p:grpSpPr>
       <p:sp>
         <p:nvSpPr>
           <p:cNvPr id="5" name="TextBox 4"/>
@@ -15411,7 +18009,7 @@
         </p:nvSpPr>
         <p:spPr>
           <a:xfrm>
-            <a:off x="3492500" y="2368550"/>
+            <a:off x="3409950" y="2377980"/>
             <a:ext cx="1219200" cy="222250"/>
           </a:xfrm>
           <a:prstGeom prst="rightArrow">
@@ -15497,8 +18095,50 @@
       </p:sp>
       <p:sp>
         <p:nvSpPr>
-          <p:cNvPr id="11" name="Google Shape;140;p30"/>
+          <p:cNvPr id="12" name="Google Shape;131;p29"/>
           <p:cNvSpPr txBox="1">
+            <a:spLocks noGrp="1"/>
+          </p:cNvSpPr>
+          <p:nvPr>
+            <p:ph type="title"/>
+          </p:nvPr>
+        </p:nvSpPr>
+        <p:spPr>
+          <a:xfrm>
+            <a:off x="312251" y="184244"/>
+            <a:ext cx="8520600" cy="498143"/>
+          </a:xfrm>
+          <a:prstGeom prst="rect">
+            <a:avLst/>
+          </a:prstGeom>
+        </p:spPr>
+        <p:txBody>
+          <a:bodyPr spcFirstLastPara="1" wrap="square" lIns="91425" tIns="91425" rIns="91425" bIns="91425" anchor="t" anchorCtr="0">
+            <a:noAutofit/>
+          </a:bodyPr>
+          <a:lstStyle/>
+          <a:p>
+            <a:pPr lvl="0" algn="ctr"/>
+            <a:r>
+              <a:rPr lang="ru-RU" dirty="0" smtClean="0">
+                <a:solidFill>
+                  <a:srgbClr val="0B5394"/>
+                </a:solidFill>
+              </a:rPr>
+              <a:t>Решаемая проблема</a:t>
+            </a:r>
+            <a:endParaRPr dirty="0">
+              <a:solidFill>
+                <a:srgbClr val="0B5394"/>
+              </a:solidFill>
+            </a:endParaRPr>
+          </a:p>
+        </p:txBody>
+      </p:sp>
+      <p:sp>
+        <p:nvSpPr>
+          <p:cNvPr id="3" name="Номер слайда 2"/>
+          <p:cNvSpPr>
             <a:spLocks noGrp="1"/>
           </p:cNvSpPr>
           <p:nvPr>
@@ -15507,41 +18147,25 @@
         </p:nvSpPr>
         <p:spPr>
           <a:xfrm>
-            <a:off x="8472458" y="4663217"/>
+            <a:off x="8595300" y="4749900"/>
             <a:ext cx="548700" cy="393600"/>
           </a:xfrm>
-          <a:prstGeom prst="rect">
-            <a:avLst/>
-          </a:prstGeom>
         </p:spPr>
         <p:txBody>
-          <a:bodyPr spcFirstLastPara="1" wrap="square" lIns="91425" tIns="91425" rIns="91425" bIns="91425" anchor="ctr" anchorCtr="0">
-            <a:noAutofit/>
-          </a:bodyPr>
+          <a:bodyPr/>
           <a:lstStyle/>
           <a:p>
-            <a:pPr marL="0" lvl="0" indent="0" algn="r" rtl="0">
-              <a:spcBef>
-                <a:spcPts val="0"/>
-              </a:spcBef>
-              <a:spcAft>
-                <a:spcPts val="0"/>
-              </a:spcAft>
-              <a:buNone/>
-            </a:pPr>
+            <a:pPr lvl="0"/>
             <a:fld id="{00000000-1234-1234-1234-123412341234}" type="slidenum">
               <a:rPr lang="ru" smtClean="0"/>
-              <a:t>2</a:t>
+              <a:pPr lvl="0"/>
+              <a:t>4</a:t>
             </a:fld>
             <a:r>
-              <a:rPr lang="ru" dirty="0" smtClean="0"/>
-              <a:t>/2</a:t>
-            </a:r>
-            <a:r>
-              <a:rPr lang="en-US" dirty="0" smtClean="0"/>
-              <a:t>0</a:t>
-            </a:r>
-            <a:endParaRPr dirty="0"/>
+              <a:rPr lang="en-US" dirty="0"/>
+              <a:t> /19</a:t>
+            </a:r>
+            <a:endParaRPr lang="ru" dirty="0"/>
           </a:p>
         </p:txBody>
       </p:sp>
@@ -15565,7 +18189,7 @@
 </p:sld>
 </file>
 
-<file path=ppt/slides/slide3.xml><?xml version="1.0" encoding="utf-8"?>
+<file path=ppt/slides/slide5.xml><?xml version="1.0" encoding="utf-8"?>
 <p:sld xmlns:a="http://schemas.openxmlformats.org/drawingml/2006/main" xmlns:r="http://schemas.openxmlformats.org/officeDocument/2006/relationships" xmlns:p="http://schemas.openxmlformats.org/presentationml/2006/main">
   <p:cSld>
     <p:spTree>
@@ -15594,8 +18218,8 @@
         </p:nvSpPr>
         <p:spPr>
           <a:xfrm>
-            <a:off x="342275" y="227375"/>
-            <a:ext cx="8520600" cy="572700"/>
+            <a:off x="312251" y="184244"/>
+            <a:ext cx="8520600" cy="498143"/>
           </a:xfrm>
           <a:prstGeom prst="rect">
             <a:avLst/>
@@ -15607,78 +18231,20 @@
           </a:bodyPr>
           <a:lstStyle/>
           <a:p>
-            <a:pPr marL="0" lvl="0" indent="0" algn="ctr" rtl="0">
-              <a:spcBef>
-                <a:spcPts val="0"/>
-              </a:spcBef>
-              <a:spcAft>
-                <a:spcPts val="0"/>
-              </a:spcAft>
-              <a:buNone/>
-            </a:pPr>
-            <a:r>
-              <a:rPr lang="ru" sz="3000" dirty="0">
+            <a:pPr lvl="0" algn="ctr"/>
+            <a:r>
+              <a:rPr lang="ru" dirty="0">
                 <a:solidFill>
                   <a:srgbClr val="0B5394"/>
                 </a:solidFill>
               </a:rPr>
               <a:t>Специфика языка Reflex</a:t>
             </a:r>
-            <a:endParaRPr sz="3000" dirty="0">
+            <a:endParaRPr dirty="0">
               <a:solidFill>
                 <a:srgbClr val="0B5394"/>
               </a:solidFill>
             </a:endParaRPr>
-          </a:p>
-        </p:txBody>
-      </p:sp>
-      <p:sp>
-        <p:nvSpPr>
-          <p:cNvPr id="132" name="Google Shape;132;p29"/>
-          <p:cNvSpPr txBox="1">
-            <a:spLocks noGrp="1"/>
-          </p:cNvSpPr>
-          <p:nvPr>
-            <p:ph type="sldNum" idx="12"/>
-          </p:nvPr>
-        </p:nvSpPr>
-        <p:spPr>
-          <a:xfrm>
-            <a:off x="8472458" y="4663217"/>
-            <a:ext cx="548700" cy="393600"/>
-          </a:xfrm>
-          <a:prstGeom prst="rect">
-            <a:avLst/>
-          </a:prstGeom>
-        </p:spPr>
-        <p:txBody>
-          <a:bodyPr spcFirstLastPara="1" wrap="square" lIns="91425" tIns="91425" rIns="91425" bIns="91425" anchor="ctr" anchorCtr="0">
-            <a:noAutofit/>
-          </a:bodyPr>
-          <a:lstStyle/>
-          <a:p>
-            <a:pPr marL="0" lvl="0" indent="0" algn="r" rtl="0">
-              <a:spcBef>
-                <a:spcPts val="0"/>
-              </a:spcBef>
-              <a:spcAft>
-                <a:spcPts val="0"/>
-              </a:spcAft>
-              <a:buNone/>
-            </a:pPr>
-            <a:fld id="{00000000-1234-1234-1234-123412341234}" type="slidenum">
-              <a:rPr lang="ru" smtClean="0"/>
-              <a:t>3</a:t>
-            </a:fld>
-            <a:r>
-              <a:rPr lang="ru" dirty="0" smtClean="0"/>
-              <a:t>/2</a:t>
-            </a:r>
-            <a:r>
-              <a:rPr lang="en-US" dirty="0" smtClean="0"/>
-              <a:t>0</a:t>
-            </a:r>
-            <a:endParaRPr dirty="0"/>
           </a:p>
         </p:txBody>
       </p:sp>
@@ -16633,27 +19199,7 @@
                 <a:latin typeface="Courier New" panose="02070309020205020404" pitchFamily="49" charset="0"/>
                 <a:cs typeface="Courier New" panose="02070309020205020404" pitchFamily="49" charset="0"/>
               </a:rPr>
-              <a:t> </a:t>
-            </a:r>
-            <a:r>
-              <a:rPr lang="en-US" sz="900" dirty="0">
-                <a:solidFill>
-                  <a:schemeClr val="tx1"/>
-                </a:solidFill>
-                <a:latin typeface="Courier New" panose="02070309020205020404" pitchFamily="49" charset="0"/>
-                <a:cs typeface="Courier New" panose="02070309020205020404" pitchFamily="49" charset="0"/>
-              </a:rPr>
-              <a:t>WaitForDoorClose</a:t>
-            </a:r>
-            <a:r>
-              <a:rPr lang="en-US" sz="900" dirty="0">
-                <a:solidFill>
-                  <a:schemeClr val="tx1"/>
-                </a:solidFill>
-                <a:latin typeface="Courier New" panose="02070309020205020404" pitchFamily="49" charset="0"/>
-                <a:cs typeface="Courier New" panose="02070309020205020404" pitchFamily="49" charset="0"/>
-              </a:rPr>
-              <a:t>;</a:t>
+              <a:t> WaitForDoorClose;</a:t>
             </a:r>
           </a:p>
           <a:p>
@@ -16906,6 +19452,40 @@
               <a:latin typeface="Courier New" panose="02070309020205020404" pitchFamily="49" charset="0"/>
               <a:cs typeface="Courier New" panose="02070309020205020404" pitchFamily="49" charset="0"/>
             </a:endParaRPr>
+          </a:p>
+        </p:txBody>
+      </p:sp>
+      <p:sp>
+        <p:nvSpPr>
+          <p:cNvPr id="2" name="Номер слайда 1"/>
+          <p:cNvSpPr>
+            <a:spLocks noGrp="1"/>
+          </p:cNvSpPr>
+          <p:nvPr>
+            <p:ph type="sldNum" idx="12"/>
+          </p:nvPr>
+        </p:nvSpPr>
+        <p:spPr>
+          <a:xfrm>
+            <a:off x="8595300" y="4749900"/>
+            <a:ext cx="548700" cy="393600"/>
+          </a:xfrm>
+        </p:spPr>
+        <p:txBody>
+          <a:bodyPr/>
+          <a:lstStyle/>
+          <a:p>
+            <a:pPr lvl="0"/>
+            <a:fld id="{00000000-1234-1234-1234-123412341234}" type="slidenum">
+              <a:rPr lang="ru" smtClean="0"/>
+              <a:pPr lvl="0"/>
+              <a:t>5</a:t>
+            </a:fld>
+            <a:r>
+              <a:rPr lang="en-US" dirty="0"/>
+              <a:t> /19</a:t>
+            </a:r>
+            <a:endParaRPr lang="ru" dirty="0"/>
           </a:p>
         </p:txBody>
       </p:sp>
@@ -16924,7 +19504,7 @@
 </p:sld>
 </file>
 
-<file path=ppt/slides/slide4.xml><?xml version="1.0" encoding="utf-8"?>
+<file path=ppt/slides/slide6.xml><?xml version="1.0" encoding="utf-8"?>
 <p:sld xmlns:a="http://schemas.openxmlformats.org/drawingml/2006/main" xmlns:r="http://schemas.openxmlformats.org/officeDocument/2006/relationships" xmlns:p="http://schemas.openxmlformats.org/presentationml/2006/main">
   <p:cSld>
     <p:spTree>
@@ -16953,8 +19533,8 @@
         </p:nvSpPr>
         <p:spPr>
           <a:xfrm>
-            <a:off x="292650" y="73824"/>
-            <a:ext cx="8520600" cy="986625"/>
+            <a:off x="311700" y="122831"/>
+            <a:ext cx="8520600" cy="907575"/>
           </a:xfrm>
           <a:prstGeom prst="rect">
             <a:avLst/>
@@ -16976,68 +19556,18 @@
               <a:buNone/>
             </a:pPr>
             <a:r>
-              <a:rPr lang="ru" sz="3000" dirty="0">
+              <a:rPr lang="ru" dirty="0">
                 <a:solidFill>
                   <a:srgbClr val="0B5394"/>
                 </a:solidFill>
               </a:rPr>
               <a:t>Сравнительный анализ средств визуализации диаграмм для языков общего назначения</a:t>
             </a:r>
-            <a:endParaRPr sz="3000" dirty="0">
+            <a:endParaRPr dirty="0">
               <a:solidFill>
                 <a:srgbClr val="0B5394"/>
               </a:solidFill>
             </a:endParaRPr>
-          </a:p>
-        </p:txBody>
-      </p:sp>
-      <p:sp>
-        <p:nvSpPr>
-          <p:cNvPr id="140" name="Google Shape;140;p30"/>
-          <p:cNvSpPr txBox="1">
-            <a:spLocks noGrp="1"/>
-          </p:cNvSpPr>
-          <p:nvPr>
-            <p:ph type="sldNum" idx="12"/>
-          </p:nvPr>
-        </p:nvSpPr>
-        <p:spPr>
-          <a:xfrm>
-            <a:off x="8472458" y="4663217"/>
-            <a:ext cx="548700" cy="393600"/>
-          </a:xfrm>
-          <a:prstGeom prst="rect">
-            <a:avLst/>
-          </a:prstGeom>
-        </p:spPr>
-        <p:txBody>
-          <a:bodyPr spcFirstLastPara="1" wrap="square" lIns="91425" tIns="91425" rIns="91425" bIns="91425" anchor="ctr" anchorCtr="0">
-            <a:noAutofit/>
-          </a:bodyPr>
-          <a:lstStyle/>
-          <a:p>
-            <a:pPr marL="0" lvl="0" indent="0" algn="r" rtl="0">
-              <a:spcBef>
-                <a:spcPts val="0"/>
-              </a:spcBef>
-              <a:spcAft>
-                <a:spcPts val="0"/>
-              </a:spcAft>
-              <a:buNone/>
-            </a:pPr>
-            <a:fld id="{00000000-1234-1234-1234-123412341234}" type="slidenum">
-              <a:rPr lang="ru" smtClean="0"/>
-              <a:t>4</a:t>
-            </a:fld>
-            <a:r>
-              <a:rPr lang="ru" dirty="0" smtClean="0"/>
-              <a:t>/2</a:t>
-            </a:r>
-            <a:r>
-              <a:rPr lang="en-US" dirty="0" smtClean="0"/>
-              <a:t>0</a:t>
-            </a:r>
-            <a:endParaRPr dirty="0"/>
           </a:p>
         </p:txBody>
       </p:sp>
@@ -17049,7 +19579,7 @@
         </p:nvSpPr>
         <p:spPr>
           <a:xfrm>
-            <a:off x="412750" y="4618741"/>
+            <a:off x="1064715" y="4418686"/>
             <a:ext cx="539750" cy="209550"/>
           </a:xfrm>
           <a:prstGeom prst="rect">
@@ -17097,7 +19627,7 @@
         </p:nvSpPr>
         <p:spPr>
           <a:xfrm>
-            <a:off x="1085850" y="4428181"/>
+            <a:off x="1604465" y="4323406"/>
             <a:ext cx="1339850" cy="400110"/>
           </a:xfrm>
           <a:prstGeom prst="rect">
@@ -17127,7 +19657,7 @@
         </p:nvSpPr>
         <p:spPr>
           <a:xfrm>
-            <a:off x="2636836" y="4618741"/>
+            <a:off x="3909420" y="4418686"/>
             <a:ext cx="539750" cy="209550"/>
           </a:xfrm>
           <a:prstGeom prst="rect">
@@ -17175,7 +19705,7 @@
         </p:nvSpPr>
         <p:spPr>
           <a:xfrm>
-            <a:off x="5257799" y="4618741"/>
+            <a:off x="6561184" y="4418686"/>
             <a:ext cx="539750" cy="209550"/>
           </a:xfrm>
           <a:prstGeom prst="rect">
@@ -17223,7 +19753,7 @@
         </p:nvSpPr>
         <p:spPr>
           <a:xfrm>
-            <a:off x="3297236" y="4428181"/>
+            <a:off x="4517408" y="4323406"/>
             <a:ext cx="1725613" cy="400110"/>
           </a:xfrm>
           <a:prstGeom prst="rect">
@@ -17253,7 +19783,7 @@
         </p:nvSpPr>
         <p:spPr>
           <a:xfrm>
-            <a:off x="5865812" y="4428181"/>
+            <a:off x="7100934" y="4323406"/>
             <a:ext cx="1073150" cy="400110"/>
           </a:xfrm>
           <a:prstGeom prst="rect">
@@ -17297,12 +19827,12 @@
           <a:graphicData uri="http://schemas.openxmlformats.org/presentationml/2006/ole">
             <mc:AlternateContent xmlns:mc="http://schemas.openxmlformats.org/markup-compatibility/2006">
               <mc:Choice xmlns:v="urn:schemas-microsoft-com:vml" Requires="v">
-                <p:oleObj spid="_x0000_s1102" name="Лист" r:id="rId4" imgW="9725056" imgH="3057480" progId="Excel.Sheet.12">
+                <p:oleObj spid="_x0000_s1131" name="Лист" r:id="rId5" imgW="9725056" imgH="3057480" progId="Excel.Sheet.12">
                   <p:embed/>
                 </p:oleObj>
               </mc:Choice>
               <mc:Fallback>
-                <p:oleObj name="Лист" r:id="rId4" imgW="9725056" imgH="3057480" progId="Excel.Sheet.12">
+                <p:oleObj name="Лист" r:id="rId5" imgW="9725056" imgH="3057480" progId="Excel.Sheet.12">
                   <p:embed/>
                   <p:pic>
                     <p:nvPicPr>
@@ -17311,7 +19841,7 @@
                       <p:nvPr/>
                     </p:nvPicPr>
                     <p:blipFill>
-                      <a:blip r:embed="rId5"/>
+                      <a:blip r:embed="rId6"/>
                       <a:stretch>
                         <a:fillRect/>
                       </a:stretch>
@@ -17332,6 +19862,40 @@
           </a:graphicData>
         </a:graphic>
       </p:graphicFrame>
+      <p:sp>
+        <p:nvSpPr>
+          <p:cNvPr id="3" name="Номер слайда 2"/>
+          <p:cNvSpPr>
+            <a:spLocks noGrp="1"/>
+          </p:cNvSpPr>
+          <p:nvPr>
+            <p:ph type="sldNum" idx="12"/>
+          </p:nvPr>
+        </p:nvSpPr>
+        <p:spPr>
+          <a:xfrm>
+            <a:off x="8595300" y="4749900"/>
+            <a:ext cx="548700" cy="393600"/>
+          </a:xfrm>
+        </p:spPr>
+        <p:txBody>
+          <a:bodyPr/>
+          <a:lstStyle/>
+          <a:p>
+            <a:pPr lvl="0"/>
+            <a:fld id="{00000000-1234-1234-1234-123412341234}" type="slidenum">
+              <a:rPr lang="ru" smtClean="0"/>
+              <a:pPr lvl="0"/>
+              <a:t>6</a:t>
+            </a:fld>
+            <a:r>
+              <a:rPr lang="en-US" dirty="0"/>
+              <a:t> /19</a:t>
+            </a:r>
+            <a:endParaRPr lang="ru" dirty="0"/>
+          </a:p>
+        </p:txBody>
+      </p:sp>
     </p:spTree>
   </p:cSld>
   <p:clrMapOvr>
@@ -17347,7 +19911,7 @@
 </p:sld>
 </file>
 
-<file path=ppt/slides/slide5.xml><?xml version="1.0" encoding="utf-8"?>
+<file path=ppt/slides/slide7.xml><?xml version="1.0" encoding="utf-8"?>
 <p:sld xmlns:a="http://schemas.openxmlformats.org/drawingml/2006/main" xmlns:r="http://schemas.openxmlformats.org/officeDocument/2006/relationships" xmlns:p="http://schemas.openxmlformats.org/presentationml/2006/main">
   <p:cSld>
     <p:spTree>
@@ -17376,8 +19940,8 @@
         </p:nvSpPr>
         <p:spPr>
           <a:xfrm>
-            <a:off x="241300" y="88900"/>
-            <a:ext cx="8591000" cy="971549"/>
+            <a:off x="276500" y="123020"/>
+            <a:ext cx="8591000" cy="886914"/>
           </a:xfrm>
         </p:spPr>
         <p:txBody>
@@ -17386,7 +19950,7 @@
           <a:p>
             <a:pPr algn="ctr"/>
             <a:r>
-              <a:rPr lang="ru" sz="3000" dirty="0" smtClean="0">
+              <a:rPr lang="ru" dirty="0" smtClean="0">
                 <a:solidFill>
                   <a:srgbClr val="0B5394"/>
                 </a:solidFill>
@@ -17394,7 +19958,7 @@
               <a:t>Анализ </a:t>
             </a:r>
             <a:r>
-              <a:rPr lang="ru-RU" sz="3000" dirty="0" smtClean="0">
+              <a:rPr lang="ru-RU" dirty="0" smtClean="0">
                 <a:solidFill>
                   <a:srgbClr val="0B5394"/>
                 </a:solidFill>
@@ -17402,64 +19966,14 @@
               <a:t>средств </a:t>
             </a:r>
             <a:r>
-              <a:rPr lang="ru-RU" sz="3000" dirty="0">
+              <a:rPr lang="ru-RU" dirty="0">
                 <a:solidFill>
                   <a:srgbClr val="0B5394"/>
                 </a:solidFill>
               </a:rPr>
               <a:t>разработки систем управления и ПО для встраиваемых систем</a:t>
             </a:r>
-            <a:endParaRPr lang="ru-RU" sz="3000" dirty="0"/>
-          </a:p>
-        </p:txBody>
-      </p:sp>
-      <p:sp>
-        <p:nvSpPr>
-          <p:cNvPr id="6" name="Google Shape;140;p30"/>
-          <p:cNvSpPr txBox="1">
-            <a:spLocks noGrp="1"/>
-          </p:cNvSpPr>
-          <p:nvPr>
-            <p:ph type="sldNum" idx="12"/>
-          </p:nvPr>
-        </p:nvSpPr>
-        <p:spPr>
-          <a:xfrm>
-            <a:off x="8485158" y="4663217"/>
-            <a:ext cx="548700" cy="393600"/>
-          </a:xfrm>
-          <a:prstGeom prst="rect">
-            <a:avLst/>
-          </a:prstGeom>
-        </p:spPr>
-        <p:txBody>
-          <a:bodyPr spcFirstLastPara="1" wrap="square" lIns="91425" tIns="91425" rIns="91425" bIns="91425" anchor="ctr" anchorCtr="0">
-            <a:noAutofit/>
-          </a:bodyPr>
-          <a:lstStyle/>
-          <a:p>
-            <a:pPr marL="0" lvl="0" indent="0" algn="r" rtl="0">
-              <a:spcBef>
-                <a:spcPts val="0"/>
-              </a:spcBef>
-              <a:spcAft>
-                <a:spcPts val="0"/>
-              </a:spcAft>
-              <a:buNone/>
-            </a:pPr>
-            <a:fld id="{00000000-1234-1234-1234-123412341234}" type="slidenum">
-              <a:rPr lang="ru" smtClean="0"/>
-              <a:t>5</a:t>
-            </a:fld>
-            <a:r>
-              <a:rPr lang="ru" dirty="0" smtClean="0"/>
-              <a:t>/2</a:t>
-            </a:r>
-            <a:r>
-              <a:rPr lang="en-US" dirty="0" smtClean="0"/>
-              <a:t>0</a:t>
-            </a:r>
-            <a:endParaRPr dirty="0"/>
+            <a:endParaRPr lang="ru-RU" dirty="0"/>
           </a:p>
         </p:txBody>
       </p:sp>
@@ -17719,12 +20233,12 @@
           <a:graphicData uri="http://schemas.openxmlformats.org/presentationml/2006/ole">
             <mc:AlternateContent xmlns:mc="http://schemas.openxmlformats.org/markup-compatibility/2006">
               <mc:Choice xmlns:v="urn:schemas-microsoft-com:vml" Requires="v">
-                <p:oleObj spid="_x0000_s3129" name="Лист" r:id="rId3" imgW="7296021" imgH="4086180" progId="Excel.Sheet.12">
+                <p:oleObj spid="_x0000_s3158" name="Лист" r:id="rId4" imgW="7296021" imgH="4086180" progId="Excel.Sheet.12">
                   <p:embed/>
                 </p:oleObj>
               </mc:Choice>
               <mc:Fallback>
-                <p:oleObj name="Лист" r:id="rId3" imgW="7296021" imgH="4086180" progId="Excel.Sheet.12">
+                <p:oleObj name="Лист" r:id="rId4" imgW="7296021" imgH="4086180" progId="Excel.Sheet.12">
                   <p:embed/>
                   <p:pic>
                     <p:nvPicPr>
@@ -17733,7 +20247,7 @@
                       <p:nvPr/>
                     </p:nvPicPr>
                     <p:blipFill>
-                      <a:blip r:embed="rId4"/>
+                      <a:blip r:embed="rId5"/>
                       <a:stretch>
                         <a:fillRect/>
                       </a:stretch>
@@ -17755,6 +20269,40 @@
           </a:graphicData>
         </a:graphic>
       </p:graphicFrame>
+      <p:sp>
+        <p:nvSpPr>
+          <p:cNvPr id="4" name="Номер слайда 3"/>
+          <p:cNvSpPr>
+            <a:spLocks noGrp="1"/>
+          </p:cNvSpPr>
+          <p:nvPr>
+            <p:ph type="sldNum" idx="12"/>
+          </p:nvPr>
+        </p:nvSpPr>
+        <p:spPr>
+          <a:xfrm>
+            <a:off x="8595300" y="4749900"/>
+            <a:ext cx="548700" cy="393600"/>
+          </a:xfrm>
+        </p:spPr>
+        <p:txBody>
+          <a:bodyPr/>
+          <a:lstStyle/>
+          <a:p>
+            <a:pPr lvl="0"/>
+            <a:fld id="{00000000-1234-1234-1234-123412341234}" type="slidenum">
+              <a:rPr lang="ru" smtClean="0"/>
+              <a:pPr lvl="0"/>
+              <a:t>7</a:t>
+            </a:fld>
+            <a:r>
+              <a:rPr lang="en-US" dirty="0"/>
+              <a:t> /19</a:t>
+            </a:r>
+            <a:endParaRPr lang="ru" dirty="0"/>
+          </a:p>
+        </p:txBody>
+      </p:sp>
     </p:spTree>
     <p:extLst>
       <p:ext uri="{BB962C8B-B14F-4D97-AF65-F5344CB8AC3E}">
@@ -17775,7 +20323,7 @@
 </p:sld>
 </file>
 
-<file path=ppt/slides/slide6.xml><?xml version="1.0" encoding="utf-8"?>
+<file path=ppt/slides/slide8.xml><?xml version="1.0" encoding="utf-8"?>
 <p:sld xmlns:a="http://schemas.openxmlformats.org/drawingml/2006/main" xmlns:r="http://schemas.openxmlformats.org/officeDocument/2006/relationships" xmlns:p="http://schemas.openxmlformats.org/presentationml/2006/main">
   <p:cSld>
     <p:spTree>
@@ -17804,8 +20352,8 @@
         </p:nvSpPr>
         <p:spPr>
           <a:xfrm>
-            <a:off x="311700" y="144250"/>
-            <a:ext cx="8520600" cy="572700"/>
+            <a:off x="311700" y="116006"/>
+            <a:ext cx="8520600" cy="519058"/>
           </a:xfrm>
           <a:prstGeom prst="rect">
             <a:avLst/>
@@ -17827,14 +20375,14 @@
               <a:buNone/>
             </a:pPr>
             <a:r>
-              <a:rPr lang="ru" sz="3000" dirty="0">
+              <a:rPr lang="ru" dirty="0">
                 <a:solidFill>
                   <a:srgbClr val="0B5394"/>
                 </a:solidFill>
               </a:rPr>
               <a:t>Требования</a:t>
             </a:r>
-            <a:endParaRPr sz="3000" dirty="0">
+            <a:endParaRPr dirty="0">
               <a:solidFill>
                 <a:srgbClr val="0B5394"/>
               </a:solidFill>
@@ -18172,8 +20720,8 @@
       </p:sp>
       <p:sp>
         <p:nvSpPr>
-          <p:cNvPr id="150" name="Google Shape;150;p31"/>
-          <p:cNvSpPr txBox="1">
+          <p:cNvPr id="2" name="Номер слайда 1"/>
+          <p:cNvSpPr>
             <a:spLocks noGrp="1"/>
           </p:cNvSpPr>
           <p:nvPr>
@@ -18182,41 +20730,25 @@
         </p:nvSpPr>
         <p:spPr>
           <a:xfrm>
-            <a:off x="8472458" y="4663217"/>
+            <a:off x="8595300" y="4749900"/>
             <a:ext cx="548700" cy="393600"/>
           </a:xfrm>
-          <a:prstGeom prst="rect">
-            <a:avLst/>
-          </a:prstGeom>
         </p:spPr>
         <p:txBody>
-          <a:bodyPr spcFirstLastPara="1" wrap="square" lIns="91425" tIns="91425" rIns="91425" bIns="91425" anchor="ctr" anchorCtr="0">
-            <a:noAutofit/>
-          </a:bodyPr>
+          <a:bodyPr/>
           <a:lstStyle/>
           <a:p>
-            <a:pPr marL="0" lvl="0" indent="0" algn="r" rtl="0">
-              <a:spcBef>
-                <a:spcPts val="0"/>
-              </a:spcBef>
-              <a:spcAft>
-                <a:spcPts val="0"/>
-              </a:spcAft>
-              <a:buNone/>
-            </a:pPr>
+            <a:pPr lvl="0"/>
             <a:fld id="{00000000-1234-1234-1234-123412341234}" type="slidenum">
               <a:rPr lang="ru" smtClean="0"/>
-              <a:t>6</a:t>
+              <a:pPr lvl="0"/>
+              <a:t>8</a:t>
             </a:fld>
             <a:r>
-              <a:rPr lang="ru" dirty="0" smtClean="0"/>
-              <a:t>/2</a:t>
-            </a:r>
-            <a:r>
-              <a:rPr lang="en-US" dirty="0" smtClean="0"/>
-              <a:t>0</a:t>
-            </a:r>
-            <a:endParaRPr dirty="0"/>
+              <a:rPr lang="en-US" dirty="0"/>
+              <a:t> /19</a:t>
+            </a:r>
+            <a:endParaRPr lang="ru" dirty="0"/>
           </a:p>
         </p:txBody>
       </p:sp>
@@ -18235,7 +20767,7 @@
 </p:sld>
 </file>
 
-<file path=ppt/slides/slide7.xml><?xml version="1.0" encoding="utf-8"?>
+<file path=ppt/slides/slide9.xml><?xml version="1.0" encoding="utf-8"?>
 <p:sld xmlns:a="http://schemas.openxmlformats.org/drawingml/2006/main" xmlns:r="http://schemas.openxmlformats.org/officeDocument/2006/relationships" xmlns:p="http://schemas.openxmlformats.org/presentationml/2006/main">
   <p:cSld>
     <p:spTree>
@@ -18264,8 +20796,8 @@
         </p:nvSpPr>
         <p:spPr>
           <a:xfrm>
-            <a:off x="209550" y="124924"/>
-            <a:ext cx="8715300" cy="741000"/>
+            <a:off x="214350" y="118100"/>
+            <a:ext cx="8715300" cy="571112"/>
           </a:xfrm>
           <a:prstGeom prst="rect">
             <a:avLst/>
@@ -18287,14 +20819,14 @@
               <a:buNone/>
             </a:pPr>
             <a:r>
-              <a:rPr lang="ru" sz="3000" dirty="0">
+              <a:rPr lang="ru" sz="2800" dirty="0">
                 <a:solidFill>
                   <a:srgbClr val="0B5394"/>
                 </a:solidFill>
               </a:rPr>
               <a:t>Диаграмма состояний процесса</a:t>
             </a:r>
-            <a:endParaRPr sz="3000" dirty="0">
+            <a:endParaRPr sz="2800" dirty="0">
               <a:solidFill>
                 <a:srgbClr val="0B5394"/>
               </a:solidFill>
@@ -18314,8 +20846,8 @@
         </p:nvSpPr>
         <p:spPr>
           <a:xfrm>
-            <a:off x="6931900" y="775425"/>
-            <a:ext cx="2016300" cy="2663700"/>
+            <a:off x="6885296" y="1225801"/>
+            <a:ext cx="2156346" cy="1974599"/>
           </a:xfrm>
           <a:prstGeom prst="rect">
             <a:avLst/>
@@ -18369,379 +20901,6 @@
               <a:cs typeface="Times New Roman"/>
               <a:sym typeface="Times New Roman"/>
             </a:endParaRPr>
-          </a:p>
-        </p:txBody>
-      </p:sp>
-      <p:sp>
-        <p:nvSpPr>
-          <p:cNvPr id="165" name="Google Shape;165;p33"/>
-          <p:cNvSpPr txBox="1">
-            <a:spLocks noGrp="1"/>
-          </p:cNvSpPr>
-          <p:nvPr>
-            <p:ph type="sldNum" idx="12"/>
-          </p:nvPr>
-        </p:nvSpPr>
-        <p:spPr>
-          <a:xfrm>
-            <a:off x="8472458" y="4663217"/>
-            <a:ext cx="548700" cy="393600"/>
-          </a:xfrm>
-          <a:prstGeom prst="rect">
-            <a:avLst/>
-          </a:prstGeom>
-        </p:spPr>
-        <p:txBody>
-          <a:bodyPr spcFirstLastPara="1" wrap="square" lIns="91425" tIns="91425" rIns="91425" bIns="91425" anchor="ctr" anchorCtr="0">
-            <a:noAutofit/>
-          </a:bodyPr>
-          <a:lstStyle/>
-          <a:p>
-            <a:pPr marL="0" lvl="0" indent="0" algn="r" rtl="0">
-              <a:spcBef>
-                <a:spcPts val="0"/>
-              </a:spcBef>
-              <a:spcAft>
-                <a:spcPts val="0"/>
-              </a:spcAft>
-              <a:buNone/>
-            </a:pPr>
-            <a:fld id="{00000000-1234-1234-1234-123412341234}" type="slidenum">
-              <a:rPr lang="ru" smtClean="0"/>
-              <a:t>7</a:t>
-            </a:fld>
-            <a:r>
-              <a:rPr lang="ru" dirty="0" smtClean="0"/>
-              <a:t>/2</a:t>
-            </a:r>
-            <a:r>
-              <a:rPr lang="en-US" dirty="0" smtClean="0"/>
-              <a:t>0</a:t>
-            </a:r>
-            <a:endParaRPr dirty="0"/>
-          </a:p>
-        </p:txBody>
-      </p:sp>
-      <p:pic>
-        <p:nvPicPr>
-          <p:cNvPr id="3" name="Рисунок 2"/>
-          <p:cNvPicPr>
-            <a:picLocks noChangeAspect="1"/>
-          </p:cNvPicPr>
-          <p:nvPr/>
-        </p:nvPicPr>
-        <p:blipFill rotWithShape="1">
-          <a:blip r:embed="rId3">
-            <a:extLst>
-              <a:ext uri="{28A0092B-C50C-407E-A947-70E740481C1C}">
-                <a14:useLocalDpi xmlns:a14="http://schemas.microsoft.com/office/drawing/2010/main" val="0"/>
-              </a:ext>
-            </a:extLst>
-          </a:blip>
-          <a:srcRect t="1672" b="55710"/>
-          <a:stretch/>
-        </p:blipFill>
-        <p:spPr>
-          <a:xfrm>
-            <a:off x="387351" y="865924"/>
-            <a:ext cx="6432550" cy="3877308"/>
-          </a:xfrm>
-          <a:prstGeom prst="rect">
-            <a:avLst/>
-          </a:prstGeom>
-        </p:spPr>
-      </p:pic>
-    </p:spTree>
-  </p:cSld>
-  <p:clrMapOvr>
-    <a:masterClrMapping/>
-  </p:clrMapOvr>
-  <p:timing>
-    <p:tnLst>
-      <p:par>
-        <p:cTn id="1" dur="indefinite" restart="never" nodeType="tmRoot"/>
-      </p:par>
-    </p:tnLst>
-  </p:timing>
-</p:sld>
-</file>
-
-<file path=ppt/slides/slide8.xml><?xml version="1.0" encoding="utf-8"?>
-<p:sld xmlns:a="http://schemas.openxmlformats.org/drawingml/2006/main" xmlns:r="http://schemas.openxmlformats.org/officeDocument/2006/relationships" xmlns:p="http://schemas.openxmlformats.org/presentationml/2006/main">
-  <p:cSld>
-    <p:spTree>
-      <p:nvGrpSpPr>
-        <p:cNvPr id="1" name="Shape 169"/>
-        <p:cNvGrpSpPr/>
-        <p:nvPr/>
-      </p:nvGrpSpPr>
-      <p:grpSpPr>
-        <a:xfrm>
-          <a:off x="0" y="0"/>
-          <a:ext cx="0" cy="0"/>
-          <a:chOff x="0" y="0"/>
-          <a:chExt cx="0" cy="0"/>
-        </a:xfrm>
-      </p:grpSpPr>
-      <p:sp>
-        <p:nvSpPr>
-          <p:cNvPr id="170" name="Google Shape;170;p34"/>
-          <p:cNvSpPr txBox="1">
-            <a:spLocks noGrp="1"/>
-          </p:cNvSpPr>
-          <p:nvPr>
-            <p:ph type="title"/>
-          </p:nvPr>
-        </p:nvSpPr>
-        <p:spPr>
-          <a:xfrm>
-            <a:off x="157025" y="188900"/>
-            <a:ext cx="8681400" cy="650400"/>
-          </a:xfrm>
-          <a:prstGeom prst="rect">
-            <a:avLst/>
-          </a:prstGeom>
-        </p:spPr>
-        <p:txBody>
-          <a:bodyPr spcFirstLastPara="1" wrap="square" lIns="91425" tIns="91425" rIns="91425" bIns="91425" anchor="b" anchorCtr="0">
-            <a:noAutofit/>
-          </a:bodyPr>
-          <a:lstStyle/>
-          <a:p>
-            <a:pPr marL="0" lvl="0" indent="0" algn="ctr" rtl="0">
-              <a:spcBef>
-                <a:spcPts val="0"/>
-              </a:spcBef>
-              <a:spcAft>
-                <a:spcPts val="0"/>
-              </a:spcAft>
-              <a:buNone/>
-            </a:pPr>
-            <a:r>
-              <a:rPr lang="ru" sz="3000" dirty="0">
-                <a:solidFill>
-                  <a:srgbClr val="0B5394"/>
-                </a:solidFill>
-              </a:rPr>
-              <a:t>Диаграмма связи процессов по данным</a:t>
-            </a:r>
-            <a:endParaRPr sz="3000" dirty="0">
-              <a:solidFill>
-                <a:srgbClr val="0B5394"/>
-              </a:solidFill>
-            </a:endParaRPr>
-          </a:p>
-        </p:txBody>
-      </p:sp>
-      <p:sp>
-        <p:nvSpPr>
-          <p:cNvPr id="171" name="Google Shape;171;p34"/>
-          <p:cNvSpPr txBox="1">
-            <a:spLocks noGrp="1"/>
-          </p:cNvSpPr>
-          <p:nvPr>
-            <p:ph type="body" idx="2"/>
-          </p:nvPr>
-        </p:nvSpPr>
-        <p:spPr>
-          <a:xfrm>
-            <a:off x="5200650" y="952500"/>
-            <a:ext cx="3637750" cy="3773175"/>
-          </a:xfrm>
-          <a:prstGeom prst="rect">
-            <a:avLst/>
-          </a:prstGeom>
-        </p:spPr>
-        <p:txBody>
-          <a:bodyPr spcFirstLastPara="1" wrap="square" lIns="91425" tIns="91425" rIns="91425" bIns="91425" anchor="ctr" anchorCtr="0">
-            <a:noAutofit/>
-          </a:bodyPr>
-          <a:lstStyle/>
-          <a:p>
-            <a:pPr marL="0" lvl="0" indent="0" algn="l" rtl="0">
-              <a:spcBef>
-                <a:spcPts val="0"/>
-              </a:spcBef>
-              <a:spcAft>
-                <a:spcPts val="0"/>
-              </a:spcAft>
-              <a:buNone/>
-            </a:pPr>
-            <a:r>
-              <a:rPr lang="ru" sz="1400" dirty="0">
-                <a:solidFill>
-                  <a:srgbClr val="000000"/>
-                </a:solidFill>
-              </a:rPr>
-              <a:t>Для построения диаграмм связи процессов по данным была проанализирована диаграмма классов UML. Заимствовано: </a:t>
-            </a:r>
-            <a:endParaRPr sz="1400" dirty="0">
-              <a:solidFill>
-                <a:srgbClr val="000000"/>
-              </a:solidFill>
-            </a:endParaRPr>
-          </a:p>
-          <a:p>
-            <a:pPr marL="457200" lvl="0" indent="-317500" algn="l" rtl="0">
-              <a:spcBef>
-                <a:spcPts val="1600"/>
-              </a:spcBef>
-              <a:spcAft>
-                <a:spcPts val="0"/>
-              </a:spcAft>
-              <a:buClr>
-                <a:schemeClr val="dk1"/>
-              </a:buClr>
-              <a:buSzPts val="1400"/>
-              <a:buChar char="●"/>
-            </a:pPr>
-            <a:r>
-              <a:rPr lang="ru" sz="1400" dirty="0">
-                <a:solidFill>
-                  <a:schemeClr val="dk1"/>
-                </a:solidFill>
-              </a:rPr>
-              <a:t>Идея отражения зависимости с помощью стрелок.</a:t>
-            </a:r>
-            <a:endParaRPr sz="1400" dirty="0">
-              <a:solidFill>
-                <a:srgbClr val="000000"/>
-              </a:solidFill>
-            </a:endParaRPr>
-          </a:p>
-          <a:p>
-            <a:pPr marL="457200" lvl="0" indent="-317500" algn="l" rtl="0">
-              <a:spcBef>
-                <a:spcPts val="0"/>
-              </a:spcBef>
-              <a:spcAft>
-                <a:spcPts val="0"/>
-              </a:spcAft>
-              <a:buClr>
-                <a:srgbClr val="000000"/>
-              </a:buClr>
-              <a:buSzPts val="1400"/>
-              <a:buChar char="●"/>
-            </a:pPr>
-            <a:r>
-              <a:rPr lang="ru" sz="1400" dirty="0">
-                <a:solidFill>
-                  <a:srgbClr val="000000"/>
-                </a:solidFill>
-              </a:rPr>
-              <a:t>Общая структура вершин диаграммы: </a:t>
-            </a:r>
-            <a:endParaRPr sz="1400" dirty="0">
-              <a:solidFill>
-                <a:srgbClr val="000000"/>
-              </a:solidFill>
-            </a:endParaRPr>
-          </a:p>
-          <a:p>
-            <a:pPr marL="914400" lvl="1" indent="-317500" algn="l" rtl="0">
-              <a:spcBef>
-                <a:spcPts val="0"/>
-              </a:spcBef>
-              <a:spcAft>
-                <a:spcPts val="0"/>
-              </a:spcAft>
-              <a:buClr>
-                <a:srgbClr val="000000"/>
-              </a:buClr>
-              <a:buSzPts val="1400"/>
-              <a:buChar char="○"/>
-            </a:pPr>
-            <a:r>
-              <a:rPr lang="ru" dirty="0">
-                <a:solidFill>
-                  <a:srgbClr val="000000"/>
-                </a:solidFill>
-              </a:rPr>
-              <a:t>название процесса, отделенное чертой от тела.</a:t>
-            </a:r>
-            <a:endParaRPr dirty="0">
-              <a:solidFill>
-                <a:srgbClr val="000000"/>
-              </a:solidFill>
-            </a:endParaRPr>
-          </a:p>
-          <a:p>
-            <a:pPr marL="914400" lvl="1" indent="-317500" algn="l" rtl="0">
-              <a:spcBef>
-                <a:spcPts val="0"/>
-              </a:spcBef>
-              <a:spcAft>
-                <a:spcPts val="0"/>
-              </a:spcAft>
-              <a:buClr>
-                <a:schemeClr val="dk1"/>
-              </a:buClr>
-              <a:buSzPts val="1400"/>
-              <a:buChar char="○"/>
-            </a:pPr>
-            <a:r>
-              <a:rPr lang="ru" dirty="0">
-                <a:solidFill>
-                  <a:schemeClr val="dk1"/>
-                </a:solidFill>
-              </a:rPr>
-              <a:t>описание переменных (в оригинале - полей класса).</a:t>
-            </a:r>
-            <a:endParaRPr dirty="0">
-              <a:solidFill>
-                <a:schemeClr val="dk1"/>
-              </a:solidFill>
-            </a:endParaRPr>
-          </a:p>
-        </p:txBody>
-      </p:sp>
-      <p:sp>
-        <p:nvSpPr>
-          <p:cNvPr id="172" name="Google Shape;172;p34"/>
-          <p:cNvSpPr txBox="1">
-            <a:spLocks noGrp="1"/>
-          </p:cNvSpPr>
-          <p:nvPr>
-            <p:ph type="sldNum" idx="12"/>
-          </p:nvPr>
-        </p:nvSpPr>
-        <p:spPr>
-          <a:xfrm>
-            <a:off x="8472458" y="4663217"/>
-            <a:ext cx="548700" cy="393600"/>
-          </a:xfrm>
-          <a:prstGeom prst="rect">
-            <a:avLst/>
-          </a:prstGeom>
-        </p:spPr>
-        <p:txBody>
-          <a:bodyPr spcFirstLastPara="1" wrap="square" lIns="91425" tIns="91425" rIns="91425" bIns="91425" anchor="ctr" anchorCtr="0">
-            <a:noAutofit/>
-          </a:bodyPr>
-          <a:lstStyle/>
-          <a:p>
-            <a:pPr marL="0" lvl="0" indent="0" algn="r" rtl="0">
-              <a:spcBef>
-                <a:spcPts val="0"/>
-              </a:spcBef>
-              <a:spcAft>
-                <a:spcPts val="0"/>
-              </a:spcAft>
-              <a:buNone/>
-            </a:pPr>
-            <a:fld id="{00000000-1234-1234-1234-123412341234}" type="slidenum">
-              <a:rPr lang="ru" smtClean="0"/>
-              <a:t>8</a:t>
-            </a:fld>
-            <a:r>
-              <a:rPr lang="ru" dirty="0" smtClean="0"/>
-              <a:t>/2</a:t>
-            </a:r>
-            <a:r>
-              <a:rPr lang="en-US" dirty="0" smtClean="0"/>
-              <a:t>0</a:t>
-            </a:r>
-            <a:endParaRPr dirty="0"/>
           </a:p>
         </p:txBody>
       </p:sp>
@@ -18761,101 +20920,23 @@
               </a:ext>
             </a:extLst>
           </a:blip>
-          <a:srcRect b="44198"/>
+          <a:srcRect t="3184" b="57678"/>
           <a:stretch/>
         </p:blipFill>
         <p:spPr>
           <a:xfrm>
-            <a:off x="222251" y="1025524"/>
-            <a:ext cx="4758422" cy="3755453"/>
+            <a:off x="146904" y="982638"/>
+            <a:ext cx="7014602" cy="3882789"/>
           </a:xfrm>
           <a:prstGeom prst="rect">
             <a:avLst/>
           </a:prstGeom>
         </p:spPr>
       </p:pic>
-    </p:spTree>
-  </p:cSld>
-  <p:clrMapOvr>
-    <a:masterClrMapping/>
-  </p:clrMapOvr>
-  <p:timing>
-    <p:tnLst>
-      <p:par>
-        <p:cTn id="1" dur="indefinite" restart="never" nodeType="tmRoot"/>
-      </p:par>
-    </p:tnLst>
-  </p:timing>
-</p:sld>
-</file>
-
-<file path=ppt/slides/slide9.xml><?xml version="1.0" encoding="utf-8"?>
-<p:sld xmlns:a="http://schemas.openxmlformats.org/drawingml/2006/main" xmlns:r="http://schemas.openxmlformats.org/officeDocument/2006/relationships" xmlns:p="http://schemas.openxmlformats.org/presentationml/2006/main">
-  <p:cSld>
-    <p:spTree>
-      <p:nvGrpSpPr>
-        <p:cNvPr id="1" name="Shape 177"/>
-        <p:cNvGrpSpPr/>
-        <p:nvPr/>
-      </p:nvGrpSpPr>
-      <p:grpSpPr>
-        <a:xfrm>
-          <a:off x="0" y="0"/>
-          <a:ext cx="0" cy="0"/>
-          <a:chOff x="0" y="0"/>
-          <a:chExt cx="0" cy="0"/>
-        </a:xfrm>
-      </p:grpSpPr>
       <p:sp>
         <p:nvSpPr>
-          <p:cNvPr id="178" name="Google Shape;178;p35"/>
-          <p:cNvSpPr txBox="1">
-            <a:spLocks noGrp="1"/>
-          </p:cNvSpPr>
-          <p:nvPr>
-            <p:ph type="title"/>
-          </p:nvPr>
-        </p:nvSpPr>
-        <p:spPr>
-          <a:xfrm>
-            <a:off x="538925" y="169000"/>
-            <a:ext cx="8240400" cy="648000"/>
-          </a:xfrm>
-          <a:prstGeom prst="rect">
-            <a:avLst/>
-          </a:prstGeom>
-        </p:spPr>
-        <p:txBody>
-          <a:bodyPr spcFirstLastPara="1" wrap="square" lIns="91425" tIns="91425" rIns="91425" bIns="91425" anchor="b" anchorCtr="0">
-            <a:noAutofit/>
-          </a:bodyPr>
-          <a:lstStyle/>
-          <a:p>
-            <a:pPr marL="0" lvl="0" indent="0" algn="ctr" rtl="0">
-              <a:spcBef>
-                <a:spcPts val="0"/>
-              </a:spcBef>
-              <a:spcAft>
-                <a:spcPts val="0"/>
-              </a:spcAft>
-              <a:buNone/>
-            </a:pPr>
-            <a:r>
-              <a:rPr lang="ru" sz="3000" dirty="0">
-                <a:solidFill>
-                  <a:srgbClr val="0B5394"/>
-                </a:solidFill>
-              </a:rPr>
-              <a:t>Диаграмма связи процессов по управлению</a:t>
-            </a:r>
-            <a:endParaRPr sz="3000" dirty="0"/>
-          </a:p>
-        </p:txBody>
-      </p:sp>
-      <p:sp>
-        <p:nvSpPr>
-          <p:cNvPr id="179" name="Google Shape;179;p35"/>
-          <p:cNvSpPr txBox="1">
+          <p:cNvPr id="4" name="Номер слайда 3"/>
+          <p:cNvSpPr>
             <a:spLocks noGrp="1"/>
           </p:cNvSpPr>
           <p:nvPr>
@@ -18864,337 +20945,28 @@
         </p:nvSpPr>
         <p:spPr>
           <a:xfrm>
-            <a:off x="8472458" y="4663217"/>
+            <a:off x="8595300" y="4749900"/>
             <a:ext cx="548700" cy="393600"/>
           </a:xfrm>
-          <a:prstGeom prst="rect">
-            <a:avLst/>
-          </a:prstGeom>
         </p:spPr>
         <p:txBody>
-          <a:bodyPr spcFirstLastPara="1" wrap="square" lIns="91425" tIns="91425" rIns="91425" bIns="91425" anchor="ctr" anchorCtr="0">
-            <a:noAutofit/>
-          </a:bodyPr>
+          <a:bodyPr/>
           <a:lstStyle/>
           <a:p>
-            <a:pPr marL="0" lvl="0" indent="0" algn="r" rtl="0">
-              <a:spcBef>
-                <a:spcPts val="0"/>
-              </a:spcBef>
-              <a:spcAft>
-                <a:spcPts val="0"/>
-              </a:spcAft>
-              <a:buNone/>
-            </a:pPr>
+            <a:pPr lvl="0"/>
             <a:fld id="{00000000-1234-1234-1234-123412341234}" type="slidenum">
               <a:rPr lang="ru" smtClean="0"/>
+              <a:pPr lvl="0"/>
               <a:t>9</a:t>
             </a:fld>
             <a:r>
-              <a:rPr lang="ru" dirty="0" smtClean="0"/>
-              <a:t>/2</a:t>
-            </a:r>
-            <a:r>
-              <a:rPr lang="en-US" dirty="0" smtClean="0"/>
-              <a:t>0</a:t>
-            </a:r>
-            <a:endParaRPr dirty="0"/>
+              <a:rPr lang="en-US" dirty="0"/>
+              <a:t> /19</a:t>
+            </a:r>
+            <a:endParaRPr lang="ru" dirty="0"/>
           </a:p>
         </p:txBody>
       </p:sp>
-      <p:sp>
-        <p:nvSpPr>
-          <p:cNvPr id="180" name="Google Shape;180;p35"/>
-          <p:cNvSpPr txBox="1">
-            <a:spLocks noGrp="1"/>
-          </p:cNvSpPr>
-          <p:nvPr>
-            <p:ph type="body" idx="2"/>
-          </p:nvPr>
-        </p:nvSpPr>
-        <p:spPr>
-          <a:xfrm>
-            <a:off x="300251" y="784745"/>
-            <a:ext cx="8594880" cy="1712795"/>
-          </a:xfrm>
-          <a:prstGeom prst="rect">
-            <a:avLst/>
-          </a:prstGeom>
-        </p:spPr>
-        <p:txBody>
-          <a:bodyPr spcFirstLastPara="1" wrap="square" lIns="91425" tIns="91425" rIns="91425" bIns="91425" anchor="ctr" anchorCtr="0">
-            <a:noAutofit/>
-          </a:bodyPr>
-          <a:lstStyle/>
-          <a:p>
-            <a:pPr marL="0" lvl="0" indent="0" algn="l" rtl="0">
-              <a:lnSpc>
-                <a:spcPct val="100000"/>
-              </a:lnSpc>
-              <a:spcBef>
-                <a:spcPts val="0"/>
-              </a:spcBef>
-              <a:spcAft>
-                <a:spcPts val="0"/>
-              </a:spcAft>
-              <a:buNone/>
-            </a:pPr>
-            <a:r>
-              <a:rPr lang="ru" sz="1400" dirty="0">
-                <a:solidFill>
-                  <a:srgbClr val="000000"/>
-                </a:solidFill>
-              </a:rPr>
-              <a:t>Для построения диаграмм связи процессов по управлению были проанализированы:</a:t>
-            </a:r>
-            <a:endParaRPr sz="1400" dirty="0">
-              <a:solidFill>
-                <a:srgbClr val="000000"/>
-              </a:solidFill>
-            </a:endParaRPr>
-          </a:p>
-          <a:p>
-            <a:pPr marL="457200" lvl="0" indent="-317500" algn="l" rtl="0">
-              <a:lnSpc>
-                <a:spcPct val="100000"/>
-              </a:lnSpc>
-              <a:spcBef>
-                <a:spcPts val="1600"/>
-              </a:spcBef>
-              <a:spcAft>
-                <a:spcPts val="0"/>
-              </a:spcAft>
-              <a:buClr>
-                <a:srgbClr val="000000"/>
-              </a:buClr>
-              <a:buSzPts val="1400"/>
-              <a:buChar char="●"/>
-            </a:pPr>
-            <a:r>
-              <a:rPr lang="ru" sz="1400" dirty="0">
-                <a:solidFill>
-                  <a:srgbClr val="000000"/>
-                </a:solidFill>
-              </a:rPr>
-              <a:t>диаграмма деятельности UML: </a:t>
-            </a:r>
-            <a:endParaRPr sz="1400" dirty="0">
-              <a:solidFill>
-                <a:srgbClr val="000000"/>
-              </a:solidFill>
-            </a:endParaRPr>
-          </a:p>
-          <a:p>
-            <a:pPr marL="914400" lvl="1" indent="-317500" algn="l" rtl="0">
-              <a:lnSpc>
-                <a:spcPct val="100000"/>
-              </a:lnSpc>
-              <a:spcBef>
-                <a:spcPts val="0"/>
-              </a:spcBef>
-              <a:spcAft>
-                <a:spcPts val="0"/>
-              </a:spcAft>
-              <a:buClr>
-                <a:srgbClr val="000000"/>
-              </a:buClr>
-              <a:buSzPts val="1400"/>
-              <a:buChar char="○"/>
-            </a:pPr>
-            <a:r>
-              <a:rPr lang="ru" sz="1400" dirty="0">
-                <a:solidFill>
-                  <a:srgbClr val="000000"/>
-                </a:solidFill>
-              </a:rPr>
-              <a:t>общий вид вершин диаграммы </a:t>
-            </a:r>
-            <a:r>
-              <a:rPr lang="ru" dirty="0">
-                <a:solidFill>
-                  <a:srgbClr val="000000"/>
-                </a:solidFill>
-              </a:rPr>
-              <a:t>(</a:t>
-            </a:r>
-            <a:r>
-              <a:rPr lang="ru" sz="1400" dirty="0">
-                <a:solidFill>
-                  <a:srgbClr val="000000"/>
-                </a:solidFill>
-              </a:rPr>
-              <a:t>вместо названий активностей имена </a:t>
-            </a:r>
-            <a:r>
-              <a:rPr lang="ru" sz="1400" dirty="0" smtClean="0">
-                <a:solidFill>
-                  <a:srgbClr val="000000"/>
-                </a:solidFill>
-              </a:rPr>
-              <a:t>процессов</a:t>
-            </a:r>
-            <a:r>
-              <a:rPr lang="en-US" sz="1400" dirty="0" smtClean="0">
-                <a:solidFill>
-                  <a:srgbClr val="000000"/>
-                </a:solidFill>
-              </a:rPr>
-              <a:t>)</a:t>
-            </a:r>
-            <a:r>
-              <a:rPr lang="ru" sz="1400" dirty="0" smtClean="0">
-                <a:solidFill>
-                  <a:srgbClr val="000000"/>
-                </a:solidFill>
-              </a:rPr>
-              <a:t>;</a:t>
-            </a:r>
-            <a:endParaRPr sz="1400" dirty="0">
-              <a:solidFill>
-                <a:srgbClr val="000000"/>
-              </a:solidFill>
-            </a:endParaRPr>
-          </a:p>
-          <a:p>
-            <a:pPr marL="457200" lvl="0" indent="-317500" algn="l" rtl="0">
-              <a:lnSpc>
-                <a:spcPct val="100000"/>
-              </a:lnSpc>
-              <a:spcBef>
-                <a:spcPts val="0"/>
-              </a:spcBef>
-              <a:spcAft>
-                <a:spcPts val="0"/>
-              </a:spcAft>
-              <a:buClr>
-                <a:srgbClr val="000000"/>
-              </a:buClr>
-              <a:buSzPts val="1400"/>
-              <a:buChar char="●"/>
-            </a:pPr>
-            <a:r>
-              <a:rPr lang="ru" sz="1400" dirty="0">
-                <a:solidFill>
-                  <a:srgbClr val="000000"/>
-                </a:solidFill>
-              </a:rPr>
-              <a:t>диаграмма состояний UML:</a:t>
-            </a:r>
-            <a:endParaRPr sz="1400" dirty="0">
-              <a:solidFill>
-                <a:srgbClr val="000000"/>
-              </a:solidFill>
-            </a:endParaRPr>
-          </a:p>
-          <a:p>
-            <a:pPr marL="914400" lvl="1" indent="-317500" algn="l" rtl="0">
-              <a:lnSpc>
-                <a:spcPct val="100000"/>
-              </a:lnSpc>
-              <a:spcBef>
-                <a:spcPts val="0"/>
-              </a:spcBef>
-              <a:spcAft>
-                <a:spcPts val="0"/>
-              </a:spcAft>
-              <a:buClr>
-                <a:srgbClr val="000000"/>
-              </a:buClr>
-              <a:buSzPts val="1400"/>
-              <a:buChar char="○"/>
-            </a:pPr>
-            <a:r>
-              <a:rPr lang="ru" sz="1400" dirty="0">
-                <a:solidFill>
-                  <a:srgbClr val="000000"/>
-                </a:solidFill>
-              </a:rPr>
-              <a:t>идея подписей над стрелками</a:t>
-            </a:r>
-            <a:r>
-              <a:rPr lang="ru" dirty="0">
-                <a:solidFill>
-                  <a:srgbClr val="000000"/>
-                </a:solidFill>
-              </a:rPr>
-              <a:t>;</a:t>
-            </a:r>
-            <a:endParaRPr dirty="0">
-              <a:solidFill>
-                <a:srgbClr val="000000"/>
-              </a:solidFill>
-            </a:endParaRPr>
-          </a:p>
-          <a:p>
-            <a:pPr marL="914400" lvl="1" indent="-317500" algn="l" rtl="0">
-              <a:lnSpc>
-                <a:spcPct val="100000"/>
-              </a:lnSpc>
-              <a:spcBef>
-                <a:spcPts val="0"/>
-              </a:spcBef>
-              <a:spcAft>
-                <a:spcPts val="0"/>
-              </a:spcAft>
-              <a:buClr>
-                <a:srgbClr val="000000"/>
-              </a:buClr>
-              <a:buSzPts val="1400"/>
-              <a:buChar char="○"/>
-            </a:pPr>
-            <a:r>
-              <a:rPr lang="ru" sz="1400" dirty="0">
-                <a:solidFill>
-                  <a:srgbClr val="000000"/>
-                </a:solidFill>
-              </a:rPr>
-              <a:t>обозначение точки входа</a:t>
-            </a:r>
-            <a:r>
-              <a:rPr lang="ru" sz="1400" dirty="0" smtClean="0">
-                <a:solidFill>
-                  <a:srgbClr val="000000"/>
-                </a:solidFill>
-              </a:rPr>
-              <a:t>.</a:t>
-            </a:r>
-            <a:endParaRPr dirty="0">
-              <a:solidFill>
-                <a:srgbClr val="000000"/>
-              </a:solidFill>
-            </a:endParaRPr>
-          </a:p>
-        </p:txBody>
-      </p:sp>
-      <p:pic>
-        <p:nvPicPr>
-          <p:cNvPr id="8" name="Рисунок 7"/>
-          <p:cNvPicPr>
-            <a:picLocks noChangeAspect="1"/>
-          </p:cNvPicPr>
-          <p:nvPr/>
-        </p:nvPicPr>
-        <p:blipFill rotWithShape="1">
-          <a:blip r:embed="rId3">
-            <a:extLst>
-              <a:ext uri="{28A0092B-C50C-407E-A947-70E740481C1C}">
-                <a14:useLocalDpi xmlns:a14="http://schemas.microsoft.com/office/drawing/2010/main" val="0"/>
-              </a:ext>
-            </a:extLst>
-          </a:blip>
-          <a:srcRect l="2765" t="2786" r="2342" b="67629"/>
-          <a:stretch/>
-        </p:blipFill>
-        <p:spPr>
-          <a:xfrm>
-            <a:off x="1528552" y="2217758"/>
-            <a:ext cx="6066427" cy="2674961"/>
-          </a:xfrm>
-          <a:prstGeom prst="rect">
-            <a:avLst/>
-          </a:prstGeom>
-        </p:spPr>
-      </p:pic>
     </p:spTree>
   </p:cSld>
   <p:clrMapOvr>
